--- a/DesignPatterns/DesignPatterns.pptx
+++ b/DesignPatterns/DesignPatterns.pptx
@@ -22,6 +22,13 @@
     <p:sldId id="270" r:id="rId17"/>
     <p:sldId id="271" r:id="rId18"/>
     <p:sldId id="272" r:id="rId19"/>
+    <p:sldId id="273" r:id="rId20"/>
+    <p:sldId id="274" r:id="rId21"/>
+    <p:sldId id="275" r:id="rId22"/>
+    <p:sldId id="276" r:id="rId23"/>
+    <p:sldId id="277" r:id="rId24"/>
+    <p:sldId id="278" r:id="rId25"/>
+    <p:sldId id="279" r:id="rId26"/>
   </p:sldIdLst>
   <p:sldSz cx="10080625" cy="5670550"/>
   <p:notesSz cx="7559675" cy="10691813"/>
@@ -53,8 +60,8 @@
         </p:nvSpPr>
         <p:spPr>
           <a:xfrm flipH="1" flipV="1">
-            <a:off x="0" y="4500000"/>
-            <a:ext cx="10080000" cy="1170000"/>
+            <a:off x="-720" y="4499280"/>
+            <a:ext cx="10079640" cy="1169640"/>
           </a:xfrm>
           <a:prstGeom prst="flowChartDocument">
             <a:avLst/>
@@ -446,13 +453,13 @@
                 <a:srgbClr val="009bdd"/>
               </a:gs>
             </a:gsLst>
-            <a:lin ang="10800000"/>
+            <a:lin ang="0"/>
           </a:gradFill>
           <a:ln w="18000">
             <a:noFill/>
           </a:ln>
           <a:effectLst>
-            <a:outerShdw dist="10800" dir="5400000" blurRad="0" rotWithShape="0">
+            <a:outerShdw blurRad="0" dir="5400000" dist="10800" rotWithShape="0">
               <a:srgbClr val="009bdd"/>
             </a:outerShdw>
           </a:effectLst>
@@ -468,6 +475,11 @@
             <a:noAutofit/>
           </a:bodyPr>
           <a:p>
+            <a:pPr>
+              <a:lnSpc>
+                <a:spcPct val="100000"/>
+              </a:lnSpc>
+            </a:pPr>
             <a:endParaRPr b="0" lang="hu-HU" sz="1800" strike="noStrike" u="none">
               <a:solidFill>
                 <a:srgbClr val="000000"/>
@@ -475,6 +487,7 @@
               <a:effectLst/>
               <a:uFillTx/>
               <a:latin typeface="Arial"/>
+              <a:ea typeface="DejaVu Sans"/>
             </a:endParaRPr>
           </a:p>
         </p:txBody>
@@ -492,7 +505,7 @@
         <p:spPr>
           <a:xfrm>
             <a:off x="0" y="1620000"/>
-            <a:ext cx="9000000" cy="1080000"/>
+            <a:ext cx="8999640" cy="1079640"/>
           </a:xfrm>
           <a:prstGeom prst="rect">
             <a:avLst/>
@@ -508,7 +521,13 @@
           </a:bodyPr>
           <a:p>
             <a:pPr indent="0" algn="ctr">
+              <a:lnSpc>
+                <a:spcPct val="100000"/>
+              </a:lnSpc>
               <a:buNone/>
+              <a:tabLst>
+                <a:tab algn="l" pos="0"/>
+              </a:tabLst>
             </a:pPr>
             <a:r>
               <a:rPr b="0" lang="hu-HU" sz="3300" strike="noStrike" u="none">
@@ -523,7 +542,7 @@
             </a:r>
             <a:endParaRPr b="0" lang="hu-HU" sz="3300" strike="noStrike" u="none">
               <a:solidFill>
-                <a:srgbClr val="dd4100"/>
+                <a:srgbClr val="000000"/>
               </a:solidFill>
               <a:effectLst/>
               <a:uFillTx/>
@@ -545,7 +564,7 @@
         <p:spPr>
           <a:xfrm>
             <a:off x="360000" y="2880000"/>
-            <a:ext cx="9360000" cy="1620000"/>
+            <a:ext cx="9359640" cy="1619640"/>
           </a:xfrm>
           <a:prstGeom prst="rect">
             <a:avLst/>
@@ -561,6 +580,9 @@
           </a:bodyPr>
           <a:p>
             <a:pPr marL="432000" indent="-324000">
+              <a:lnSpc>
+                <a:spcPct val="100000"/>
+              </a:lnSpc>
               <a:spcBef>
                 <a:spcPts val="1060"/>
               </a:spcBef>
@@ -584,7 +606,7 @@
             </a:r>
             <a:endParaRPr b="0" lang="hu-HU" sz="2400" strike="noStrike" u="none">
               <a:solidFill>
-                <a:srgbClr val="009bdd"/>
+                <a:srgbClr val="000000"/>
               </a:solidFill>
               <a:effectLst/>
               <a:uFillTx/>
@@ -593,6 +615,9 @@
           </a:p>
           <a:p>
             <a:pPr lvl="1" marL="864000" indent="-324000">
+              <a:lnSpc>
+                <a:spcPct val="100000"/>
+              </a:lnSpc>
               <a:spcBef>
                 <a:spcPts val="850"/>
               </a:spcBef>
@@ -616,7 +641,7 @@
             </a:r>
             <a:endParaRPr b="0" lang="hu-HU" sz="2100" strike="noStrike" u="none">
               <a:solidFill>
-                <a:srgbClr val="009bdd"/>
+                <a:srgbClr val="000000"/>
               </a:solidFill>
               <a:effectLst/>
               <a:uFillTx/>
@@ -625,6 +650,9 @@
           </a:p>
           <a:p>
             <a:pPr lvl="2" marL="1296000" indent="-288000">
+              <a:lnSpc>
+                <a:spcPct val="100000"/>
+              </a:lnSpc>
               <a:spcBef>
                 <a:spcPts val="635"/>
               </a:spcBef>
@@ -648,7 +676,7 @@
             </a:r>
             <a:endParaRPr b="0" lang="hu-HU" sz="1800" strike="noStrike" u="none">
               <a:solidFill>
-                <a:srgbClr val="009bdd"/>
+                <a:srgbClr val="000000"/>
               </a:solidFill>
               <a:effectLst/>
               <a:uFillTx/>
@@ -657,6 +685,9 @@
           </a:p>
           <a:p>
             <a:pPr lvl="3" marL="1728000" indent="-216000">
+              <a:lnSpc>
+                <a:spcPct val="100000"/>
+              </a:lnSpc>
               <a:spcBef>
                 <a:spcPts val="422"/>
               </a:spcBef>
@@ -680,7 +711,7 @@
             </a:r>
             <a:endParaRPr b="0" lang="hu-HU" sz="1500" strike="noStrike" u="none">
               <a:solidFill>
-                <a:srgbClr val="009bdd"/>
+                <a:srgbClr val="000000"/>
               </a:solidFill>
               <a:effectLst/>
               <a:uFillTx/>
@@ -689,6 +720,9 @@
           </a:p>
           <a:p>
             <a:pPr lvl="4" marL="2160000" indent="-216000">
+              <a:lnSpc>
+                <a:spcPct val="100000"/>
+              </a:lnSpc>
               <a:spcBef>
                 <a:spcPts val="210"/>
               </a:spcBef>
@@ -712,7 +746,7 @@
             </a:r>
             <a:endParaRPr b="0" lang="hu-HU" sz="1500" strike="noStrike" u="none">
               <a:solidFill>
-                <a:srgbClr val="009bdd"/>
+                <a:srgbClr val="000000"/>
               </a:solidFill>
               <a:effectLst/>
               <a:uFillTx/>
@@ -721,6 +755,9 @@
           </a:p>
           <a:p>
             <a:pPr lvl="5" marL="2592000" indent="-216000">
+              <a:lnSpc>
+                <a:spcPct val="100000"/>
+              </a:lnSpc>
               <a:spcBef>
                 <a:spcPts val="210"/>
               </a:spcBef>
@@ -744,7 +781,7 @@
             </a:r>
             <a:endParaRPr b="0" lang="hu-HU" sz="1500" strike="noStrike" u="none">
               <a:solidFill>
-                <a:srgbClr val="009bdd"/>
+                <a:srgbClr val="000000"/>
               </a:solidFill>
               <a:effectLst/>
               <a:uFillTx/>
@@ -753,6 +790,9 @@
           </a:p>
           <a:p>
             <a:pPr lvl="6" marL="3024000" indent="-216000">
+              <a:lnSpc>
+                <a:spcPct val="100000"/>
+              </a:lnSpc>
               <a:spcBef>
                 <a:spcPts val="210"/>
               </a:spcBef>
@@ -776,7 +816,7 @@
             </a:r>
             <a:endParaRPr b="0" lang="hu-HU" sz="1500" strike="noStrike" u="none">
               <a:solidFill>
-                <a:srgbClr val="009bdd"/>
+                <a:srgbClr val="000000"/>
               </a:solidFill>
               <a:effectLst/>
               <a:uFillTx/>
@@ -798,7 +838,7 @@
         <p:spPr>
           <a:xfrm>
             <a:off x="360000" y="5220000"/>
-            <a:ext cx="2340000" cy="360000"/>
+            <a:ext cx="2339640" cy="359640"/>
           </a:xfrm>
           <a:prstGeom prst="rect">
             <a:avLst/>
@@ -814,7 +854,13 @@
           </a:bodyPr>
           <a:lstStyle>
             <a:lvl1pPr indent="0">
+              <a:lnSpc>
+                <a:spcPct val="100000"/>
+              </a:lnSpc>
               <a:buNone/>
+              <a:tabLst>
+                <a:tab algn="l" pos="0"/>
+              </a:tabLst>
               <a:defRPr b="0" lang="hu-HU" sz="1400" strike="noStrike" u="none">
                 <a:solidFill>
                   <a:srgbClr val="ffffff"/>
@@ -827,7 +873,13 @@
           </a:lstStyle>
           <a:p>
             <a:pPr indent="0">
+              <a:lnSpc>
+                <a:spcPct val="100000"/>
+              </a:lnSpc>
               <a:buNone/>
+              <a:tabLst>
+                <a:tab algn="l" pos="0"/>
+              </a:tabLst>
             </a:pPr>
             <a:r>
               <a:rPr b="0" lang="hu-HU" sz="1400" strike="noStrike" u="none">
@@ -842,11 +894,11 @@
             </a:r>
             <a:endParaRPr b="0" lang="hu-HU" sz="1400" strike="noStrike" u="none">
               <a:solidFill>
-                <a:srgbClr val="ffffff"/>
-              </a:solidFill>
-              <a:effectLst/>
-              <a:uFillTx/>
-              <a:latin typeface="Arial"/>
+                <a:srgbClr val="000000"/>
+              </a:solidFill>
+              <a:effectLst/>
+              <a:uFillTx/>
+              <a:latin typeface="Times New Roman"/>
             </a:endParaRPr>
           </a:p>
         </p:txBody>
@@ -864,7 +916,7 @@
         <p:spPr>
           <a:xfrm>
             <a:off x="3420000" y="5220000"/>
-            <a:ext cx="3240000" cy="360000"/>
+            <a:ext cx="3239640" cy="359640"/>
           </a:xfrm>
           <a:prstGeom prst="rect">
             <a:avLst/>
@@ -880,7 +932,13 @@
           </a:bodyPr>
           <a:lstStyle>
             <a:lvl1pPr indent="0" algn="ctr">
+              <a:lnSpc>
+                <a:spcPct val="100000"/>
+              </a:lnSpc>
               <a:buNone/>
+              <a:tabLst>
+                <a:tab algn="l" pos="0"/>
+              </a:tabLst>
               <a:defRPr b="0" lang="hu-HU" sz="1400" strike="noStrike" u="none">
                 <a:solidFill>
                   <a:srgbClr val="ffffff"/>
@@ -893,7 +951,13 @@
           </a:lstStyle>
           <a:p>
             <a:pPr indent="0" algn="ctr">
+              <a:lnSpc>
+                <a:spcPct val="100000"/>
+              </a:lnSpc>
               <a:buNone/>
+              <a:tabLst>
+                <a:tab algn="l" pos="0"/>
+              </a:tabLst>
             </a:pPr>
             <a:r>
               <a:rPr b="0" lang="hu-HU" sz="1400" strike="noStrike" u="none">
@@ -908,11 +972,11 @@
             </a:r>
             <a:endParaRPr b="0" lang="hu-HU" sz="1400" strike="noStrike" u="none">
               <a:solidFill>
-                <a:srgbClr val="ffffff"/>
-              </a:solidFill>
-              <a:effectLst/>
-              <a:uFillTx/>
-              <a:latin typeface="Arial"/>
+                <a:srgbClr val="000000"/>
+              </a:solidFill>
+              <a:effectLst/>
+              <a:uFillTx/>
+              <a:latin typeface="Times New Roman"/>
             </a:endParaRPr>
           </a:p>
         </p:txBody>
@@ -930,7 +994,7 @@
         <p:spPr>
           <a:xfrm>
             <a:off x="7380000" y="5220000"/>
-            <a:ext cx="2340000" cy="360000"/>
+            <a:ext cx="2339640" cy="359640"/>
           </a:xfrm>
           <a:prstGeom prst="rect">
             <a:avLst/>
@@ -946,7 +1010,13 @@
           </a:bodyPr>
           <a:lstStyle>
             <a:lvl1pPr indent="0" algn="r">
+              <a:lnSpc>
+                <a:spcPct val="100000"/>
+              </a:lnSpc>
               <a:buNone/>
+              <a:tabLst>
+                <a:tab algn="l" pos="0"/>
+              </a:tabLst>
               <a:defRPr b="0" lang="hu-HU" sz="1400" strike="noStrike" u="none">
                 <a:solidFill>
                   <a:srgbClr val="ffffff"/>
@@ -959,9 +1029,15 @@
           </a:lstStyle>
           <a:p>
             <a:pPr indent="0" algn="r">
+              <a:lnSpc>
+                <a:spcPct val="100000"/>
+              </a:lnSpc>
               <a:buNone/>
-            </a:pPr>
-            <a:fld id="{B03EF653-D7E1-435A-920C-76F1FDDDD6A2}" type="slidenum">
+              <a:tabLst>
+                <a:tab algn="l" pos="0"/>
+              </a:tabLst>
+            </a:pPr>
+            <a:fld id="{4CB6114C-4DDA-40DA-99FA-77D86B201900}" type="slidenum">
               <a:rPr b="0" lang="hu-HU" sz="1400" strike="noStrike" u="none">
                 <a:solidFill>
                   <a:srgbClr val="ffffff"/>
@@ -974,11 +1050,11 @@
             </a:fld>
             <a:endParaRPr b="0" lang="hu-HU" sz="1400" strike="noStrike" u="none">
               <a:solidFill>
-                <a:srgbClr val="ffffff"/>
-              </a:solidFill>
-              <a:effectLst/>
-              <a:uFillTx/>
-              <a:latin typeface="Arial"/>
+                <a:srgbClr val="000000"/>
+              </a:solidFill>
+              <a:effectLst/>
+              <a:uFillTx/>
+              <a:latin typeface="Times New Roman"/>
             </a:endParaRPr>
           </a:p>
         </p:txBody>
@@ -990,7 +1066,7 @@
 
 <file path=ppt/slideLayouts/slideLayout2.xml><?xml version="1.0" encoding="utf-8"?>
 <p:sldLayout xmlns:a="http://schemas.openxmlformats.org/drawingml/2006/main" xmlns:p="http://schemas.openxmlformats.org/presentationml/2006/main" xmlns:r="http://schemas.openxmlformats.org/officeDocument/2006/relationships" xmlns:p14="http://schemas.microsoft.com/office/powerpoint/2010/main" xmlns:p15="http://schemas.microsoft.com/office/powerpoint/2012/main" xmlns:mc="http://schemas.openxmlformats.org/markup-compatibility/2006" type="tx" preserve="1">
-  <p:cSld name="Blue_Curve">
+  <p:cSld name="Default">
     <p:spTree>
       <p:nvGrpSpPr>
         <p:cNvPr id="1" name=""/>
@@ -1007,14 +1083,14 @@
       </p:grpSpPr>
       <p:sp>
         <p:nvSpPr>
-          <p:cNvPr id="2" name=""/>
+          <p:cNvPr id="8" name=""/>
           <p:cNvSpPr/>
           <p:nvPr/>
         </p:nvSpPr>
         <p:spPr>
           <a:xfrm flipH="1" flipV="1">
-            <a:off x="0" y="4500000"/>
-            <a:ext cx="10080000" cy="1170000"/>
+            <a:off x="-720" y="4499280"/>
+            <a:ext cx="10079640" cy="1169640"/>
           </a:xfrm>
           <a:prstGeom prst="flowChartDocument">
             <a:avLst/>
@@ -1406,13 +1482,13 @@
                 <a:srgbClr val="009bdd"/>
               </a:gs>
             </a:gsLst>
-            <a:lin ang="10800000"/>
+            <a:lin ang="0"/>
           </a:gradFill>
           <a:ln w="18000">
             <a:noFill/>
           </a:ln>
           <a:effectLst>
-            <a:outerShdw dist="10800" dir="5400000" blurRad="0" rotWithShape="0">
+            <a:outerShdw blurRad="0" dir="5400000" dist="10800" rotWithShape="0">
               <a:srgbClr val="009bdd"/>
             </a:outerShdw>
           </a:effectLst>
@@ -1428,6 +1504,11 @@
             <a:noAutofit/>
           </a:bodyPr>
           <a:p>
+            <a:pPr>
+              <a:lnSpc>
+                <a:spcPct val="100000"/>
+              </a:lnSpc>
+            </a:pPr>
             <a:endParaRPr b="0" lang="hu-HU" sz="1800" strike="noStrike" u="none">
               <a:solidFill>
                 <a:srgbClr val="000000"/>
@@ -1435,13 +1516,14 @@
               <a:effectLst/>
               <a:uFillTx/>
               <a:latin typeface="Arial"/>
+              <a:ea typeface="DejaVu Sans"/>
             </a:endParaRPr>
           </a:p>
         </p:txBody>
       </p:sp>
       <p:sp>
         <p:nvSpPr>
-          <p:cNvPr id="8" name="PlaceHolder 1"/>
+          <p:cNvPr id="9" name="PlaceHolder 1"/>
           <p:cNvSpPr>
             <a:spLocks noGrp="1"/>
           </p:cNvSpPr>
@@ -1452,7 +1534,7 @@
         <p:spPr>
           <a:xfrm>
             <a:off x="0" y="1620000"/>
-            <a:ext cx="9000000" cy="1080000"/>
+            <a:ext cx="8999640" cy="1079640"/>
           </a:xfrm>
           <a:prstGeom prst="rect">
             <a:avLst/>
@@ -1468,7 +1550,13 @@
           </a:bodyPr>
           <a:p>
             <a:pPr indent="0" algn="ctr">
+              <a:lnSpc>
+                <a:spcPct val="100000"/>
+              </a:lnSpc>
               <a:buNone/>
+              <a:tabLst>
+                <a:tab algn="l" pos="0"/>
+              </a:tabLst>
             </a:pPr>
             <a:r>
               <a:rPr b="0" lang="hu-HU" sz="3300" strike="noStrike" u="none">
@@ -1483,7 +1571,7 @@
             </a:r>
             <a:endParaRPr b="0" lang="hu-HU" sz="3300" strike="noStrike" u="none">
               <a:solidFill>
-                <a:srgbClr val="dd4100"/>
+                <a:srgbClr val="000000"/>
               </a:solidFill>
               <a:effectLst/>
               <a:uFillTx/>
@@ -1494,7 +1582,7 @@
       </p:sp>
       <p:sp>
         <p:nvSpPr>
-          <p:cNvPr id="9" name="PlaceHolder 2"/>
+          <p:cNvPr id="10" name="PlaceHolder 2"/>
           <p:cNvSpPr>
             <a:spLocks noGrp="1"/>
           </p:cNvSpPr>
@@ -1505,7 +1593,7 @@
         <p:spPr>
           <a:xfrm>
             <a:off x="360000" y="2880000"/>
-            <a:ext cx="9360000" cy="1620000"/>
+            <a:ext cx="9359640" cy="1619640"/>
           </a:xfrm>
           <a:prstGeom prst="rect">
             <a:avLst/>
@@ -1521,6 +1609,9 @@
           </a:bodyPr>
           <a:p>
             <a:pPr marL="432000" indent="-324000">
+              <a:lnSpc>
+                <a:spcPct val="100000"/>
+              </a:lnSpc>
               <a:spcBef>
                 <a:spcPts val="1060"/>
               </a:spcBef>
@@ -1544,7 +1635,7 @@
             </a:r>
             <a:endParaRPr b="0" lang="hu-HU" sz="2400" strike="noStrike" u="none">
               <a:solidFill>
-                <a:srgbClr val="009bdd"/>
+                <a:srgbClr val="000000"/>
               </a:solidFill>
               <a:effectLst/>
               <a:uFillTx/>
@@ -1553,6 +1644,9 @@
           </a:p>
           <a:p>
             <a:pPr lvl="1" marL="864000" indent="-324000">
+              <a:lnSpc>
+                <a:spcPct val="100000"/>
+              </a:lnSpc>
               <a:spcBef>
                 <a:spcPts val="850"/>
               </a:spcBef>
@@ -1576,7 +1670,7 @@
             </a:r>
             <a:endParaRPr b="0" lang="hu-HU" sz="2100" strike="noStrike" u="none">
               <a:solidFill>
-                <a:srgbClr val="009bdd"/>
+                <a:srgbClr val="000000"/>
               </a:solidFill>
               <a:effectLst/>
               <a:uFillTx/>
@@ -1585,6 +1679,9 @@
           </a:p>
           <a:p>
             <a:pPr lvl="2" marL="1296000" indent="-288000">
+              <a:lnSpc>
+                <a:spcPct val="100000"/>
+              </a:lnSpc>
               <a:spcBef>
                 <a:spcPts val="635"/>
               </a:spcBef>
@@ -1608,7 +1705,7 @@
             </a:r>
             <a:endParaRPr b="0" lang="hu-HU" sz="1800" strike="noStrike" u="none">
               <a:solidFill>
-                <a:srgbClr val="009bdd"/>
+                <a:srgbClr val="000000"/>
               </a:solidFill>
               <a:effectLst/>
               <a:uFillTx/>
@@ -1617,6 +1714,9 @@
           </a:p>
           <a:p>
             <a:pPr lvl="3" marL="1728000" indent="-216000">
+              <a:lnSpc>
+                <a:spcPct val="100000"/>
+              </a:lnSpc>
               <a:spcBef>
                 <a:spcPts val="422"/>
               </a:spcBef>
@@ -1640,7 +1740,7 @@
             </a:r>
             <a:endParaRPr b="0" lang="hu-HU" sz="1500" strike="noStrike" u="none">
               <a:solidFill>
-                <a:srgbClr val="009bdd"/>
+                <a:srgbClr val="000000"/>
               </a:solidFill>
               <a:effectLst/>
               <a:uFillTx/>
@@ -1649,6 +1749,9 @@
           </a:p>
           <a:p>
             <a:pPr lvl="4" marL="2160000" indent="-216000">
+              <a:lnSpc>
+                <a:spcPct val="100000"/>
+              </a:lnSpc>
               <a:spcBef>
                 <a:spcPts val="210"/>
               </a:spcBef>
@@ -1672,7 +1775,7 @@
             </a:r>
             <a:endParaRPr b="0" lang="hu-HU" sz="1500" strike="noStrike" u="none">
               <a:solidFill>
-                <a:srgbClr val="009bdd"/>
+                <a:srgbClr val="000000"/>
               </a:solidFill>
               <a:effectLst/>
               <a:uFillTx/>
@@ -1681,6 +1784,9 @@
           </a:p>
           <a:p>
             <a:pPr lvl="5" marL="2592000" indent="-216000">
+              <a:lnSpc>
+                <a:spcPct val="100000"/>
+              </a:lnSpc>
               <a:spcBef>
                 <a:spcPts val="210"/>
               </a:spcBef>
@@ -1704,7 +1810,7 @@
             </a:r>
             <a:endParaRPr b="0" lang="hu-HU" sz="1500" strike="noStrike" u="none">
               <a:solidFill>
-                <a:srgbClr val="009bdd"/>
+                <a:srgbClr val="000000"/>
               </a:solidFill>
               <a:effectLst/>
               <a:uFillTx/>
@@ -1713,6 +1819,9 @@
           </a:p>
           <a:p>
             <a:pPr lvl="6" marL="3024000" indent="-216000">
+              <a:lnSpc>
+                <a:spcPct val="100000"/>
+              </a:lnSpc>
               <a:spcBef>
                 <a:spcPts val="210"/>
               </a:spcBef>
@@ -1736,7 +1845,7 @@
             </a:r>
             <a:endParaRPr b="0" lang="hu-HU" sz="1500" strike="noStrike" u="none">
               <a:solidFill>
-                <a:srgbClr val="009bdd"/>
+                <a:srgbClr val="000000"/>
               </a:solidFill>
               <a:effectLst/>
               <a:uFillTx/>
@@ -1747,7 +1856,7 @@
       </p:sp>
       <p:sp>
         <p:nvSpPr>
-          <p:cNvPr id="10" name="PlaceHolder 3"/>
+          <p:cNvPr id="11" name="PlaceHolder 3"/>
           <p:cNvSpPr>
             <a:spLocks noGrp="1"/>
           </p:cNvSpPr>
@@ -1758,7 +1867,7 @@
         <p:spPr>
           <a:xfrm>
             <a:off x="360000" y="5220000"/>
-            <a:ext cx="2340000" cy="360000"/>
+            <a:ext cx="2339640" cy="359640"/>
           </a:xfrm>
           <a:prstGeom prst="rect">
             <a:avLst/>
@@ -1774,7 +1883,13 @@
           </a:bodyPr>
           <a:lstStyle>
             <a:lvl1pPr indent="0">
+              <a:lnSpc>
+                <a:spcPct val="100000"/>
+              </a:lnSpc>
               <a:buNone/>
+              <a:tabLst>
+                <a:tab algn="l" pos="0"/>
+              </a:tabLst>
               <a:defRPr b="0" lang="hu-HU" sz="1400" strike="noStrike" u="none">
                 <a:solidFill>
                   <a:srgbClr val="ffffff"/>
@@ -1787,7 +1902,13 @@
           </a:lstStyle>
           <a:p>
             <a:pPr indent="0">
+              <a:lnSpc>
+                <a:spcPct val="100000"/>
+              </a:lnSpc>
               <a:buNone/>
+              <a:tabLst>
+                <a:tab algn="l" pos="0"/>
+              </a:tabLst>
             </a:pPr>
             <a:r>
               <a:rPr b="0" lang="hu-HU" sz="1400" strike="noStrike" u="none">
@@ -1802,18 +1923,18 @@
             </a:r>
             <a:endParaRPr b="0" lang="hu-HU" sz="1400" strike="noStrike" u="none">
               <a:solidFill>
-                <a:srgbClr val="ffffff"/>
-              </a:solidFill>
-              <a:effectLst/>
-              <a:uFillTx/>
-              <a:latin typeface="Arial"/>
+                <a:srgbClr val="000000"/>
+              </a:solidFill>
+              <a:effectLst/>
+              <a:uFillTx/>
+              <a:latin typeface="Times New Roman"/>
             </a:endParaRPr>
           </a:p>
         </p:txBody>
       </p:sp>
       <p:sp>
         <p:nvSpPr>
-          <p:cNvPr id="11" name="PlaceHolder 4"/>
+          <p:cNvPr id="12" name="PlaceHolder 4"/>
           <p:cNvSpPr>
             <a:spLocks noGrp="1"/>
           </p:cNvSpPr>
@@ -1824,7 +1945,7 @@
         <p:spPr>
           <a:xfrm>
             <a:off x="3420000" y="5220000"/>
-            <a:ext cx="3240000" cy="360000"/>
+            <a:ext cx="3239640" cy="359640"/>
           </a:xfrm>
           <a:prstGeom prst="rect">
             <a:avLst/>
@@ -1840,7 +1961,13 @@
           </a:bodyPr>
           <a:lstStyle>
             <a:lvl1pPr indent="0" algn="ctr">
+              <a:lnSpc>
+                <a:spcPct val="100000"/>
+              </a:lnSpc>
               <a:buNone/>
+              <a:tabLst>
+                <a:tab algn="l" pos="0"/>
+              </a:tabLst>
               <a:defRPr b="0" lang="hu-HU" sz="1400" strike="noStrike" u="none">
                 <a:solidFill>
                   <a:srgbClr val="ffffff"/>
@@ -1853,7 +1980,13 @@
           </a:lstStyle>
           <a:p>
             <a:pPr indent="0" algn="ctr">
+              <a:lnSpc>
+                <a:spcPct val="100000"/>
+              </a:lnSpc>
               <a:buNone/>
+              <a:tabLst>
+                <a:tab algn="l" pos="0"/>
+              </a:tabLst>
             </a:pPr>
             <a:r>
               <a:rPr b="0" lang="hu-HU" sz="1400" strike="noStrike" u="none">
@@ -1868,18 +2001,18 @@
             </a:r>
             <a:endParaRPr b="0" lang="hu-HU" sz="1400" strike="noStrike" u="none">
               <a:solidFill>
-                <a:srgbClr val="ffffff"/>
-              </a:solidFill>
-              <a:effectLst/>
-              <a:uFillTx/>
-              <a:latin typeface="Arial"/>
+                <a:srgbClr val="000000"/>
+              </a:solidFill>
+              <a:effectLst/>
+              <a:uFillTx/>
+              <a:latin typeface="Times New Roman"/>
             </a:endParaRPr>
           </a:p>
         </p:txBody>
       </p:sp>
       <p:sp>
         <p:nvSpPr>
-          <p:cNvPr id="12" name="PlaceHolder 5"/>
+          <p:cNvPr id="13" name="PlaceHolder 5"/>
           <p:cNvSpPr>
             <a:spLocks noGrp="1"/>
           </p:cNvSpPr>
@@ -1890,7 +2023,7 @@
         <p:spPr>
           <a:xfrm>
             <a:off x="7380000" y="5220000"/>
-            <a:ext cx="2340000" cy="360000"/>
+            <a:ext cx="2339640" cy="359640"/>
           </a:xfrm>
           <a:prstGeom prst="rect">
             <a:avLst/>
@@ -1906,7 +2039,13 @@
           </a:bodyPr>
           <a:lstStyle>
             <a:lvl1pPr indent="0" algn="r">
+              <a:lnSpc>
+                <a:spcPct val="100000"/>
+              </a:lnSpc>
               <a:buNone/>
+              <a:tabLst>
+                <a:tab algn="l" pos="0"/>
+              </a:tabLst>
               <a:defRPr b="0" lang="hu-HU" sz="1400" strike="noStrike" u="none">
                 <a:solidFill>
                   <a:srgbClr val="ffffff"/>
@@ -1919,9 +2058,15 @@
           </a:lstStyle>
           <a:p>
             <a:pPr indent="0" algn="r">
+              <a:lnSpc>
+                <a:spcPct val="100000"/>
+              </a:lnSpc>
               <a:buNone/>
-            </a:pPr>
-            <a:fld id="{44953492-5944-46F1-B60E-B138E137C5E2}" type="slidenum">
+              <a:tabLst>
+                <a:tab algn="l" pos="0"/>
+              </a:tabLst>
+            </a:pPr>
+            <a:fld id="{02D5612D-A353-4100-BBF7-0E6AD393C99C}" type="slidenum">
               <a:rPr b="0" lang="hu-HU" sz="1400" strike="noStrike" u="none">
                 <a:solidFill>
                   <a:srgbClr val="ffffff"/>
@@ -1934,11 +2079,11 @@
             </a:fld>
             <a:endParaRPr b="0" lang="hu-HU" sz="1400" strike="noStrike" u="none">
               <a:solidFill>
-                <a:srgbClr val="ffffff"/>
-              </a:solidFill>
-              <a:effectLst/>
-              <a:uFillTx/>
-              <a:latin typeface="Arial"/>
+                <a:srgbClr val="000000"/>
+              </a:solidFill>
+              <a:effectLst/>
+              <a:uFillTx/>
+              <a:latin typeface="Times New Roman"/>
             </a:endParaRPr>
           </a:p>
         </p:txBody>
@@ -1967,14 +2112,14 @@
       </p:grpSpPr>
       <p:sp>
         <p:nvSpPr>
-          <p:cNvPr id="13" name=""/>
+          <p:cNvPr id="14" name=""/>
           <p:cNvSpPr/>
           <p:nvPr/>
         </p:nvSpPr>
         <p:spPr>
           <a:xfrm>
             <a:off x="0" y="0"/>
-            <a:ext cx="10076760" cy="720000"/>
+            <a:ext cx="10076400" cy="719640"/>
           </a:xfrm>
           <a:prstGeom prst="rect">
             <a:avLst/>
@@ -2372,7 +2517,7 @@
             <a:noFill/>
           </a:ln>
           <a:effectLst>
-            <a:outerShdw dist="10800" dir="5400000" blurRad="0" rotWithShape="0">
+            <a:outerShdw blurRad="0" dir="5400000" dist="10800" rotWithShape="0">
               <a:srgbClr val="009bdd"/>
             </a:outerShdw>
           </a:effectLst>
@@ -2388,6 +2533,11 @@
             <a:noAutofit/>
           </a:bodyPr>
           <a:p>
+            <a:pPr>
+              <a:lnSpc>
+                <a:spcPct val="100000"/>
+              </a:lnSpc>
+            </a:pPr>
             <a:endParaRPr b="0" lang="hu-HU" sz="1800" strike="noStrike" u="none">
               <a:solidFill>
                 <a:srgbClr val="000000"/>
@@ -2395,20 +2545,21 @@
               <a:effectLst/>
               <a:uFillTx/>
               <a:latin typeface="Arial"/>
+              <a:ea typeface="DejaVu Sans"/>
             </a:endParaRPr>
           </a:p>
         </p:txBody>
       </p:sp>
       <p:sp>
         <p:nvSpPr>
-          <p:cNvPr id="14" name=""/>
+          <p:cNvPr id="15" name=""/>
           <p:cNvSpPr/>
           <p:nvPr/>
         </p:nvSpPr>
         <p:spPr>
           <a:xfrm>
             <a:off x="3240" y="5040000"/>
-            <a:ext cx="10076760" cy="631440"/>
+            <a:ext cx="10076400" cy="631080"/>
           </a:xfrm>
           <a:prstGeom prst="rect">
             <a:avLst/>
@@ -2806,7 +2957,7 @@
             <a:noFill/>
           </a:ln>
           <a:effectLst>
-            <a:outerShdw dist="10800" dir="5400000" blurRad="0" rotWithShape="0">
+            <a:outerShdw blurRad="0" dir="5400000" dist="10800" rotWithShape="0">
               <a:srgbClr val="009bdd"/>
             </a:outerShdw>
           </a:effectLst>
@@ -2822,6 +2973,11 @@
             <a:noAutofit/>
           </a:bodyPr>
           <a:p>
+            <a:pPr>
+              <a:lnSpc>
+                <a:spcPct val="100000"/>
+              </a:lnSpc>
+            </a:pPr>
             <a:endParaRPr b="0" lang="hu-HU" sz="1800" strike="noStrike" u="none">
               <a:solidFill>
                 <a:srgbClr val="000000"/>
@@ -2829,13 +2985,14 @@
               <a:effectLst/>
               <a:uFillTx/>
               <a:latin typeface="Arial"/>
+              <a:ea typeface="DejaVu Sans"/>
             </a:endParaRPr>
           </a:p>
         </p:txBody>
       </p:sp>
       <p:sp>
         <p:nvSpPr>
-          <p:cNvPr id="15" name="PlaceHolder 1"/>
+          <p:cNvPr id="16" name="PlaceHolder 1"/>
           <p:cNvSpPr>
             <a:spLocks noGrp="1"/>
           </p:cNvSpPr>
@@ -2846,7 +3003,7 @@
         <p:spPr>
           <a:xfrm>
             <a:off x="360000" y="180000"/>
-            <a:ext cx="9360000" cy="478080"/>
+            <a:ext cx="9359640" cy="477720"/>
           </a:xfrm>
           <a:prstGeom prst="rect">
             <a:avLst/>
@@ -2862,7 +3019,13 @@
           </a:bodyPr>
           <a:p>
             <a:pPr indent="0" algn="ctr">
+              <a:lnSpc>
+                <a:spcPct val="100000"/>
+              </a:lnSpc>
               <a:buNone/>
+              <a:tabLst>
+                <a:tab algn="l" pos="0"/>
+              </a:tabLst>
             </a:pPr>
             <a:r>
               <a:rPr b="0" lang="hu-HU" sz="3300" strike="noStrike" u="none">
@@ -2877,7 +3040,7 @@
             </a:r>
             <a:endParaRPr b="0" lang="hu-HU" sz="3300" strike="noStrike" u="none">
               <a:solidFill>
-                <a:srgbClr val="eeeeee"/>
+                <a:srgbClr val="000000"/>
               </a:solidFill>
               <a:effectLst/>
               <a:uFillTx/>
@@ -2888,7 +3051,7 @@
       </p:sp>
       <p:sp>
         <p:nvSpPr>
-          <p:cNvPr id="16" name="PlaceHolder 2"/>
+          <p:cNvPr id="17" name="PlaceHolder 2"/>
           <p:cNvSpPr>
             <a:spLocks noGrp="1"/>
           </p:cNvSpPr>
@@ -2899,7 +3062,7 @@
         <p:spPr>
           <a:xfrm>
             <a:off x="360000" y="1080000"/>
-            <a:ext cx="9360000" cy="3600000"/>
+            <a:ext cx="9359640" cy="3599640"/>
           </a:xfrm>
           <a:prstGeom prst="rect">
             <a:avLst/>
@@ -2915,6 +3078,9 @@
           </a:bodyPr>
           <a:p>
             <a:pPr marL="432000" indent="-324000">
+              <a:lnSpc>
+                <a:spcPct val="100000"/>
+              </a:lnSpc>
               <a:spcBef>
                 <a:spcPts val="1060"/>
               </a:spcBef>
@@ -2938,7 +3104,7 @@
             </a:r>
             <a:endParaRPr b="0" lang="hu-HU" sz="2400" strike="noStrike" u="none">
               <a:solidFill>
-                <a:srgbClr val="009bdd"/>
+                <a:srgbClr val="000000"/>
               </a:solidFill>
               <a:effectLst/>
               <a:uFillTx/>
@@ -2947,6 +3113,9 @@
           </a:p>
           <a:p>
             <a:pPr lvl="1" marL="864000" indent="-324000">
+              <a:lnSpc>
+                <a:spcPct val="100000"/>
+              </a:lnSpc>
               <a:spcBef>
                 <a:spcPts val="850"/>
               </a:spcBef>
@@ -2970,7 +3139,7 @@
             </a:r>
             <a:endParaRPr b="0" lang="hu-HU" sz="2100" strike="noStrike" u="none">
               <a:solidFill>
-                <a:srgbClr val="009bdd"/>
+                <a:srgbClr val="000000"/>
               </a:solidFill>
               <a:effectLst/>
               <a:uFillTx/>
@@ -2979,6 +3148,9 @@
           </a:p>
           <a:p>
             <a:pPr lvl="2" marL="1296000" indent="-288000">
+              <a:lnSpc>
+                <a:spcPct val="100000"/>
+              </a:lnSpc>
               <a:spcBef>
                 <a:spcPts val="635"/>
               </a:spcBef>
@@ -3002,7 +3174,7 @@
             </a:r>
             <a:endParaRPr b="0" lang="hu-HU" sz="1800" strike="noStrike" u="none">
               <a:solidFill>
-                <a:srgbClr val="009bdd"/>
+                <a:srgbClr val="000000"/>
               </a:solidFill>
               <a:effectLst/>
               <a:uFillTx/>
@@ -3011,6 +3183,9 @@
           </a:p>
           <a:p>
             <a:pPr lvl="3" marL="1728000" indent="-216000">
+              <a:lnSpc>
+                <a:spcPct val="100000"/>
+              </a:lnSpc>
               <a:spcBef>
                 <a:spcPts val="422"/>
               </a:spcBef>
@@ -3034,7 +3209,7 @@
             </a:r>
             <a:endParaRPr b="0" lang="hu-HU" sz="1500" strike="noStrike" u="none">
               <a:solidFill>
-                <a:srgbClr val="009bdd"/>
+                <a:srgbClr val="000000"/>
               </a:solidFill>
               <a:effectLst/>
               <a:uFillTx/>
@@ -3043,6 +3218,9 @@
           </a:p>
           <a:p>
             <a:pPr lvl="4" marL="2160000" indent="-216000">
+              <a:lnSpc>
+                <a:spcPct val="100000"/>
+              </a:lnSpc>
               <a:spcBef>
                 <a:spcPts val="210"/>
               </a:spcBef>
@@ -3066,7 +3244,7 @@
             </a:r>
             <a:endParaRPr b="0" lang="hu-HU" sz="1500" strike="noStrike" u="none">
               <a:solidFill>
-                <a:srgbClr val="009bdd"/>
+                <a:srgbClr val="000000"/>
               </a:solidFill>
               <a:effectLst/>
               <a:uFillTx/>
@@ -3075,6 +3253,9 @@
           </a:p>
           <a:p>
             <a:pPr lvl="5" marL="2592000" indent="-216000">
+              <a:lnSpc>
+                <a:spcPct val="100000"/>
+              </a:lnSpc>
               <a:spcBef>
                 <a:spcPts val="210"/>
               </a:spcBef>
@@ -3098,7 +3279,7 @@
             </a:r>
             <a:endParaRPr b="0" lang="hu-HU" sz="1500" strike="noStrike" u="none">
               <a:solidFill>
-                <a:srgbClr val="009bdd"/>
+                <a:srgbClr val="000000"/>
               </a:solidFill>
               <a:effectLst/>
               <a:uFillTx/>
@@ -3107,6 +3288,9 @@
           </a:p>
           <a:p>
             <a:pPr lvl="6" marL="3024000" indent="-216000">
+              <a:lnSpc>
+                <a:spcPct val="100000"/>
+              </a:lnSpc>
               <a:spcBef>
                 <a:spcPts val="210"/>
               </a:spcBef>
@@ -3130,7 +3314,7 @@
             </a:r>
             <a:endParaRPr b="0" lang="hu-HU" sz="1500" strike="noStrike" u="none">
               <a:solidFill>
-                <a:srgbClr val="009bdd"/>
+                <a:srgbClr val="000000"/>
               </a:solidFill>
               <a:effectLst/>
               <a:uFillTx/>
@@ -3141,7 +3325,7 @@
       </p:sp>
       <p:sp>
         <p:nvSpPr>
-          <p:cNvPr id="17" name="PlaceHolder 3"/>
+          <p:cNvPr id="18" name="PlaceHolder 3"/>
           <p:cNvSpPr>
             <a:spLocks noGrp="1"/>
           </p:cNvSpPr>
@@ -3152,7 +3336,7 @@
         <p:spPr>
           <a:xfrm>
             <a:off x="360000" y="5220000"/>
-            <a:ext cx="2340000" cy="360000"/>
+            <a:ext cx="2339640" cy="359640"/>
           </a:xfrm>
           <a:prstGeom prst="rect">
             <a:avLst/>
@@ -3168,7 +3352,13 @@
           </a:bodyPr>
           <a:lstStyle>
             <a:lvl1pPr indent="0">
+              <a:lnSpc>
+                <a:spcPct val="100000"/>
+              </a:lnSpc>
               <a:buNone/>
+              <a:tabLst>
+                <a:tab algn="l" pos="0"/>
+              </a:tabLst>
               <a:defRPr b="0" lang="hu-HU" sz="1400" strike="noStrike" u="none">
                 <a:solidFill>
                   <a:srgbClr val="ffffff"/>
@@ -3181,7 +3371,13 @@
           </a:lstStyle>
           <a:p>
             <a:pPr indent="0">
+              <a:lnSpc>
+                <a:spcPct val="100000"/>
+              </a:lnSpc>
               <a:buNone/>
+              <a:tabLst>
+                <a:tab algn="l" pos="0"/>
+              </a:tabLst>
             </a:pPr>
             <a:r>
               <a:rPr b="0" lang="hu-HU" sz="1400" strike="noStrike" u="none">
@@ -3196,18 +3392,18 @@
             </a:r>
             <a:endParaRPr b="0" lang="hu-HU" sz="1400" strike="noStrike" u="none">
               <a:solidFill>
-                <a:srgbClr val="ffffff"/>
-              </a:solidFill>
-              <a:effectLst/>
-              <a:uFillTx/>
-              <a:latin typeface="Arial"/>
+                <a:srgbClr val="000000"/>
+              </a:solidFill>
+              <a:effectLst/>
+              <a:uFillTx/>
+              <a:latin typeface="Times New Roman"/>
             </a:endParaRPr>
           </a:p>
         </p:txBody>
       </p:sp>
       <p:sp>
         <p:nvSpPr>
-          <p:cNvPr id="18" name="PlaceHolder 4"/>
+          <p:cNvPr id="19" name="PlaceHolder 4"/>
           <p:cNvSpPr>
             <a:spLocks noGrp="1"/>
           </p:cNvSpPr>
@@ -3218,7 +3414,7 @@
         <p:spPr>
           <a:xfrm>
             <a:off x="3420000" y="5220000"/>
-            <a:ext cx="3240000" cy="360000"/>
+            <a:ext cx="3239640" cy="359640"/>
           </a:xfrm>
           <a:prstGeom prst="rect">
             <a:avLst/>
@@ -3234,7 +3430,13 @@
           </a:bodyPr>
           <a:lstStyle>
             <a:lvl1pPr indent="0" algn="ctr">
+              <a:lnSpc>
+                <a:spcPct val="100000"/>
+              </a:lnSpc>
               <a:buNone/>
+              <a:tabLst>
+                <a:tab algn="l" pos="0"/>
+              </a:tabLst>
               <a:defRPr b="0" lang="hu-HU" sz="1400" strike="noStrike" u="none">
                 <a:solidFill>
                   <a:srgbClr val="ffffff"/>
@@ -3247,7 +3449,13 @@
           </a:lstStyle>
           <a:p>
             <a:pPr indent="0" algn="ctr">
+              <a:lnSpc>
+                <a:spcPct val="100000"/>
+              </a:lnSpc>
               <a:buNone/>
+              <a:tabLst>
+                <a:tab algn="l" pos="0"/>
+              </a:tabLst>
             </a:pPr>
             <a:r>
               <a:rPr b="0" lang="hu-HU" sz="1400" strike="noStrike" u="none">
@@ -3262,18 +3470,18 @@
             </a:r>
             <a:endParaRPr b="0" lang="hu-HU" sz="1400" strike="noStrike" u="none">
               <a:solidFill>
-                <a:srgbClr val="ffffff"/>
-              </a:solidFill>
-              <a:effectLst/>
-              <a:uFillTx/>
-              <a:latin typeface="Arial"/>
+                <a:srgbClr val="000000"/>
+              </a:solidFill>
+              <a:effectLst/>
+              <a:uFillTx/>
+              <a:latin typeface="Times New Roman"/>
             </a:endParaRPr>
           </a:p>
         </p:txBody>
       </p:sp>
       <p:sp>
         <p:nvSpPr>
-          <p:cNvPr id="19" name="PlaceHolder 5"/>
+          <p:cNvPr id="20" name="PlaceHolder 5"/>
           <p:cNvSpPr>
             <a:spLocks noGrp="1"/>
           </p:cNvSpPr>
@@ -3284,7 +3492,7 @@
         <p:spPr>
           <a:xfrm>
             <a:off x="7380000" y="5220000"/>
-            <a:ext cx="2340000" cy="360000"/>
+            <a:ext cx="2339640" cy="359640"/>
           </a:xfrm>
           <a:prstGeom prst="rect">
             <a:avLst/>
@@ -3300,7 +3508,13 @@
           </a:bodyPr>
           <a:lstStyle>
             <a:lvl1pPr indent="0" algn="r">
+              <a:lnSpc>
+                <a:spcPct val="100000"/>
+              </a:lnSpc>
               <a:buNone/>
+              <a:tabLst>
+                <a:tab algn="l" pos="0"/>
+              </a:tabLst>
               <a:defRPr b="0" lang="hu-HU" sz="1400" strike="noStrike" u="none">
                 <a:solidFill>
                   <a:srgbClr val="ffffff"/>
@@ -3313,9 +3527,15 @@
           </a:lstStyle>
           <a:p>
             <a:pPr indent="0" algn="r">
+              <a:lnSpc>
+                <a:spcPct val="100000"/>
+              </a:lnSpc>
               <a:buNone/>
-            </a:pPr>
-            <a:fld id="{C850D8C9-4A3F-4140-9E15-2C368A8B41CF}" type="slidenum">
+              <a:tabLst>
+                <a:tab algn="l" pos="0"/>
+              </a:tabLst>
+            </a:pPr>
+            <a:fld id="{E2DEE1E9-3DA4-48CC-B8CC-30AF634D028B}" type="slidenum">
               <a:rPr b="0" lang="hu-HU" sz="1400" strike="noStrike" u="none">
                 <a:solidFill>
                   <a:srgbClr val="ffffff"/>
@@ -3328,11 +3548,11 @@
             </a:fld>
             <a:endParaRPr b="0" lang="hu-HU" sz="1400" strike="noStrike" u="none">
               <a:solidFill>
-                <a:srgbClr val="ffffff"/>
-              </a:solidFill>
-              <a:effectLst/>
-              <a:uFillTx/>
-              <a:latin typeface="Arial"/>
+                <a:srgbClr val="000000"/>
+              </a:solidFill>
+              <a:effectLst/>
+              <a:uFillTx/>
+              <a:latin typeface="Times New Roman"/>
             </a:endParaRPr>
           </a:p>
         </p:txBody>
@@ -3389,7 +3609,7 @@
       </p:grpSpPr>
       <p:sp>
         <p:nvSpPr>
-          <p:cNvPr id="20" name="PlaceHolder 1"/>
+          <p:cNvPr id="21" name="PlaceHolder 1"/>
           <p:cNvSpPr>
             <a:spLocks noGrp="1"/>
           </p:cNvSpPr>
@@ -3399,8 +3619,8 @@
         </p:nvSpPr>
         <p:spPr>
           <a:xfrm>
-            <a:off x="0" y="1620000"/>
-            <a:ext cx="9000000" cy="1080000"/>
+            <a:off x="0" y="1619640"/>
+            <a:ext cx="8999640" cy="1080360"/>
           </a:xfrm>
           <a:prstGeom prst="rect">
             <a:avLst/>
@@ -3416,7 +3636,13 @@
           </a:bodyPr>
           <a:p>
             <a:pPr indent="0" algn="ctr">
+              <a:lnSpc>
+                <a:spcPct val="100000"/>
+              </a:lnSpc>
               <a:buNone/>
+              <a:tabLst>
+                <a:tab algn="l" pos="0"/>
+              </a:tabLst>
             </a:pPr>
             <a:r>
               <a:rPr b="1" lang="en-US" sz="3300" strike="noStrike" u="none">
@@ -3429,9 +3655,9 @@
               </a:rPr>
               <a:t>Design Patterns in Software Engineering</a:t>
             </a:r>
-            <a:endParaRPr b="1" lang="en-US" sz="3300" strike="noStrike" u="none">
-              <a:solidFill>
-                <a:srgbClr val="dd4100"/>
+            <a:endParaRPr b="0" lang="hu-HU" sz="3300" strike="noStrike" u="none">
+              <a:solidFill>
+                <a:srgbClr val="000000"/>
               </a:solidFill>
               <a:effectLst/>
               <a:uFillTx/>
@@ -3472,7 +3698,7 @@
       </p:grpSpPr>
       <p:sp>
         <p:nvSpPr>
-          <p:cNvPr id="37" name="PlaceHolder 1"/>
+          <p:cNvPr id="38" name="PlaceHolder 1"/>
           <p:cNvSpPr>
             <a:spLocks noGrp="1"/>
           </p:cNvSpPr>
@@ -3482,8 +3708,8 @@
         </p:nvSpPr>
         <p:spPr>
           <a:xfrm>
-            <a:off x="360000" y="180000"/>
-            <a:ext cx="9360000" cy="478080"/>
+            <a:off x="360000" y="167400"/>
+            <a:ext cx="9359640" cy="503280"/>
           </a:xfrm>
           <a:prstGeom prst="rect">
             <a:avLst/>
@@ -3499,7 +3725,13 @@
           </a:bodyPr>
           <a:p>
             <a:pPr indent="0" algn="ctr">
+              <a:lnSpc>
+                <a:spcPct val="100000"/>
+              </a:lnSpc>
               <a:buNone/>
+              <a:tabLst>
+                <a:tab algn="l" pos="0"/>
+              </a:tabLst>
             </a:pPr>
             <a:r>
               <a:rPr b="0" lang="en-US" sz="3300" strike="noStrike" u="none">
@@ -3510,11 +3742,11 @@
                 <a:uFillTx/>
                 <a:latin typeface="Arial"/>
               </a:rPr>
-              <a:t>Adapter pattern</a:t>
-            </a:r>
-            <a:endParaRPr b="0" lang="en-US" sz="3300" strike="noStrike" u="none">
-              <a:solidFill>
-                <a:srgbClr val="eeeeee"/>
+              <a:t>How MVC works</a:t>
+            </a:r>
+            <a:endParaRPr b="0" lang="hu-HU" sz="3300" strike="noStrike" u="none">
+              <a:solidFill>
+                <a:srgbClr val="000000"/>
               </a:solidFill>
               <a:effectLst/>
               <a:uFillTx/>
@@ -3525,7 +3757,7 @@
       </p:sp>
       <p:sp>
         <p:nvSpPr>
-          <p:cNvPr id="38" name="PlaceHolder 2"/>
+          <p:cNvPr id="39" name="PlaceHolder 2"/>
           <p:cNvSpPr>
             <a:spLocks noGrp="1"/>
           </p:cNvSpPr>
@@ -3536,7 +3768,7 @@
         <p:spPr>
           <a:xfrm>
             <a:off x="360000" y="1080000"/>
-            <a:ext cx="9360000" cy="3600000"/>
+            <a:ext cx="9359640" cy="3599640"/>
           </a:xfrm>
           <a:prstGeom prst="rect">
             <a:avLst/>
@@ -3552,15 +3784,17 @@
           </a:bodyPr>
           <a:p>
             <a:pPr marL="432000" indent="-324000">
+              <a:lnSpc>
+                <a:spcPct val="100000"/>
+              </a:lnSpc>
               <a:spcBef>
                 <a:spcPts val="1060"/>
               </a:spcBef>
               <a:buClr>
                 <a:srgbClr val="77caee"/>
               </a:buClr>
-              <a:buSzPct val="45000"/>
-              <a:buFont typeface="Wingdings" charset="2"/>
-              <a:buChar char=""/>
+              <a:buFont typeface="Wingdings" charset="2"/>
+              <a:buAutoNum type="arabicPeriod"/>
             </a:pPr>
             <a:r>
               <a:rPr b="0" lang="en-US" sz="2400" strike="noStrike" u="none">
@@ -3571,11 +3805,11 @@
                 <a:uFillTx/>
                 <a:latin typeface="Arial"/>
               </a:rPr>
-              <a:t>Allows incompatible interfaces to work together</a:t>
-            </a:r>
-            <a:endParaRPr b="0" lang="en-US" sz="2400" strike="noStrike" u="none">
-              <a:solidFill>
-                <a:srgbClr val="009bdd"/>
+              <a:t>The user interacts with the View</a:t>
+            </a:r>
+            <a:endParaRPr b="0" lang="hu-HU" sz="2400" strike="noStrike" u="none">
+              <a:solidFill>
+                <a:srgbClr val="000000"/>
               </a:solidFill>
               <a:effectLst/>
               <a:uFillTx/>
@@ -3584,15 +3818,17 @@
           </a:p>
           <a:p>
             <a:pPr marL="432000" indent="-324000">
+              <a:lnSpc>
+                <a:spcPct val="100000"/>
+              </a:lnSpc>
               <a:spcBef>
                 <a:spcPts val="1060"/>
               </a:spcBef>
               <a:buClr>
                 <a:srgbClr val="77caee"/>
               </a:buClr>
-              <a:buSzPct val="45000"/>
-              <a:buFont typeface="Wingdings" charset="2"/>
-              <a:buChar char=""/>
+              <a:buFont typeface="Wingdings" charset="2"/>
+              <a:buAutoNum type="arabicPeriod"/>
             </a:pPr>
             <a:r>
               <a:rPr b="0" lang="en-US" sz="2400" strike="noStrike" u="none">
@@ -3603,11 +3839,11 @@
                 <a:uFillTx/>
                 <a:latin typeface="Arial"/>
               </a:rPr>
-              <a:t>“Translator” between two existing components</a:t>
-            </a:r>
-            <a:endParaRPr b="0" lang="en-US" sz="2400" strike="noStrike" u="none">
-              <a:solidFill>
-                <a:srgbClr val="009bdd"/>
+              <a:t>The Controller receives the input and interprets it</a:t>
+            </a:r>
+            <a:endParaRPr b="0" lang="hu-HU" sz="2400" strike="noStrike" u="none">
+              <a:solidFill>
+                <a:srgbClr val="000000"/>
               </a:solidFill>
               <a:effectLst/>
               <a:uFillTx/>
@@ -3616,15 +3852,17 @@
           </a:p>
           <a:p>
             <a:pPr marL="432000" indent="-324000">
+              <a:lnSpc>
+                <a:spcPct val="100000"/>
+              </a:lnSpc>
               <a:spcBef>
                 <a:spcPts val="1060"/>
               </a:spcBef>
               <a:buClr>
                 <a:srgbClr val="77caee"/>
               </a:buClr>
-              <a:buSzPct val="45000"/>
-              <a:buFont typeface="Wingdings" charset="2"/>
-              <a:buChar char=""/>
+              <a:buFont typeface="Wingdings" charset="2"/>
+              <a:buAutoNum type="arabicPeriod"/>
             </a:pPr>
             <a:r>
               <a:rPr b="0" lang="en-US" sz="2400" strike="noStrike" u="none">
@@ -3635,11 +3873,79 @@
                 <a:uFillTx/>
                 <a:latin typeface="Arial"/>
               </a:rPr>
-              <a:t>Example: converting legacy code to new interfaces</a:t>
-            </a:r>
-            <a:endParaRPr b="0" lang="en-US" sz="2400" strike="noStrike" u="none">
-              <a:solidFill>
-                <a:srgbClr val="009bdd"/>
+              <a:t>The Controller updates the Model</a:t>
+            </a:r>
+            <a:endParaRPr b="0" lang="hu-HU" sz="2400" strike="noStrike" u="none">
+              <a:solidFill>
+                <a:srgbClr val="000000"/>
+              </a:solidFill>
+              <a:effectLst/>
+              <a:uFillTx/>
+              <a:latin typeface="Arial"/>
+            </a:endParaRPr>
+          </a:p>
+          <a:p>
+            <a:pPr marL="432000" indent="-324000">
+              <a:lnSpc>
+                <a:spcPct val="100000"/>
+              </a:lnSpc>
+              <a:spcBef>
+                <a:spcPts val="1060"/>
+              </a:spcBef>
+              <a:buClr>
+                <a:srgbClr val="77caee"/>
+              </a:buClr>
+              <a:buFont typeface="Wingdings" charset="2"/>
+              <a:buAutoNum type="arabicPeriod"/>
+            </a:pPr>
+            <a:r>
+              <a:rPr b="0" lang="en-US" sz="2400" strike="noStrike" u="none">
+                <a:solidFill>
+                  <a:srgbClr val="009bdd"/>
+                </a:solidFill>
+                <a:effectLst/>
+                <a:uFillTx/>
+                <a:latin typeface="Arial"/>
+              </a:rPr>
+              <a:t>The Model processes changes and updates its state</a:t>
+            </a:r>
+            <a:endParaRPr b="0" lang="hu-HU" sz="2400" strike="noStrike" u="none">
+              <a:solidFill>
+                <a:srgbClr val="000000"/>
+              </a:solidFill>
+              <a:effectLst/>
+              <a:uFillTx/>
+              <a:latin typeface="Arial"/>
+            </a:endParaRPr>
+          </a:p>
+          <a:p>
+            <a:pPr marL="432000" indent="-324000">
+              <a:lnSpc>
+                <a:spcPct val="100000"/>
+              </a:lnSpc>
+              <a:spcBef>
+                <a:spcPts val="1060"/>
+              </a:spcBef>
+              <a:buClr>
+                <a:srgbClr val="77caee"/>
+              </a:buClr>
+              <a:buFont typeface="Wingdings" charset="2"/>
+              <a:buAutoNum type="arabicPeriod"/>
+            </a:pPr>
+            <a:r>
+              <a:rPr b="0" lang="en-US" sz="2400" strike="noStrike" u="none">
+                <a:solidFill>
+                  <a:srgbClr val="009bdd"/>
+                </a:solidFill>
+                <a:effectLst/>
+                <a:uFillTx/>
+                <a:latin typeface="Arial"/>
+              </a:rPr>
+              <a:t>The View displays the updated data to the user</a:t>
+            </a:r>
+            <a:endParaRPr b="0" lang="hu-HU" sz="2400" strike="noStrike" u="none">
+              <a:solidFill>
+                <a:srgbClr val="000000"/>
               </a:solidFill>
               <a:effectLst/>
               <a:uFillTx/>
@@ -3662,7 +3968,7 @@
         <p:txBody>
           <a:bodyPr/>
           <a:p>
-            <a:fld id="{16E68604-6B3F-408B-9CC4-3DF53F8D1BC5}" type="slidenum">
+            <a:fld id="{9254EFC4-E45A-4C6C-A7C7-D4F9C7E20231}" type="slidenum">
               <a:t>10</a:t>
             </a:fld>
           </a:p>
@@ -3700,7 +4006,7 @@
       </p:grpSpPr>
       <p:sp>
         <p:nvSpPr>
-          <p:cNvPr id="39" name="PlaceHolder 1"/>
+          <p:cNvPr id="40" name="PlaceHolder 1"/>
           <p:cNvSpPr>
             <a:spLocks noGrp="1"/>
           </p:cNvSpPr>
@@ -3710,8 +4016,8 @@
         </p:nvSpPr>
         <p:spPr>
           <a:xfrm>
-            <a:off x="360000" y="180000"/>
-            <a:ext cx="9360000" cy="478080"/>
+            <a:off x="360000" y="167400"/>
+            <a:ext cx="9359640" cy="503280"/>
           </a:xfrm>
           <a:prstGeom prst="rect">
             <a:avLst/>
@@ -3727,7 +4033,13 @@
           </a:bodyPr>
           <a:p>
             <a:pPr indent="0" algn="ctr">
+              <a:lnSpc>
+                <a:spcPct val="100000"/>
+              </a:lnSpc>
               <a:buNone/>
+              <a:tabLst>
+                <a:tab algn="l" pos="0"/>
+              </a:tabLst>
             </a:pPr>
             <a:r>
               <a:rPr b="0" lang="en-US" sz="3300" strike="noStrike" u="none">
@@ -3738,11 +4050,11 @@
                 <a:uFillTx/>
                 <a:latin typeface="Arial"/>
               </a:rPr>
-              <a:t>Decorator pattern</a:t>
-            </a:r>
-            <a:endParaRPr b="0" lang="en-US" sz="3300" strike="noStrike" u="none">
-              <a:solidFill>
-                <a:srgbClr val="eeeeee"/>
+              <a:t>Advantages of MVC</a:t>
+            </a:r>
+            <a:endParaRPr b="0" lang="hu-HU" sz="3300" strike="noStrike" u="none">
+              <a:solidFill>
+                <a:srgbClr val="000000"/>
               </a:solidFill>
               <a:effectLst/>
               <a:uFillTx/>
@@ -3753,7 +4065,7 @@
       </p:sp>
       <p:sp>
         <p:nvSpPr>
-          <p:cNvPr id="40" name="PlaceHolder 2"/>
+          <p:cNvPr id="41" name="PlaceHolder 2"/>
           <p:cNvSpPr>
             <a:spLocks noGrp="1"/>
           </p:cNvSpPr>
@@ -3764,7 +4076,7 @@
         <p:spPr>
           <a:xfrm>
             <a:off x="360000" y="1080000"/>
-            <a:ext cx="9360000" cy="3600000"/>
+            <a:ext cx="9359640" cy="3599640"/>
           </a:xfrm>
           <a:prstGeom prst="rect">
             <a:avLst/>
@@ -3780,6 +4092,9 @@
           </a:bodyPr>
           <a:p>
             <a:pPr marL="432000" indent="-324000">
+              <a:lnSpc>
+                <a:spcPct val="100000"/>
+              </a:lnSpc>
               <a:spcBef>
                 <a:spcPts val="1060"/>
               </a:spcBef>
@@ -3799,11 +4114,11 @@
                 <a:uFillTx/>
                 <a:latin typeface="Arial"/>
               </a:rPr>
-              <a:t>Adds functionality to objects dynamically</a:t>
-            </a:r>
-            <a:endParaRPr b="0" lang="en-US" sz="2400" strike="noStrike" u="none">
-              <a:solidFill>
-                <a:srgbClr val="009bdd"/>
+              <a:t>Clear separation of concerns</a:t>
+            </a:r>
+            <a:endParaRPr b="0" lang="hu-HU" sz="2400" strike="noStrike" u="none">
+              <a:solidFill>
+                <a:srgbClr val="000000"/>
               </a:solidFill>
               <a:effectLst/>
               <a:uFillTx/>
@@ -3812,6 +4127,9 @@
           </a:p>
           <a:p>
             <a:pPr marL="432000" indent="-324000">
+              <a:lnSpc>
+                <a:spcPct val="100000"/>
+              </a:lnSpc>
               <a:spcBef>
                 <a:spcPts val="1060"/>
               </a:spcBef>
@@ -3831,11 +4149,11 @@
                 <a:uFillTx/>
                 <a:latin typeface="Arial"/>
               </a:rPr>
-              <a:t>Avoids creating large inheritance hierarchies</a:t>
-            </a:r>
-            <a:endParaRPr b="0" lang="en-US" sz="2400" strike="noStrike" u="none">
-              <a:solidFill>
-                <a:srgbClr val="009bdd"/>
+              <a:t>Easier maintenance and scaling</a:t>
+            </a:r>
+            <a:endParaRPr b="0" lang="hu-HU" sz="2400" strike="noStrike" u="none">
+              <a:solidFill>
+                <a:srgbClr val="000000"/>
               </a:solidFill>
               <a:effectLst/>
               <a:uFillTx/>
@@ -3844,6 +4162,9 @@
           </a:p>
           <a:p>
             <a:pPr marL="432000" indent="-324000">
+              <a:lnSpc>
+                <a:spcPct val="100000"/>
+              </a:lnSpc>
               <a:spcBef>
                 <a:spcPts val="1060"/>
               </a:spcBef>
@@ -3863,11 +4184,81 @@
                 <a:uFillTx/>
                 <a:latin typeface="Arial"/>
               </a:rPr>
-              <a:t>Common in GUI frameworks</a:t>
-            </a:r>
-            <a:endParaRPr b="0" lang="en-US" sz="2400" strike="noStrike" u="none">
-              <a:solidFill>
-                <a:srgbClr val="009bdd"/>
+              <a:t>Improved testability</a:t>
+            </a:r>
+            <a:endParaRPr b="0" lang="hu-HU" sz="2400" strike="noStrike" u="none">
+              <a:solidFill>
+                <a:srgbClr val="000000"/>
+              </a:solidFill>
+              <a:effectLst/>
+              <a:uFillTx/>
+              <a:latin typeface="Arial"/>
+            </a:endParaRPr>
+          </a:p>
+          <a:p>
+            <a:pPr marL="432000" indent="-324000">
+              <a:lnSpc>
+                <a:spcPct val="100000"/>
+              </a:lnSpc>
+              <a:spcBef>
+                <a:spcPts val="1060"/>
+              </a:spcBef>
+              <a:buClr>
+                <a:srgbClr val="77caee"/>
+              </a:buClr>
+              <a:buSzPct val="45000"/>
+              <a:buFont typeface="Wingdings" charset="2"/>
+              <a:buChar char=""/>
+            </a:pPr>
+            <a:r>
+              <a:rPr b="0" lang="en-US" sz="2400" strike="noStrike" u="none">
+                <a:solidFill>
+                  <a:srgbClr val="009bdd"/>
+                </a:solidFill>
+                <a:effectLst/>
+                <a:uFillTx/>
+                <a:latin typeface="Arial"/>
+              </a:rPr>
+              <a:t>Reusable and interchangeable Views</a:t>
+            </a:r>
+            <a:endParaRPr b="0" lang="hu-HU" sz="2400" strike="noStrike" u="none">
+              <a:solidFill>
+                <a:srgbClr val="000000"/>
+              </a:solidFill>
+              <a:effectLst/>
+              <a:uFillTx/>
+              <a:latin typeface="Arial"/>
+            </a:endParaRPr>
+          </a:p>
+          <a:p>
+            <a:pPr marL="432000" indent="-324000">
+              <a:lnSpc>
+                <a:spcPct val="100000"/>
+              </a:lnSpc>
+              <a:spcBef>
+                <a:spcPts val="1060"/>
+              </a:spcBef>
+              <a:buClr>
+                <a:srgbClr val="77caee"/>
+              </a:buClr>
+              <a:buSzPct val="45000"/>
+              <a:buFont typeface="Wingdings" charset="2"/>
+              <a:buChar char=""/>
+            </a:pPr>
+            <a:r>
+              <a:rPr b="0" lang="en-US" sz="2400" strike="noStrike" u="none">
+                <a:solidFill>
+                  <a:srgbClr val="009bdd"/>
+                </a:solidFill>
+                <a:effectLst/>
+                <a:uFillTx/>
+                <a:latin typeface="Arial"/>
+              </a:rPr>
+              <a:t>Better structure for complex applications</a:t>
+            </a:r>
+            <a:endParaRPr b="0" lang="hu-HU" sz="2400" strike="noStrike" u="none">
+              <a:solidFill>
+                <a:srgbClr val="000000"/>
               </a:solidFill>
               <a:effectLst/>
               <a:uFillTx/>
@@ -3890,7 +4281,7 @@
         <p:txBody>
           <a:bodyPr/>
           <a:p>
-            <a:fld id="{B8B460D8-A78A-4DF3-B53E-726BCE6028FD}" type="slidenum">
+            <a:fld id="{28E724CD-EFD8-4417-A57C-DA2C148B6599}" type="slidenum">
               <a:t>11</a:t>
             </a:fld>
           </a:p>
@@ -3928,7 +4319,7 @@
       </p:grpSpPr>
       <p:sp>
         <p:nvSpPr>
-          <p:cNvPr id="41" name="PlaceHolder 1"/>
+          <p:cNvPr id="42" name="PlaceHolder 1"/>
           <p:cNvSpPr>
             <a:spLocks noGrp="1"/>
           </p:cNvSpPr>
@@ -3938,8 +4329,8 @@
         </p:nvSpPr>
         <p:spPr>
           <a:xfrm>
-            <a:off x="360000" y="180000"/>
-            <a:ext cx="9360000" cy="478080"/>
+            <a:off x="360000" y="167400"/>
+            <a:ext cx="9359640" cy="503280"/>
           </a:xfrm>
           <a:prstGeom prst="rect">
             <a:avLst/>
@@ -3955,7 +4346,13 @@
           </a:bodyPr>
           <a:p>
             <a:pPr indent="0" algn="ctr">
+              <a:lnSpc>
+                <a:spcPct val="100000"/>
+              </a:lnSpc>
               <a:buNone/>
+              <a:tabLst>
+                <a:tab algn="l" pos="0"/>
+              </a:tabLst>
             </a:pPr>
             <a:r>
               <a:rPr b="0" lang="en-US" sz="3300" strike="noStrike" u="none">
@@ -3966,11 +4363,11 @@
                 <a:uFillTx/>
                 <a:latin typeface="Arial"/>
               </a:rPr>
-              <a:t>Facade pattern</a:t>
-            </a:r>
-            <a:endParaRPr b="0" lang="en-US" sz="3300" strike="noStrike" u="none">
-              <a:solidFill>
-                <a:srgbClr val="eeeeee"/>
+              <a:t>Where MVC is used</a:t>
+            </a:r>
+            <a:endParaRPr b="0" lang="hu-HU" sz="3300" strike="noStrike" u="none">
+              <a:solidFill>
+                <a:srgbClr val="000000"/>
               </a:solidFill>
               <a:effectLst/>
               <a:uFillTx/>
@@ -3981,7 +4378,7 @@
       </p:sp>
       <p:sp>
         <p:nvSpPr>
-          <p:cNvPr id="42" name="PlaceHolder 2"/>
+          <p:cNvPr id="43" name="PlaceHolder 2"/>
           <p:cNvSpPr>
             <a:spLocks noGrp="1"/>
           </p:cNvSpPr>
@@ -3992,7 +4389,7 @@
         <p:spPr>
           <a:xfrm>
             <a:off x="360000" y="1080000"/>
-            <a:ext cx="9360000" cy="3600000"/>
+            <a:ext cx="9359640" cy="3599640"/>
           </a:xfrm>
           <a:prstGeom prst="rect">
             <a:avLst/>
@@ -4008,6 +4405,9 @@
           </a:bodyPr>
           <a:p>
             <a:pPr marL="432000" indent="-324000">
+              <a:lnSpc>
+                <a:spcPct val="100000"/>
+              </a:lnSpc>
               <a:spcBef>
                 <a:spcPts val="1060"/>
               </a:spcBef>
@@ -4027,11 +4427,11 @@
                 <a:uFillTx/>
                 <a:latin typeface="Arial"/>
               </a:rPr>
-              <a:t>Provides a simplified interface to a complex subsystem</a:t>
-            </a:r>
-            <a:endParaRPr b="0" lang="en-US" sz="2400" strike="noStrike" u="none">
-              <a:solidFill>
-                <a:srgbClr val="009bdd"/>
+              <a:t>Web frameworks (Spring MVC, ASP.NET MVC)</a:t>
+            </a:r>
+            <a:endParaRPr b="0" lang="hu-HU" sz="2400" strike="noStrike" u="none">
+              <a:solidFill>
+                <a:srgbClr val="000000"/>
               </a:solidFill>
               <a:effectLst/>
               <a:uFillTx/>
@@ -4040,6 +4440,9 @@
           </a:p>
           <a:p>
             <a:pPr marL="432000" indent="-324000">
+              <a:lnSpc>
+                <a:spcPct val="100000"/>
+              </a:lnSpc>
               <a:spcBef>
                 <a:spcPts val="1060"/>
               </a:spcBef>
@@ -4059,11 +4462,11 @@
                 <a:uFillTx/>
                 <a:latin typeface="Arial"/>
               </a:rPr>
-              <a:t>Makes large libraries easier to use</a:t>
-            </a:r>
-            <a:endParaRPr b="0" lang="en-US" sz="2400" strike="noStrike" u="none">
-              <a:solidFill>
-                <a:srgbClr val="009bdd"/>
+              <a:t>Desktop applications (JavaFX, .NET)</a:t>
+            </a:r>
+            <a:endParaRPr b="0" lang="hu-HU" sz="2400" strike="noStrike" u="none">
+              <a:solidFill>
+                <a:srgbClr val="000000"/>
               </a:solidFill>
               <a:effectLst/>
               <a:uFillTx/>
@@ -4072,6 +4475,9 @@
           </a:p>
           <a:p>
             <a:pPr marL="432000" indent="-324000">
+              <a:lnSpc>
+                <a:spcPct val="100000"/>
+              </a:lnSpc>
               <a:spcBef>
                 <a:spcPts val="1060"/>
               </a:spcBef>
@@ -4091,11 +4497,11 @@
                 <a:uFillTx/>
                 <a:latin typeface="Arial"/>
               </a:rPr>
-              <a:t>Good for APIs and layered architecture</a:t>
-            </a:r>
-            <a:endParaRPr b="0" lang="en-US" sz="2400" strike="noStrike" u="none">
-              <a:solidFill>
-                <a:srgbClr val="009bdd"/>
+              <a:t>Mobile and hybrid applications (early iOS design patterns)</a:t>
+            </a:r>
+            <a:endParaRPr b="0" lang="hu-HU" sz="2400" strike="noStrike" u="none">
+              <a:solidFill>
+                <a:srgbClr val="000000"/>
               </a:solidFill>
               <a:effectLst/>
               <a:uFillTx/>
@@ -4118,7 +4524,7 @@
         <p:txBody>
           <a:bodyPr/>
           <a:p>
-            <a:fld id="{A55545AA-B368-432D-A6FB-B3E5CE46EF06}" type="slidenum">
+            <a:fld id="{821F80E2-58D9-4271-A9AE-F3F8D591AE1C}" type="slidenum">
               <a:t>12</a:t>
             </a:fld>
           </a:p>
@@ -4156,7 +4562,7 @@
       </p:grpSpPr>
       <p:sp>
         <p:nvSpPr>
-          <p:cNvPr id="43" name="PlaceHolder 1"/>
+          <p:cNvPr id="44" name="PlaceHolder 1"/>
           <p:cNvSpPr>
             <a:spLocks noGrp="1"/>
           </p:cNvSpPr>
@@ -4166,8 +4572,8 @@
         </p:nvSpPr>
         <p:spPr>
           <a:xfrm>
-            <a:off x="360000" y="180000"/>
-            <a:ext cx="9360000" cy="478080"/>
+            <a:off x="360000" y="179640"/>
+            <a:ext cx="9359640" cy="478440"/>
           </a:xfrm>
           <a:prstGeom prst="rect">
             <a:avLst/>
@@ -4183,7 +4589,13 @@
           </a:bodyPr>
           <a:p>
             <a:pPr indent="0" algn="ctr">
+              <a:lnSpc>
+                <a:spcPct val="100000"/>
+              </a:lnSpc>
               <a:buNone/>
+              <a:tabLst>
+                <a:tab algn="l" pos="0"/>
+              </a:tabLst>
             </a:pPr>
             <a:r>
               <a:rPr b="0" lang="en-US" sz="3300" strike="noStrike" u="none">
@@ -4194,11 +4606,11 @@
                 <a:uFillTx/>
                 <a:latin typeface="Arial"/>
               </a:rPr>
-              <a:t>Behavioral patterns</a:t>
-            </a:r>
-            <a:endParaRPr b="0" lang="en-US" sz="3300" strike="noStrike" u="none">
-              <a:solidFill>
-                <a:srgbClr val="eeeeee"/>
+              <a:t>Singleton</a:t>
+            </a:r>
+            <a:endParaRPr b="0" lang="hu-HU" sz="3300" strike="noStrike" u="none">
+              <a:solidFill>
+                <a:srgbClr val="000000"/>
               </a:solidFill>
               <a:effectLst/>
               <a:uFillTx/>
@@ -4209,7 +4621,7 @@
       </p:sp>
       <p:sp>
         <p:nvSpPr>
-          <p:cNvPr id="44" name="PlaceHolder 2"/>
+          <p:cNvPr id="45" name="PlaceHolder 2"/>
           <p:cNvSpPr>
             <a:spLocks noGrp="1"/>
           </p:cNvSpPr>
@@ -4220,7 +4632,7 @@
         <p:spPr>
           <a:xfrm>
             <a:off x="360000" y="1080000"/>
-            <a:ext cx="9360000" cy="3600000"/>
+            <a:ext cx="9359640" cy="3599640"/>
           </a:xfrm>
           <a:prstGeom prst="rect">
             <a:avLst/>
@@ -4236,6 +4648,9 @@
           </a:bodyPr>
           <a:p>
             <a:pPr marL="432000" indent="-324000">
+              <a:lnSpc>
+                <a:spcPct val="100000"/>
+              </a:lnSpc>
               <a:spcBef>
                 <a:spcPts val="1060"/>
               </a:spcBef>
@@ -4255,11 +4670,11 @@
                 <a:uFillTx/>
                 <a:latin typeface="Arial"/>
               </a:rPr>
-              <a:t>Manage how objects interact and communicate</a:t>
-            </a:r>
-            <a:endParaRPr b="0" lang="en-US" sz="2400" strike="noStrike" u="none">
-              <a:solidFill>
-                <a:srgbClr val="009bdd"/>
+              <a:t>Ensures only one instance of a class exists</a:t>
+            </a:r>
+            <a:endParaRPr b="0" lang="hu-HU" sz="2400" strike="noStrike" u="none">
+              <a:solidFill>
+                <a:srgbClr val="000000"/>
               </a:solidFill>
               <a:effectLst/>
               <a:uFillTx/>
@@ -4268,6 +4683,9 @@
           </a:p>
           <a:p>
             <a:pPr marL="432000" indent="-324000">
+              <a:lnSpc>
+                <a:spcPct val="100000"/>
+              </a:lnSpc>
               <a:spcBef>
                 <a:spcPts val="1060"/>
               </a:spcBef>
@@ -4287,11 +4705,11 @@
                 <a:uFillTx/>
                 <a:latin typeface="Arial"/>
               </a:rPr>
-              <a:t>Help distribute responsibilities</a:t>
-            </a:r>
-            <a:endParaRPr b="0" lang="en-US" sz="2400" strike="noStrike" u="none">
-              <a:solidFill>
-                <a:srgbClr val="009bdd"/>
+              <a:t>Provides a global point of access</a:t>
+            </a:r>
+            <a:endParaRPr b="0" lang="hu-HU" sz="2400" strike="noStrike" u="none">
+              <a:solidFill>
+                <a:srgbClr val="000000"/>
               </a:solidFill>
               <a:effectLst/>
               <a:uFillTx/>
@@ -4300,6 +4718,9 @@
           </a:p>
           <a:p>
             <a:pPr marL="432000" indent="-324000">
+              <a:lnSpc>
+                <a:spcPct val="100000"/>
+              </a:lnSpc>
               <a:spcBef>
                 <a:spcPts val="1060"/>
               </a:spcBef>
@@ -4319,171 +4740,81 @@
                 <a:uFillTx/>
                 <a:latin typeface="Arial"/>
               </a:rPr>
-              <a:t>Examples</a:t>
-            </a:r>
-            <a:endParaRPr b="0" lang="en-US" sz="2400" strike="noStrike" u="none">
-              <a:solidFill>
-                <a:srgbClr val="009bdd"/>
-              </a:solidFill>
-              <a:effectLst/>
-              <a:uFillTx/>
-              <a:latin typeface="Arial"/>
-            </a:endParaRPr>
-          </a:p>
-          <a:p>
-            <a:pPr lvl="1" marL="864000" indent="-324000">
-              <a:spcBef>
-                <a:spcPts val="850"/>
-              </a:spcBef>
-              <a:buClr>
-                <a:srgbClr val="77caee"/>
-              </a:buClr>
-              <a:buSzPct val="45000"/>
-              <a:buFont typeface="Wingdings" charset="2"/>
-              <a:buChar char=""/>
-            </a:pPr>
-            <a:r>
-              <a:rPr b="0" lang="en-US" sz="2100" strike="noStrike" u="none">
-                <a:solidFill>
-                  <a:srgbClr val="009bdd"/>
-                </a:solidFill>
-                <a:effectLst/>
-                <a:uFillTx/>
-                <a:latin typeface="Arial"/>
-              </a:rPr>
-              <a:t>Observer</a:t>
-            </a:r>
-            <a:endParaRPr b="0" lang="en-US" sz="2100" strike="noStrike" u="none">
-              <a:solidFill>
-                <a:srgbClr val="009bdd"/>
-              </a:solidFill>
-              <a:effectLst/>
-              <a:uFillTx/>
-              <a:latin typeface="Arial"/>
-            </a:endParaRPr>
-          </a:p>
-          <a:p>
-            <a:pPr lvl="1" marL="864000" indent="-324000">
-              <a:spcBef>
-                <a:spcPts val="850"/>
-              </a:spcBef>
-              <a:buClr>
-                <a:srgbClr val="77caee"/>
-              </a:buClr>
-              <a:buSzPct val="45000"/>
-              <a:buFont typeface="Wingdings" charset="2"/>
-              <a:buChar char=""/>
-            </a:pPr>
-            <a:r>
-              <a:rPr b="0" lang="en-US" sz="2100" strike="noStrike" u="none">
-                <a:solidFill>
-                  <a:srgbClr val="009bdd"/>
-                </a:solidFill>
-                <a:effectLst/>
-                <a:uFillTx/>
-                <a:latin typeface="Arial"/>
-              </a:rPr>
-              <a:t>Strategy</a:t>
-            </a:r>
-            <a:endParaRPr b="0" lang="en-US" sz="2100" strike="noStrike" u="none">
-              <a:solidFill>
-                <a:srgbClr val="009bdd"/>
-              </a:solidFill>
-              <a:effectLst/>
-              <a:uFillTx/>
-              <a:latin typeface="Arial"/>
-            </a:endParaRPr>
-          </a:p>
-          <a:p>
-            <a:pPr lvl="1" marL="864000" indent="-324000">
-              <a:spcBef>
-                <a:spcPts val="850"/>
-              </a:spcBef>
-              <a:buClr>
-                <a:srgbClr val="77caee"/>
-              </a:buClr>
-              <a:buSzPct val="45000"/>
-              <a:buFont typeface="Wingdings" charset="2"/>
-              <a:buChar char=""/>
-            </a:pPr>
-            <a:r>
-              <a:rPr b="0" lang="en-US" sz="2100" strike="noStrike" u="none">
-                <a:solidFill>
-                  <a:srgbClr val="009bdd"/>
-                </a:solidFill>
-                <a:effectLst/>
-                <a:uFillTx/>
-                <a:latin typeface="Arial"/>
-              </a:rPr>
-              <a:t>Command</a:t>
-            </a:r>
-            <a:endParaRPr b="0" lang="en-US" sz="2100" strike="noStrike" u="none">
-              <a:solidFill>
-                <a:srgbClr val="009bdd"/>
-              </a:solidFill>
-              <a:effectLst/>
-              <a:uFillTx/>
-              <a:latin typeface="Arial"/>
-            </a:endParaRPr>
-          </a:p>
-          <a:p>
-            <a:pPr lvl="1" marL="864000" indent="-324000">
-              <a:spcBef>
-                <a:spcPts val="850"/>
-              </a:spcBef>
-              <a:buClr>
-                <a:srgbClr val="77caee"/>
-              </a:buClr>
-              <a:buSzPct val="45000"/>
-              <a:buFont typeface="Wingdings" charset="2"/>
-              <a:buChar char=""/>
-            </a:pPr>
-            <a:r>
-              <a:rPr b="0" lang="en-US" sz="2100" strike="noStrike" u="none">
-                <a:solidFill>
-                  <a:srgbClr val="009bdd"/>
-                </a:solidFill>
-                <a:effectLst/>
-                <a:uFillTx/>
-                <a:latin typeface="Arial"/>
-              </a:rPr>
-              <a:t>State</a:t>
-            </a:r>
-            <a:endParaRPr b="0" lang="en-US" sz="2100" strike="noStrike" u="none">
-              <a:solidFill>
-                <a:srgbClr val="009bdd"/>
-              </a:solidFill>
-              <a:effectLst/>
-              <a:uFillTx/>
-              <a:latin typeface="Arial"/>
-            </a:endParaRPr>
-          </a:p>
-          <a:p>
-            <a:pPr lvl="1" marL="864000" indent="-324000">
-              <a:spcBef>
-                <a:spcPts val="850"/>
-              </a:spcBef>
-              <a:buClr>
-                <a:srgbClr val="77caee"/>
-              </a:buClr>
-              <a:buSzPct val="45000"/>
-              <a:buFont typeface="Wingdings" charset="2"/>
-              <a:buChar char=""/>
-            </a:pPr>
-            <a:r>
-              <a:rPr b="0" lang="en-US" sz="2100" strike="noStrike" u="none">
-                <a:solidFill>
-                  <a:srgbClr val="009bdd"/>
-                </a:solidFill>
-                <a:effectLst/>
-                <a:uFillTx/>
-                <a:latin typeface="Arial"/>
-              </a:rPr>
-              <a:t>Iterator</a:t>
-            </a:r>
-            <a:endParaRPr b="0" lang="en-US" sz="2100" strike="noStrike" u="none">
-              <a:solidFill>
-                <a:srgbClr val="009bdd"/>
+              <a:t>Common uses: config managers, game managers</a:t>
+            </a:r>
+            <a:endParaRPr b="0" lang="hu-HU" sz="2400" strike="noStrike" u="none">
+              <a:solidFill>
+                <a:srgbClr val="000000"/>
+              </a:solidFill>
+              <a:effectLst/>
+              <a:uFillTx/>
+              <a:latin typeface="Arial"/>
+            </a:endParaRPr>
+          </a:p>
+          <a:p>
+            <a:pPr marL="432000" indent="-324000">
+              <a:lnSpc>
+                <a:spcPct val="100000"/>
+              </a:lnSpc>
+              <a:spcBef>
+                <a:spcPts val="1060"/>
+              </a:spcBef>
+              <a:buClr>
+                <a:srgbClr val="77caee"/>
+              </a:buClr>
+              <a:buSzPct val="45000"/>
+              <a:buFont typeface="Wingdings" charset="2"/>
+              <a:buChar char=""/>
+            </a:pPr>
+            <a:r>
+              <a:rPr b="0" lang="en-US" sz="2400" strike="noStrike" u="none">
+                <a:solidFill>
+                  <a:srgbClr val="009bdd"/>
+                </a:solidFill>
+                <a:effectLst/>
+                <a:uFillTx/>
+                <a:latin typeface="Arial"/>
+              </a:rPr>
+              <a:t>Pros: simple, controlled access</a:t>
+            </a:r>
+            <a:endParaRPr b="0" lang="hu-HU" sz="2400" strike="noStrike" u="none">
+              <a:solidFill>
+                <a:srgbClr val="000000"/>
+              </a:solidFill>
+              <a:effectLst/>
+              <a:uFillTx/>
+              <a:latin typeface="Arial"/>
+            </a:endParaRPr>
+          </a:p>
+          <a:p>
+            <a:pPr marL="432000" indent="-324000">
+              <a:lnSpc>
+                <a:spcPct val="100000"/>
+              </a:lnSpc>
+              <a:spcBef>
+                <a:spcPts val="1060"/>
+              </a:spcBef>
+              <a:buClr>
+                <a:srgbClr val="77caee"/>
+              </a:buClr>
+              <a:buSzPct val="45000"/>
+              <a:buFont typeface="Wingdings" charset="2"/>
+              <a:buChar char=""/>
+            </a:pPr>
+            <a:r>
+              <a:rPr b="0" lang="en-US" sz="2400" strike="noStrike" u="none">
+                <a:solidFill>
+                  <a:srgbClr val="009bdd"/>
+                </a:solidFill>
+                <a:effectLst/>
+                <a:uFillTx/>
+                <a:latin typeface="Arial"/>
+              </a:rPr>
+              <a:t>Cons: can be overused, hard to test</a:t>
+            </a:r>
+            <a:endParaRPr b="0" lang="hu-HU" sz="2400" strike="noStrike" u="none">
+              <a:solidFill>
+                <a:srgbClr val="000000"/>
               </a:solidFill>
               <a:effectLst/>
               <a:uFillTx/>
@@ -4506,7 +4837,7 @@
         <p:txBody>
           <a:bodyPr/>
           <a:p>
-            <a:fld id="{F30B4AD6-FBF7-456B-8EB6-D101FFB6D86F}" type="slidenum">
+            <a:fld id="{EF1223D2-DA89-4735-9A05-9553C92DEF53}" type="slidenum">
               <a:t>13</a:t>
             </a:fld>
           </a:p>
@@ -4544,7 +4875,7 @@
       </p:grpSpPr>
       <p:sp>
         <p:nvSpPr>
-          <p:cNvPr id="45" name="PlaceHolder 1"/>
+          <p:cNvPr id="46" name="PlaceHolder 1"/>
           <p:cNvSpPr>
             <a:spLocks noGrp="1"/>
           </p:cNvSpPr>
@@ -4554,8 +4885,8 @@
         </p:nvSpPr>
         <p:spPr>
           <a:xfrm>
-            <a:off x="360000" y="180000"/>
-            <a:ext cx="9360000" cy="478080"/>
+            <a:off x="360000" y="179640"/>
+            <a:ext cx="9359640" cy="478440"/>
           </a:xfrm>
           <a:prstGeom prst="rect">
             <a:avLst/>
@@ -4571,7 +4902,13 @@
           </a:bodyPr>
           <a:p>
             <a:pPr indent="0" algn="ctr">
+              <a:lnSpc>
+                <a:spcPct val="100000"/>
+              </a:lnSpc>
               <a:buNone/>
+              <a:tabLst>
+                <a:tab algn="l" pos="0"/>
+              </a:tabLst>
             </a:pPr>
             <a:r>
               <a:rPr b="0" lang="en-US" sz="3300" strike="noStrike" u="none">
@@ -4582,11 +4919,11 @@
                 <a:uFillTx/>
                 <a:latin typeface="Arial"/>
               </a:rPr>
-              <a:t>Observer pattern</a:t>
-            </a:r>
-            <a:endParaRPr b="0" lang="en-US" sz="3300" strike="noStrike" u="none">
-              <a:solidFill>
-                <a:srgbClr val="eeeeee"/>
+              <a:t>Factory method pattern</a:t>
+            </a:r>
+            <a:endParaRPr b="0" lang="hu-HU" sz="3300" strike="noStrike" u="none">
+              <a:solidFill>
+                <a:srgbClr val="000000"/>
               </a:solidFill>
               <a:effectLst/>
               <a:uFillTx/>
@@ -4597,7 +4934,7 @@
       </p:sp>
       <p:sp>
         <p:nvSpPr>
-          <p:cNvPr id="46" name="PlaceHolder 2"/>
+          <p:cNvPr id="47" name="PlaceHolder 2"/>
           <p:cNvSpPr>
             <a:spLocks noGrp="1"/>
           </p:cNvSpPr>
@@ -4608,7 +4945,7 @@
         <p:spPr>
           <a:xfrm>
             <a:off x="360000" y="1080000"/>
-            <a:ext cx="9360000" cy="3600000"/>
+            <a:ext cx="9359640" cy="3599640"/>
           </a:xfrm>
           <a:prstGeom prst="rect">
             <a:avLst/>
@@ -4624,6 +4961,9 @@
           </a:bodyPr>
           <a:p>
             <a:pPr marL="432000" indent="-324000">
+              <a:lnSpc>
+                <a:spcPct val="100000"/>
+              </a:lnSpc>
               <a:spcBef>
                 <a:spcPts val="1060"/>
               </a:spcBef>
@@ -4643,11 +4983,11 @@
                 <a:uFillTx/>
                 <a:latin typeface="Arial"/>
               </a:rPr>
-              <a:t>Defines one-to-many dependency</a:t>
-            </a:r>
-            <a:endParaRPr b="0" lang="en-US" sz="2400" strike="noStrike" u="none">
-              <a:solidFill>
-                <a:srgbClr val="009bdd"/>
+              <a:t>Defines an interface for creating objects</a:t>
+            </a:r>
+            <a:endParaRPr b="0" lang="hu-HU" sz="2400" strike="noStrike" u="none">
+              <a:solidFill>
+                <a:srgbClr val="000000"/>
               </a:solidFill>
               <a:effectLst/>
               <a:uFillTx/>
@@ -4656,6 +4996,9 @@
           </a:p>
           <a:p>
             <a:pPr marL="432000" indent="-324000">
+              <a:lnSpc>
+                <a:spcPct val="100000"/>
+              </a:lnSpc>
               <a:spcBef>
                 <a:spcPts val="1060"/>
               </a:spcBef>
@@ -4675,11 +5018,11 @@
                 <a:uFillTx/>
                 <a:latin typeface="Arial"/>
               </a:rPr>
-              <a:t>When one object changes state, all observers are notified</a:t>
-            </a:r>
-            <a:endParaRPr b="0" lang="en-US" sz="2400" strike="noStrike" u="none">
-              <a:solidFill>
-                <a:srgbClr val="009bdd"/>
+              <a:t>Subclasses decide which class to instantiate</a:t>
+            </a:r>
+            <a:endParaRPr b="0" lang="hu-HU" sz="2400" strike="noStrike" u="none">
+              <a:solidFill>
+                <a:srgbClr val="000000"/>
               </a:solidFill>
               <a:effectLst/>
               <a:uFillTx/>
@@ -4688,6 +5031,9 @@
           </a:p>
           <a:p>
             <a:pPr marL="432000" indent="-324000">
+              <a:lnSpc>
+                <a:spcPct val="100000"/>
+              </a:lnSpc>
               <a:spcBef>
                 <a:spcPts val="1060"/>
               </a:spcBef>
@@ -4707,11 +5053,46 @@
                 <a:uFillTx/>
                 <a:latin typeface="Arial"/>
               </a:rPr>
-              <a:t>Common in event systems and GUIs</a:t>
-            </a:r>
-            <a:endParaRPr b="0" lang="en-US" sz="2400" strike="noStrike" u="none">
-              <a:solidFill>
-                <a:srgbClr val="009bdd"/>
+              <a:t>Helps follow the open / closed principle</a:t>
+            </a:r>
+            <a:endParaRPr b="0" lang="hu-HU" sz="2400" strike="noStrike" u="none">
+              <a:solidFill>
+                <a:srgbClr val="000000"/>
+              </a:solidFill>
+              <a:effectLst/>
+              <a:uFillTx/>
+              <a:latin typeface="Arial"/>
+            </a:endParaRPr>
+          </a:p>
+          <a:p>
+            <a:pPr marL="432000" indent="-324000">
+              <a:lnSpc>
+                <a:spcPct val="100000"/>
+              </a:lnSpc>
+              <a:spcBef>
+                <a:spcPts val="1060"/>
+              </a:spcBef>
+              <a:buClr>
+                <a:srgbClr val="77caee"/>
+              </a:buClr>
+              <a:buSzPct val="45000"/>
+              <a:buFont typeface="Wingdings" charset="2"/>
+              <a:buChar char=""/>
+            </a:pPr>
+            <a:r>
+              <a:rPr b="0" lang="en-US" sz="2400" strike="noStrike" u="none">
+                <a:solidFill>
+                  <a:srgbClr val="009bdd"/>
+                </a:solidFill>
+                <a:effectLst/>
+                <a:uFillTx/>
+                <a:latin typeface="Arial"/>
+              </a:rPr>
+              <a:t>Examples: GUI elements, document creators</a:t>
+            </a:r>
+            <a:endParaRPr b="0" lang="hu-HU" sz="2400" strike="noStrike" u="none">
+              <a:solidFill>
+                <a:srgbClr val="000000"/>
               </a:solidFill>
               <a:effectLst/>
               <a:uFillTx/>
@@ -4734,7 +5115,7 @@
         <p:txBody>
           <a:bodyPr/>
           <a:p>
-            <a:fld id="{644A4C06-CEF1-417E-AA01-3EB4EF743EA3}" type="slidenum">
+            <a:fld id="{8DF512C9-62FA-401A-B82F-AD9940C4C884}" type="slidenum">
               <a:t>14</a:t>
             </a:fld>
           </a:p>
@@ -4772,7 +5153,7 @@
       </p:grpSpPr>
       <p:sp>
         <p:nvSpPr>
-          <p:cNvPr id="47" name="PlaceHolder 1"/>
+          <p:cNvPr id="48" name="PlaceHolder 1"/>
           <p:cNvSpPr>
             <a:spLocks noGrp="1"/>
           </p:cNvSpPr>
@@ -4782,8 +5163,8 @@
         </p:nvSpPr>
         <p:spPr>
           <a:xfrm>
-            <a:off x="360000" y="180000"/>
-            <a:ext cx="9360000" cy="478080"/>
+            <a:off x="360000" y="179640"/>
+            <a:ext cx="9359640" cy="478440"/>
           </a:xfrm>
           <a:prstGeom prst="rect">
             <a:avLst/>
@@ -4799,7 +5180,13 @@
           </a:bodyPr>
           <a:p>
             <a:pPr indent="0" algn="ctr">
+              <a:lnSpc>
+                <a:spcPct val="100000"/>
+              </a:lnSpc>
               <a:buNone/>
+              <a:tabLst>
+                <a:tab algn="l" pos="0"/>
+              </a:tabLst>
             </a:pPr>
             <a:r>
               <a:rPr b="0" lang="en-US" sz="3300" strike="noStrike" u="none">
@@ -4810,11 +5197,11 @@
                 <a:uFillTx/>
                 <a:latin typeface="Arial"/>
               </a:rPr>
-              <a:t>Strategy Pattern</a:t>
-            </a:r>
-            <a:endParaRPr b="0" lang="en-US" sz="3300" strike="noStrike" u="none">
-              <a:solidFill>
-                <a:srgbClr val="eeeeee"/>
+              <a:t>Builder pattern</a:t>
+            </a:r>
+            <a:endParaRPr b="0" lang="hu-HU" sz="3300" strike="noStrike" u="none">
+              <a:solidFill>
+                <a:srgbClr val="000000"/>
               </a:solidFill>
               <a:effectLst/>
               <a:uFillTx/>
@@ -4825,7 +5212,7 @@
       </p:sp>
       <p:sp>
         <p:nvSpPr>
-          <p:cNvPr id="48" name="PlaceHolder 2"/>
+          <p:cNvPr id="49" name="PlaceHolder 2"/>
           <p:cNvSpPr>
             <a:spLocks noGrp="1"/>
           </p:cNvSpPr>
@@ -4836,7 +5223,7 @@
         <p:spPr>
           <a:xfrm>
             <a:off x="360000" y="1080000"/>
-            <a:ext cx="9360000" cy="3600000"/>
+            <a:ext cx="9359640" cy="3599640"/>
           </a:xfrm>
           <a:prstGeom prst="rect">
             <a:avLst/>
@@ -4852,6 +5239,9 @@
           </a:bodyPr>
           <a:p>
             <a:pPr marL="432000" indent="-324000">
+              <a:lnSpc>
+                <a:spcPct val="100000"/>
+              </a:lnSpc>
               <a:spcBef>
                 <a:spcPts val="1060"/>
               </a:spcBef>
@@ -4871,11 +5261,11 @@
                 <a:uFillTx/>
                 <a:latin typeface="Arial"/>
               </a:rPr>
-              <a:t>Defines a family of interchangeable algorithms</a:t>
-            </a:r>
-            <a:endParaRPr b="0" lang="en-US" sz="2400" strike="noStrike" u="none">
-              <a:solidFill>
-                <a:srgbClr val="009bdd"/>
+              <a:t>Used for constructing complex objects step by step</a:t>
+            </a:r>
+            <a:endParaRPr b="0" lang="hu-HU" sz="2400" strike="noStrike" u="none">
+              <a:solidFill>
+                <a:srgbClr val="000000"/>
               </a:solidFill>
               <a:effectLst/>
               <a:uFillTx/>
@@ -4884,6 +5274,9 @@
           </a:p>
           <a:p>
             <a:pPr marL="432000" indent="-324000">
+              <a:lnSpc>
+                <a:spcPct val="100000"/>
+              </a:lnSpc>
               <a:spcBef>
                 <a:spcPts val="1060"/>
               </a:spcBef>
@@ -4903,11 +5296,11 @@
                 <a:uFillTx/>
                 <a:latin typeface="Arial"/>
               </a:rPr>
-              <a:t>Client can change behavior at runtime</a:t>
-            </a:r>
-            <a:endParaRPr b="0" lang="en-US" sz="2400" strike="noStrike" u="none">
-              <a:solidFill>
-                <a:srgbClr val="009bdd"/>
+              <a:t>Useful when an object has many optional parameters</a:t>
+            </a:r>
+            <a:endParaRPr b="0" lang="hu-HU" sz="2400" strike="noStrike" u="none">
+              <a:solidFill>
+                <a:srgbClr val="000000"/>
               </a:solidFill>
               <a:effectLst/>
               <a:uFillTx/>
@@ -4916,6 +5309,9 @@
           </a:p>
           <a:p>
             <a:pPr marL="432000" indent="-324000">
+              <a:lnSpc>
+                <a:spcPct val="100000"/>
+              </a:lnSpc>
               <a:spcBef>
                 <a:spcPts val="1060"/>
               </a:spcBef>
@@ -4935,11 +5331,11 @@
                 <a:uFillTx/>
                 <a:latin typeface="Arial"/>
               </a:rPr>
-              <a:t>Examples: sorting, routing</a:t>
-            </a:r>
-            <a:endParaRPr b="0" lang="en-US" sz="2400" strike="noStrike" u="none">
-              <a:solidFill>
-                <a:srgbClr val="009bdd"/>
+              <a:t>Supports different representations with the same construction process</a:t>
+            </a:r>
+            <a:endParaRPr b="0" lang="hu-HU" sz="2400" strike="noStrike" u="none">
+              <a:solidFill>
+                <a:srgbClr val="000000"/>
               </a:solidFill>
               <a:effectLst/>
               <a:uFillTx/>
@@ -4962,7 +5358,7 @@
         <p:txBody>
           <a:bodyPr/>
           <a:p>
-            <a:fld id="{8C737FA8-8F66-4F70-8792-7D617801063F}" type="slidenum">
+            <a:fld id="{BC64291B-B7B2-4E64-98DE-684A06BD6D07}" type="slidenum">
               <a:t>15</a:t>
             </a:fld>
           </a:p>
@@ -5000,7 +5396,7 @@
       </p:grpSpPr>
       <p:sp>
         <p:nvSpPr>
-          <p:cNvPr id="49" name="PlaceHolder 1"/>
+          <p:cNvPr id="50" name="PlaceHolder 1"/>
           <p:cNvSpPr>
             <a:spLocks noGrp="1"/>
           </p:cNvSpPr>
@@ -5010,8 +5406,8 @@
         </p:nvSpPr>
         <p:spPr>
           <a:xfrm>
-            <a:off x="360000" y="180000"/>
-            <a:ext cx="9360000" cy="478080"/>
+            <a:off x="360000" y="179640"/>
+            <a:ext cx="9359640" cy="478440"/>
           </a:xfrm>
           <a:prstGeom prst="rect">
             <a:avLst/>
@@ -5027,7 +5423,13 @@
           </a:bodyPr>
           <a:p>
             <a:pPr indent="0" algn="ctr">
+              <a:lnSpc>
+                <a:spcPct val="100000"/>
+              </a:lnSpc>
               <a:buNone/>
+              <a:tabLst>
+                <a:tab algn="l" pos="0"/>
+              </a:tabLst>
             </a:pPr>
             <a:r>
               <a:rPr b="0" lang="en-US" sz="3300" strike="noStrike" u="none">
@@ -5038,11 +5440,11 @@
                 <a:uFillTx/>
                 <a:latin typeface="Arial"/>
               </a:rPr>
-              <a:t>Command Pattern</a:t>
-            </a:r>
-            <a:endParaRPr b="0" lang="en-US" sz="3300" strike="noStrike" u="none">
-              <a:solidFill>
-                <a:srgbClr val="eeeeee"/>
+              <a:t>Structural pattern</a:t>
+            </a:r>
+            <a:endParaRPr b="0" lang="hu-HU" sz="3300" strike="noStrike" u="none">
+              <a:solidFill>
+                <a:srgbClr val="000000"/>
               </a:solidFill>
               <a:effectLst/>
               <a:uFillTx/>
@@ -5053,7 +5455,7 @@
       </p:sp>
       <p:sp>
         <p:nvSpPr>
-          <p:cNvPr id="50" name="PlaceHolder 2"/>
+          <p:cNvPr id="51" name="PlaceHolder 2"/>
           <p:cNvSpPr>
             <a:spLocks noGrp="1"/>
           </p:cNvSpPr>
@@ -5064,7 +5466,7 @@
         <p:spPr>
           <a:xfrm>
             <a:off x="360000" y="1080000"/>
-            <a:ext cx="9360000" cy="3600000"/>
+            <a:ext cx="9359640" cy="3599640"/>
           </a:xfrm>
           <a:prstGeom prst="rect">
             <a:avLst/>
@@ -5080,6 +5482,9 @@
           </a:bodyPr>
           <a:p>
             <a:pPr marL="432000" indent="-324000">
+              <a:lnSpc>
+                <a:spcPct val="100000"/>
+              </a:lnSpc>
               <a:spcBef>
                 <a:spcPts val="1060"/>
               </a:spcBef>
@@ -5099,11 +5504,11 @@
                 <a:uFillTx/>
                 <a:latin typeface="Arial"/>
               </a:rPr>
-              <a:t>Encapsulates an action as an object</a:t>
-            </a:r>
-            <a:endParaRPr b="0" lang="en-US" sz="2400" strike="noStrike" u="none">
-              <a:solidFill>
-                <a:srgbClr val="009bdd"/>
+              <a:t>Focus on how classes and objects form larger structures</a:t>
+            </a:r>
+            <a:endParaRPr b="0" lang="hu-HU" sz="2400" strike="noStrike" u="none">
+              <a:solidFill>
+                <a:srgbClr val="000000"/>
               </a:solidFill>
               <a:effectLst/>
               <a:uFillTx/>
@@ -5112,6 +5517,9 @@
           </a:p>
           <a:p>
             <a:pPr marL="432000" indent="-324000">
+              <a:lnSpc>
+                <a:spcPct val="100000"/>
+              </a:lnSpc>
               <a:spcBef>
                 <a:spcPts val="1060"/>
               </a:spcBef>
@@ -5131,11 +5539,11 @@
                 <a:uFillTx/>
                 <a:latin typeface="Arial"/>
               </a:rPr>
-              <a:t>Enables undo / redo, logging, queuing actions</a:t>
-            </a:r>
-            <a:endParaRPr b="0" lang="en-US" sz="2400" strike="noStrike" u="none">
-              <a:solidFill>
-                <a:srgbClr val="009bdd"/>
+              <a:t>Make systems easier to modify and extend</a:t>
+            </a:r>
+            <a:endParaRPr b="0" lang="hu-HU" sz="2400" strike="noStrike" u="none">
+              <a:solidFill>
+                <a:srgbClr val="000000"/>
               </a:solidFill>
               <a:effectLst/>
               <a:uFillTx/>
@@ -5144,6 +5552,9 @@
           </a:p>
           <a:p>
             <a:pPr marL="432000" indent="-324000">
+              <a:lnSpc>
+                <a:spcPct val="100000"/>
+              </a:lnSpc>
               <a:spcBef>
                 <a:spcPts val="1060"/>
               </a:spcBef>
@@ -5163,11 +5574,186 @@
                 <a:uFillTx/>
                 <a:latin typeface="Arial"/>
               </a:rPr>
-              <a:t>Frequently used in editors, UI frameworks, automation</a:t>
-            </a:r>
-            <a:endParaRPr b="0" lang="en-US" sz="2400" strike="noStrike" u="none">
-              <a:solidFill>
-                <a:srgbClr val="009bdd"/>
+              <a:t>Examples</a:t>
+            </a:r>
+            <a:endParaRPr b="0" lang="hu-HU" sz="2400" strike="noStrike" u="none">
+              <a:solidFill>
+                <a:srgbClr val="000000"/>
+              </a:solidFill>
+              <a:effectLst/>
+              <a:uFillTx/>
+              <a:latin typeface="Arial"/>
+            </a:endParaRPr>
+          </a:p>
+          <a:p>
+            <a:pPr lvl="1" marL="864000" indent="-324000">
+              <a:lnSpc>
+                <a:spcPct val="100000"/>
+              </a:lnSpc>
+              <a:spcBef>
+                <a:spcPts val="850"/>
+              </a:spcBef>
+              <a:buClr>
+                <a:srgbClr val="77caee"/>
+              </a:buClr>
+              <a:buSzPct val="45000"/>
+              <a:buFont typeface="Wingdings" charset="2"/>
+              <a:buChar char=""/>
+            </a:pPr>
+            <a:r>
+              <a:rPr b="0" lang="en-US" sz="2100" strike="noStrike" u="none">
+                <a:solidFill>
+                  <a:srgbClr val="009bdd"/>
+                </a:solidFill>
+                <a:effectLst/>
+                <a:uFillTx/>
+                <a:latin typeface="Arial"/>
+              </a:rPr>
+              <a:t>Adapter</a:t>
+            </a:r>
+            <a:endParaRPr b="0" lang="hu-HU" sz="2100" strike="noStrike" u="none">
+              <a:solidFill>
+                <a:srgbClr val="000000"/>
+              </a:solidFill>
+              <a:effectLst/>
+              <a:uFillTx/>
+              <a:latin typeface="Arial"/>
+            </a:endParaRPr>
+          </a:p>
+          <a:p>
+            <a:pPr lvl="1" marL="864000" indent="-324000">
+              <a:lnSpc>
+                <a:spcPct val="100000"/>
+              </a:lnSpc>
+              <a:spcBef>
+                <a:spcPts val="850"/>
+              </a:spcBef>
+              <a:buClr>
+                <a:srgbClr val="77caee"/>
+              </a:buClr>
+              <a:buSzPct val="45000"/>
+              <a:buFont typeface="Wingdings" charset="2"/>
+              <a:buChar char=""/>
+            </a:pPr>
+            <a:r>
+              <a:rPr b="0" lang="en-US" sz="2100" strike="noStrike" u="none">
+                <a:solidFill>
+                  <a:srgbClr val="009bdd"/>
+                </a:solidFill>
+                <a:effectLst/>
+                <a:uFillTx/>
+                <a:latin typeface="Arial"/>
+              </a:rPr>
+              <a:t>Decorator</a:t>
+            </a:r>
+            <a:endParaRPr b="0" lang="hu-HU" sz="2100" strike="noStrike" u="none">
+              <a:solidFill>
+                <a:srgbClr val="000000"/>
+              </a:solidFill>
+              <a:effectLst/>
+              <a:uFillTx/>
+              <a:latin typeface="Arial"/>
+            </a:endParaRPr>
+          </a:p>
+          <a:p>
+            <a:pPr lvl="1" marL="864000" indent="-324000">
+              <a:lnSpc>
+                <a:spcPct val="100000"/>
+              </a:lnSpc>
+              <a:spcBef>
+                <a:spcPts val="850"/>
+              </a:spcBef>
+              <a:buClr>
+                <a:srgbClr val="77caee"/>
+              </a:buClr>
+              <a:buSzPct val="45000"/>
+              <a:buFont typeface="Wingdings" charset="2"/>
+              <a:buChar char=""/>
+            </a:pPr>
+            <a:r>
+              <a:rPr b="0" lang="en-US" sz="2100" strike="noStrike" u="none">
+                <a:solidFill>
+                  <a:srgbClr val="009bdd"/>
+                </a:solidFill>
+                <a:effectLst/>
+                <a:uFillTx/>
+                <a:latin typeface="Arial"/>
+              </a:rPr>
+              <a:t>Facade</a:t>
+            </a:r>
+            <a:endParaRPr b="0" lang="hu-HU" sz="2100" strike="noStrike" u="none">
+              <a:solidFill>
+                <a:srgbClr val="000000"/>
+              </a:solidFill>
+              <a:effectLst/>
+              <a:uFillTx/>
+              <a:latin typeface="Arial"/>
+            </a:endParaRPr>
+          </a:p>
+          <a:p>
+            <a:pPr lvl="1" marL="864000" indent="-324000">
+              <a:lnSpc>
+                <a:spcPct val="100000"/>
+              </a:lnSpc>
+              <a:spcBef>
+                <a:spcPts val="850"/>
+              </a:spcBef>
+              <a:buClr>
+                <a:srgbClr val="77caee"/>
+              </a:buClr>
+              <a:buSzPct val="45000"/>
+              <a:buFont typeface="Wingdings" charset="2"/>
+              <a:buChar char=""/>
+            </a:pPr>
+            <a:r>
+              <a:rPr b="0" lang="en-US" sz="2100" strike="noStrike" u="none">
+                <a:solidFill>
+                  <a:srgbClr val="009bdd"/>
+                </a:solidFill>
+                <a:effectLst/>
+                <a:uFillTx/>
+                <a:latin typeface="Arial"/>
+              </a:rPr>
+              <a:t>Proxy</a:t>
+            </a:r>
+            <a:endParaRPr b="0" lang="hu-HU" sz="2100" strike="noStrike" u="none">
+              <a:solidFill>
+                <a:srgbClr val="000000"/>
+              </a:solidFill>
+              <a:effectLst/>
+              <a:uFillTx/>
+              <a:latin typeface="Arial"/>
+            </a:endParaRPr>
+          </a:p>
+          <a:p>
+            <a:pPr lvl="1" marL="864000" indent="-324000">
+              <a:lnSpc>
+                <a:spcPct val="100000"/>
+              </a:lnSpc>
+              <a:spcBef>
+                <a:spcPts val="850"/>
+              </a:spcBef>
+              <a:buClr>
+                <a:srgbClr val="77caee"/>
+              </a:buClr>
+              <a:buSzPct val="45000"/>
+              <a:buFont typeface="Wingdings" charset="2"/>
+              <a:buChar char=""/>
+            </a:pPr>
+            <a:r>
+              <a:rPr b="0" lang="en-US" sz="2100" strike="noStrike" u="none">
+                <a:solidFill>
+                  <a:srgbClr val="009bdd"/>
+                </a:solidFill>
+                <a:effectLst/>
+                <a:uFillTx/>
+                <a:latin typeface="Arial"/>
+              </a:rPr>
+              <a:t>Composite</a:t>
+            </a:r>
+            <a:endParaRPr b="0" lang="hu-HU" sz="2100" strike="noStrike" u="none">
+              <a:solidFill>
+                <a:srgbClr val="000000"/>
               </a:solidFill>
               <a:effectLst/>
               <a:uFillTx/>
@@ -5190,7 +5776,7 @@
         <p:txBody>
           <a:bodyPr/>
           <a:p>
-            <a:fld id="{44F8F8E5-EEA9-43C2-AA15-8C3C295A3818}" type="slidenum">
+            <a:fld id="{D17FD331-C906-4F10-8147-D32E10541663}" type="slidenum">
               <a:t>16</a:t>
             </a:fld>
           </a:p>
@@ -5228,7 +5814,7 @@
       </p:grpSpPr>
       <p:sp>
         <p:nvSpPr>
-          <p:cNvPr id="51" name="PlaceHolder 1"/>
+          <p:cNvPr id="52" name="PlaceHolder 1"/>
           <p:cNvSpPr>
             <a:spLocks noGrp="1"/>
           </p:cNvSpPr>
@@ -5238,8 +5824,8 @@
         </p:nvSpPr>
         <p:spPr>
           <a:xfrm>
-            <a:off x="360000" y="180000"/>
-            <a:ext cx="9360000" cy="478080"/>
+            <a:off x="360000" y="179640"/>
+            <a:ext cx="9359640" cy="478440"/>
           </a:xfrm>
           <a:prstGeom prst="rect">
             <a:avLst/>
@@ -5255,7 +5841,13 @@
           </a:bodyPr>
           <a:p>
             <a:pPr indent="0" algn="ctr">
+              <a:lnSpc>
+                <a:spcPct val="100000"/>
+              </a:lnSpc>
               <a:buNone/>
+              <a:tabLst>
+                <a:tab algn="l" pos="0"/>
+              </a:tabLst>
             </a:pPr>
             <a:r>
               <a:rPr b="0" lang="en-US" sz="3300" strike="noStrike" u="none">
@@ -5266,11 +5858,11 @@
                 <a:uFillTx/>
                 <a:latin typeface="Arial"/>
               </a:rPr>
-              <a:t>Summary</a:t>
-            </a:r>
-            <a:endParaRPr b="0" lang="en-US" sz="3300" strike="noStrike" u="none">
-              <a:solidFill>
-                <a:srgbClr val="eeeeee"/>
+              <a:t>Adapter pattern</a:t>
+            </a:r>
+            <a:endParaRPr b="0" lang="hu-HU" sz="3300" strike="noStrike" u="none">
+              <a:solidFill>
+                <a:srgbClr val="000000"/>
               </a:solidFill>
               <a:effectLst/>
               <a:uFillTx/>
@@ -5281,7 +5873,7 @@
       </p:sp>
       <p:sp>
         <p:nvSpPr>
-          <p:cNvPr id="52" name="PlaceHolder 2"/>
+          <p:cNvPr id="53" name="PlaceHolder 2"/>
           <p:cNvSpPr>
             <a:spLocks noGrp="1"/>
           </p:cNvSpPr>
@@ -5292,7 +5884,7 @@
         <p:spPr>
           <a:xfrm>
             <a:off x="360000" y="1080000"/>
-            <a:ext cx="9360000" cy="3600000"/>
+            <a:ext cx="9359640" cy="3599640"/>
           </a:xfrm>
           <a:prstGeom prst="rect">
             <a:avLst/>
@@ -5308,6 +5900,9 @@
           </a:bodyPr>
           <a:p>
             <a:pPr marL="432000" indent="-324000">
+              <a:lnSpc>
+                <a:spcPct val="100000"/>
+              </a:lnSpc>
               <a:spcBef>
                 <a:spcPts val="1060"/>
               </a:spcBef>
@@ -5327,11 +5922,11 @@
                 <a:uFillTx/>
                 <a:latin typeface="Arial"/>
               </a:rPr>
-              <a:t>Design patterns offer tried-and-tested solutions</a:t>
-            </a:r>
-            <a:endParaRPr b="0" lang="en-US" sz="2400" strike="noStrike" u="none">
-              <a:solidFill>
-                <a:srgbClr val="009bdd"/>
+              <a:t>Allows incompatible interfaces to work together</a:t>
+            </a:r>
+            <a:endParaRPr b="0" lang="hu-HU" sz="2400" strike="noStrike" u="none">
+              <a:solidFill>
+                <a:srgbClr val="000000"/>
               </a:solidFill>
               <a:effectLst/>
               <a:uFillTx/>
@@ -5340,6 +5935,9 @@
           </a:p>
           <a:p>
             <a:pPr marL="432000" indent="-324000">
+              <a:lnSpc>
+                <a:spcPct val="100000"/>
+              </a:lnSpc>
               <a:spcBef>
                 <a:spcPts val="1060"/>
               </a:spcBef>
@@ -5359,11 +5957,11 @@
                 <a:uFillTx/>
                 <a:latin typeface="Arial"/>
               </a:rPr>
-              <a:t>Improve code quality</a:t>
-            </a:r>
-            <a:endParaRPr b="0" lang="en-US" sz="2400" strike="noStrike" u="none">
-              <a:solidFill>
-                <a:srgbClr val="009bdd"/>
+              <a:t>“Translator” between two existing components</a:t>
+            </a:r>
+            <a:endParaRPr b="0" lang="hu-HU" sz="2400" strike="noStrike" u="none">
+              <a:solidFill>
+                <a:srgbClr val="000000"/>
               </a:solidFill>
               <a:effectLst/>
               <a:uFillTx/>
@@ -5372,6 +5970,9 @@
           </a:p>
           <a:p>
             <a:pPr marL="432000" indent="-324000">
+              <a:lnSpc>
+                <a:spcPct val="100000"/>
+              </a:lnSpc>
               <a:spcBef>
                 <a:spcPts val="1060"/>
               </a:spcBef>
@@ -5391,43 +5992,11 @@
                 <a:uFillTx/>
                 <a:latin typeface="Arial"/>
               </a:rPr>
-              <a:t>Three main groups: creational, structural, behavioral</a:t>
-            </a:r>
-            <a:endParaRPr b="0" lang="en-US" sz="2400" strike="noStrike" u="none">
-              <a:solidFill>
-                <a:srgbClr val="009bdd"/>
-              </a:solidFill>
-              <a:effectLst/>
-              <a:uFillTx/>
-              <a:latin typeface="Arial"/>
-            </a:endParaRPr>
-          </a:p>
-          <a:p>
-            <a:pPr marL="432000" indent="-324000">
-              <a:spcBef>
-                <a:spcPts val="1060"/>
-              </a:spcBef>
-              <a:buClr>
-                <a:srgbClr val="77caee"/>
-              </a:buClr>
-              <a:buSzPct val="45000"/>
-              <a:buFont typeface="Wingdings" charset="2"/>
-              <a:buChar char=""/>
-            </a:pPr>
-            <a:r>
-              <a:rPr b="0" lang="en-US" sz="2400" strike="noStrike" u="none">
-                <a:solidFill>
-                  <a:srgbClr val="009bdd"/>
-                </a:solidFill>
-                <a:effectLst/>
-                <a:uFillTx/>
-                <a:latin typeface="Arial"/>
-              </a:rPr>
-              <a:t>Knowing them makes you a better designer and developer</a:t>
-            </a:r>
-            <a:endParaRPr b="0" lang="en-US" sz="2400" strike="noStrike" u="none">
-              <a:solidFill>
-                <a:srgbClr val="009bdd"/>
+              <a:t>Example: converting legacy code to new interfaces</a:t>
+            </a:r>
+            <a:endParaRPr b="0" lang="hu-HU" sz="2400" strike="noStrike" u="none">
+              <a:solidFill>
+                <a:srgbClr val="000000"/>
               </a:solidFill>
               <a:effectLst/>
               <a:uFillTx/>
@@ -5450,8 +6019,494 @@
         <p:txBody>
           <a:bodyPr/>
           <a:p>
-            <a:fld id="{0AFB153E-70EC-4339-8D54-95EBAAB3155D}" type="slidenum">
+            <a:fld id="{CFADACCD-D938-4AB0-B247-DA9FBF8ED24A}" type="slidenum">
               <a:t>17</a:t>
+            </a:fld>
+          </a:p>
+        </p:txBody>
+      </p:sp>
+    </p:spTree>
+  </p:cSld>
+  <mc:AlternateContent>
+    <mc:Choice Requires="p14">
+      <p:transition spd="slow" p14:dur="2000"/>
+    </mc:Choice>
+    <mc:Fallback>
+      <p:transition spd="slow"/>
+    </mc:Fallback>
+  </mc:AlternateContent>
+</p:sld>
+</file>
+
+<file path=ppt/slides/slide18.xml><?xml version="1.0" encoding="utf-8"?>
+<p:sld xmlns:a="http://schemas.openxmlformats.org/drawingml/2006/main" xmlns:p="http://schemas.openxmlformats.org/presentationml/2006/main" xmlns:r="http://schemas.openxmlformats.org/officeDocument/2006/relationships" xmlns:p14="http://schemas.microsoft.com/office/powerpoint/2010/main" xmlns:p15="http://schemas.microsoft.com/office/powerpoint/2012/main" xmlns:mc="http://schemas.openxmlformats.org/markup-compatibility/2006">
+  <p:cSld>
+    <p:spTree>
+      <p:nvGrpSpPr>
+        <p:cNvPr id="1" name=""/>
+        <p:cNvGrpSpPr/>
+        <p:nvPr/>
+      </p:nvGrpSpPr>
+      <p:grpSpPr>
+        <a:xfrm>
+          <a:off x="0" y="0"/>
+          <a:ext cx="0" cy="0"/>
+          <a:chOff x="0" y="0"/>
+          <a:chExt cx="0" cy="0"/>
+        </a:xfrm>
+      </p:grpSpPr>
+      <p:sp>
+        <p:nvSpPr>
+          <p:cNvPr id="54" name="PlaceHolder 1"/>
+          <p:cNvSpPr>
+            <a:spLocks noGrp="1"/>
+          </p:cNvSpPr>
+          <p:nvPr>
+            <p:ph type="title"/>
+          </p:nvPr>
+        </p:nvSpPr>
+        <p:spPr>
+          <a:xfrm>
+            <a:off x="360000" y="179640"/>
+            <a:ext cx="9359640" cy="478440"/>
+          </a:xfrm>
+          <a:prstGeom prst="rect">
+            <a:avLst/>
+          </a:prstGeom>
+          <a:noFill/>
+          <a:ln w="0">
+            <a:noFill/>
+          </a:ln>
+        </p:spPr>
+        <p:txBody>
+          <a:bodyPr lIns="0" rIns="0" tIns="0" bIns="0" anchor="ctr">
+            <a:spAutoFit/>
+          </a:bodyPr>
+          <a:p>
+            <a:pPr indent="0" algn="ctr">
+              <a:lnSpc>
+                <a:spcPct val="100000"/>
+              </a:lnSpc>
+              <a:buNone/>
+              <a:tabLst>
+                <a:tab algn="l" pos="0"/>
+              </a:tabLst>
+            </a:pPr>
+            <a:r>
+              <a:rPr b="0" lang="en-US" sz="3300" strike="noStrike" u="none">
+                <a:solidFill>
+                  <a:srgbClr val="eeeeee"/>
+                </a:solidFill>
+                <a:effectLst/>
+                <a:uFillTx/>
+                <a:latin typeface="Arial"/>
+              </a:rPr>
+              <a:t>Decorator pattern</a:t>
+            </a:r>
+            <a:endParaRPr b="0" lang="hu-HU" sz="3300" strike="noStrike" u="none">
+              <a:solidFill>
+                <a:srgbClr val="000000"/>
+              </a:solidFill>
+              <a:effectLst/>
+              <a:uFillTx/>
+              <a:latin typeface="Arial"/>
+            </a:endParaRPr>
+          </a:p>
+        </p:txBody>
+      </p:sp>
+      <p:sp>
+        <p:nvSpPr>
+          <p:cNvPr id="55" name="PlaceHolder 2"/>
+          <p:cNvSpPr>
+            <a:spLocks noGrp="1"/>
+          </p:cNvSpPr>
+          <p:nvPr>
+            <p:ph/>
+          </p:nvPr>
+        </p:nvSpPr>
+        <p:spPr>
+          <a:xfrm>
+            <a:off x="360000" y="1080000"/>
+            <a:ext cx="9359640" cy="3599640"/>
+          </a:xfrm>
+          <a:prstGeom prst="rect">
+            <a:avLst/>
+          </a:prstGeom>
+          <a:noFill/>
+          <a:ln w="0">
+            <a:noFill/>
+          </a:ln>
+        </p:spPr>
+        <p:txBody>
+          <a:bodyPr lIns="0" rIns="0" tIns="0" bIns="0" anchor="t">
+            <a:noAutofit/>
+          </a:bodyPr>
+          <a:p>
+            <a:pPr marL="432000" indent="-324000">
+              <a:lnSpc>
+                <a:spcPct val="100000"/>
+              </a:lnSpc>
+              <a:spcBef>
+                <a:spcPts val="1060"/>
+              </a:spcBef>
+              <a:buClr>
+                <a:srgbClr val="77caee"/>
+              </a:buClr>
+              <a:buSzPct val="45000"/>
+              <a:buFont typeface="Wingdings" charset="2"/>
+              <a:buChar char=""/>
+            </a:pPr>
+            <a:r>
+              <a:rPr b="0" lang="en-US" sz="2400" strike="noStrike" u="none">
+                <a:solidFill>
+                  <a:srgbClr val="009bdd"/>
+                </a:solidFill>
+                <a:effectLst/>
+                <a:uFillTx/>
+                <a:latin typeface="Arial"/>
+              </a:rPr>
+              <a:t>Adds functionality to objects dynamically</a:t>
+            </a:r>
+            <a:endParaRPr b="0" lang="hu-HU" sz="2400" strike="noStrike" u="none">
+              <a:solidFill>
+                <a:srgbClr val="000000"/>
+              </a:solidFill>
+              <a:effectLst/>
+              <a:uFillTx/>
+              <a:latin typeface="Arial"/>
+            </a:endParaRPr>
+          </a:p>
+          <a:p>
+            <a:pPr marL="432000" indent="-324000">
+              <a:lnSpc>
+                <a:spcPct val="100000"/>
+              </a:lnSpc>
+              <a:spcBef>
+                <a:spcPts val="1060"/>
+              </a:spcBef>
+              <a:buClr>
+                <a:srgbClr val="77caee"/>
+              </a:buClr>
+              <a:buSzPct val="45000"/>
+              <a:buFont typeface="Wingdings" charset="2"/>
+              <a:buChar char=""/>
+            </a:pPr>
+            <a:r>
+              <a:rPr b="0" lang="en-US" sz="2400" strike="noStrike" u="none">
+                <a:solidFill>
+                  <a:srgbClr val="009bdd"/>
+                </a:solidFill>
+                <a:effectLst/>
+                <a:uFillTx/>
+                <a:latin typeface="Arial"/>
+              </a:rPr>
+              <a:t>Avoids creating large inheritance hierarchies</a:t>
+            </a:r>
+            <a:endParaRPr b="0" lang="hu-HU" sz="2400" strike="noStrike" u="none">
+              <a:solidFill>
+                <a:srgbClr val="000000"/>
+              </a:solidFill>
+              <a:effectLst/>
+              <a:uFillTx/>
+              <a:latin typeface="Arial"/>
+            </a:endParaRPr>
+          </a:p>
+          <a:p>
+            <a:pPr marL="432000" indent="-324000">
+              <a:lnSpc>
+                <a:spcPct val="100000"/>
+              </a:lnSpc>
+              <a:spcBef>
+                <a:spcPts val="1060"/>
+              </a:spcBef>
+              <a:buClr>
+                <a:srgbClr val="77caee"/>
+              </a:buClr>
+              <a:buSzPct val="45000"/>
+              <a:buFont typeface="Wingdings" charset="2"/>
+              <a:buChar char=""/>
+            </a:pPr>
+            <a:r>
+              <a:rPr b="0" lang="en-US" sz="2400" strike="noStrike" u="none">
+                <a:solidFill>
+                  <a:srgbClr val="009bdd"/>
+                </a:solidFill>
+                <a:effectLst/>
+                <a:uFillTx/>
+                <a:latin typeface="Arial"/>
+              </a:rPr>
+              <a:t>Common in GUI frameworks</a:t>
+            </a:r>
+            <a:endParaRPr b="0" lang="hu-HU" sz="2400" strike="noStrike" u="none">
+              <a:solidFill>
+                <a:srgbClr val="000000"/>
+              </a:solidFill>
+              <a:effectLst/>
+              <a:uFillTx/>
+              <a:latin typeface="Arial"/>
+            </a:endParaRPr>
+          </a:p>
+        </p:txBody>
+      </p:sp>
+      <p:sp>
+        <p:nvSpPr>
+          <p:cNvPr id="4" name="PlaceHolder 3"/>
+          <p:cNvSpPr>
+            <a:spLocks noGrp="1"/>
+          </p:cNvSpPr>
+          <p:nvPr>
+            <p:ph type="sldNum" idx="3"/>
+          </p:nvPr>
+        </p:nvSpPr>
+        <p:spPr/>
+        <p:txBody>
+          <a:bodyPr/>
+          <a:p>
+            <a:fld id="{4D447E8A-B4E8-4AE4-972C-2C0715E42236}" type="slidenum">
+              <a:t>18</a:t>
+            </a:fld>
+          </a:p>
+        </p:txBody>
+      </p:sp>
+    </p:spTree>
+  </p:cSld>
+  <mc:AlternateContent>
+    <mc:Choice Requires="p14">
+      <p:transition spd="slow" p14:dur="2000"/>
+    </mc:Choice>
+    <mc:Fallback>
+      <p:transition spd="slow"/>
+    </mc:Fallback>
+  </mc:AlternateContent>
+</p:sld>
+</file>
+
+<file path=ppt/slides/slide19.xml><?xml version="1.0" encoding="utf-8"?>
+<p:sld xmlns:a="http://schemas.openxmlformats.org/drawingml/2006/main" xmlns:p="http://schemas.openxmlformats.org/presentationml/2006/main" xmlns:r="http://schemas.openxmlformats.org/officeDocument/2006/relationships" xmlns:p14="http://schemas.microsoft.com/office/powerpoint/2010/main" xmlns:p15="http://schemas.microsoft.com/office/powerpoint/2012/main" xmlns:mc="http://schemas.openxmlformats.org/markup-compatibility/2006">
+  <p:cSld>
+    <p:spTree>
+      <p:nvGrpSpPr>
+        <p:cNvPr id="1" name=""/>
+        <p:cNvGrpSpPr/>
+        <p:nvPr/>
+      </p:nvGrpSpPr>
+      <p:grpSpPr>
+        <a:xfrm>
+          <a:off x="0" y="0"/>
+          <a:ext cx="0" cy="0"/>
+          <a:chOff x="0" y="0"/>
+          <a:chExt cx="0" cy="0"/>
+        </a:xfrm>
+      </p:grpSpPr>
+      <p:sp>
+        <p:nvSpPr>
+          <p:cNvPr id="56" name="PlaceHolder 1"/>
+          <p:cNvSpPr>
+            <a:spLocks noGrp="1"/>
+          </p:cNvSpPr>
+          <p:nvPr>
+            <p:ph type="title"/>
+          </p:nvPr>
+        </p:nvSpPr>
+        <p:spPr>
+          <a:xfrm>
+            <a:off x="360000" y="179640"/>
+            <a:ext cx="9359640" cy="478440"/>
+          </a:xfrm>
+          <a:prstGeom prst="rect">
+            <a:avLst/>
+          </a:prstGeom>
+          <a:noFill/>
+          <a:ln w="0">
+            <a:noFill/>
+          </a:ln>
+        </p:spPr>
+        <p:txBody>
+          <a:bodyPr lIns="0" rIns="0" tIns="0" bIns="0" anchor="ctr">
+            <a:spAutoFit/>
+          </a:bodyPr>
+          <a:p>
+            <a:pPr indent="0" algn="ctr">
+              <a:lnSpc>
+                <a:spcPct val="100000"/>
+              </a:lnSpc>
+              <a:buNone/>
+              <a:tabLst>
+                <a:tab algn="l" pos="0"/>
+              </a:tabLst>
+            </a:pPr>
+            <a:r>
+              <a:rPr b="0" lang="en-US" sz="3300" strike="noStrike" u="none">
+                <a:solidFill>
+                  <a:srgbClr val="eeeeee"/>
+                </a:solidFill>
+                <a:effectLst/>
+                <a:uFillTx/>
+                <a:latin typeface="Arial"/>
+              </a:rPr>
+              <a:t>Facade pattern</a:t>
+            </a:r>
+            <a:endParaRPr b="0" lang="hu-HU" sz="3300" strike="noStrike" u="none">
+              <a:solidFill>
+                <a:srgbClr val="000000"/>
+              </a:solidFill>
+              <a:effectLst/>
+              <a:uFillTx/>
+              <a:latin typeface="Arial"/>
+            </a:endParaRPr>
+          </a:p>
+        </p:txBody>
+      </p:sp>
+      <p:sp>
+        <p:nvSpPr>
+          <p:cNvPr id="57" name="PlaceHolder 2"/>
+          <p:cNvSpPr>
+            <a:spLocks noGrp="1"/>
+          </p:cNvSpPr>
+          <p:nvPr>
+            <p:ph/>
+          </p:nvPr>
+        </p:nvSpPr>
+        <p:spPr>
+          <a:xfrm>
+            <a:off x="360000" y="1080000"/>
+            <a:ext cx="9359640" cy="3599640"/>
+          </a:xfrm>
+          <a:prstGeom prst="rect">
+            <a:avLst/>
+          </a:prstGeom>
+          <a:noFill/>
+          <a:ln w="0">
+            <a:noFill/>
+          </a:ln>
+        </p:spPr>
+        <p:txBody>
+          <a:bodyPr lIns="0" rIns="0" tIns="0" bIns="0" anchor="t">
+            <a:noAutofit/>
+          </a:bodyPr>
+          <a:p>
+            <a:pPr marL="432000" indent="-324000">
+              <a:lnSpc>
+                <a:spcPct val="100000"/>
+              </a:lnSpc>
+              <a:spcBef>
+                <a:spcPts val="1060"/>
+              </a:spcBef>
+              <a:buClr>
+                <a:srgbClr val="77caee"/>
+              </a:buClr>
+              <a:buSzPct val="45000"/>
+              <a:buFont typeface="Wingdings" charset="2"/>
+              <a:buChar char=""/>
+            </a:pPr>
+            <a:r>
+              <a:rPr b="0" lang="en-US" sz="2400" strike="noStrike" u="none">
+                <a:solidFill>
+                  <a:srgbClr val="009bdd"/>
+                </a:solidFill>
+                <a:effectLst/>
+                <a:uFillTx/>
+                <a:latin typeface="Arial"/>
+              </a:rPr>
+              <a:t>Provides a simplified interface to a complex subsystem</a:t>
+            </a:r>
+            <a:endParaRPr b="0" lang="hu-HU" sz="2400" strike="noStrike" u="none">
+              <a:solidFill>
+                <a:srgbClr val="000000"/>
+              </a:solidFill>
+              <a:effectLst/>
+              <a:uFillTx/>
+              <a:latin typeface="Arial"/>
+            </a:endParaRPr>
+          </a:p>
+          <a:p>
+            <a:pPr marL="432000" indent="-324000">
+              <a:lnSpc>
+                <a:spcPct val="100000"/>
+              </a:lnSpc>
+              <a:spcBef>
+                <a:spcPts val="1060"/>
+              </a:spcBef>
+              <a:buClr>
+                <a:srgbClr val="77caee"/>
+              </a:buClr>
+              <a:buSzPct val="45000"/>
+              <a:buFont typeface="Wingdings" charset="2"/>
+              <a:buChar char=""/>
+            </a:pPr>
+            <a:r>
+              <a:rPr b="0" lang="en-US" sz="2400" strike="noStrike" u="none">
+                <a:solidFill>
+                  <a:srgbClr val="009bdd"/>
+                </a:solidFill>
+                <a:effectLst/>
+                <a:uFillTx/>
+                <a:latin typeface="Arial"/>
+              </a:rPr>
+              <a:t>Makes large libraries easier to use</a:t>
+            </a:r>
+            <a:endParaRPr b="0" lang="hu-HU" sz="2400" strike="noStrike" u="none">
+              <a:solidFill>
+                <a:srgbClr val="000000"/>
+              </a:solidFill>
+              <a:effectLst/>
+              <a:uFillTx/>
+              <a:latin typeface="Arial"/>
+            </a:endParaRPr>
+          </a:p>
+          <a:p>
+            <a:pPr marL="432000" indent="-324000">
+              <a:lnSpc>
+                <a:spcPct val="100000"/>
+              </a:lnSpc>
+              <a:spcBef>
+                <a:spcPts val="1060"/>
+              </a:spcBef>
+              <a:buClr>
+                <a:srgbClr val="77caee"/>
+              </a:buClr>
+              <a:buSzPct val="45000"/>
+              <a:buFont typeface="Wingdings" charset="2"/>
+              <a:buChar char=""/>
+            </a:pPr>
+            <a:r>
+              <a:rPr b="0" lang="en-US" sz="2400" strike="noStrike" u="none">
+                <a:solidFill>
+                  <a:srgbClr val="009bdd"/>
+                </a:solidFill>
+                <a:effectLst/>
+                <a:uFillTx/>
+                <a:latin typeface="Arial"/>
+              </a:rPr>
+              <a:t>Good for APIs and layered architecture</a:t>
+            </a:r>
+            <a:endParaRPr b="0" lang="hu-HU" sz="2400" strike="noStrike" u="none">
+              <a:solidFill>
+                <a:srgbClr val="000000"/>
+              </a:solidFill>
+              <a:effectLst/>
+              <a:uFillTx/>
+              <a:latin typeface="Arial"/>
+            </a:endParaRPr>
+          </a:p>
+        </p:txBody>
+      </p:sp>
+      <p:sp>
+        <p:nvSpPr>
+          <p:cNvPr id="4" name="PlaceHolder 3"/>
+          <p:cNvSpPr>
+            <a:spLocks noGrp="1"/>
+          </p:cNvSpPr>
+          <p:nvPr>
+            <p:ph type="sldNum" idx="3"/>
+          </p:nvPr>
+        </p:nvSpPr>
+        <p:spPr/>
+        <p:txBody>
+          <a:bodyPr/>
+          <a:p>
+            <a:fld id="{D12AFBDE-6101-4F36-994D-BAE6E0C082E1}" type="slidenum">
+              <a:t>19</a:t>
             </a:fld>
           </a:p>
         </p:txBody>
@@ -5488,7 +6543,7 @@
       </p:grpSpPr>
       <p:sp>
         <p:nvSpPr>
-          <p:cNvPr id="21" name="PlaceHolder 1"/>
+          <p:cNvPr id="22" name="PlaceHolder 1"/>
           <p:cNvSpPr>
             <a:spLocks noGrp="1"/>
           </p:cNvSpPr>
@@ -5498,8 +6553,8 @@
         </p:nvSpPr>
         <p:spPr>
           <a:xfrm>
-            <a:off x="360000" y="180000"/>
-            <a:ext cx="9360000" cy="478080"/>
+            <a:off x="360000" y="179640"/>
+            <a:ext cx="9359640" cy="478440"/>
           </a:xfrm>
           <a:prstGeom prst="rect">
             <a:avLst/>
@@ -5515,7 +6570,13 @@
           </a:bodyPr>
           <a:p>
             <a:pPr indent="0" algn="ctr">
+              <a:lnSpc>
+                <a:spcPct val="100000"/>
+              </a:lnSpc>
               <a:buNone/>
+              <a:tabLst>
+                <a:tab algn="l" pos="0"/>
+              </a:tabLst>
             </a:pPr>
             <a:r>
               <a:rPr b="0" lang="en-US" sz="3300" strike="noStrike" u="none">
@@ -5539,9 +6600,9 @@
               </a:rPr>
               <a:t>	</a:t>
             </a:r>
-            <a:endParaRPr b="0" lang="en-US" sz="3300" strike="noStrike" u="none">
-              <a:solidFill>
-                <a:srgbClr val="eeeeee"/>
+            <a:endParaRPr b="0" lang="hu-HU" sz="3300" strike="noStrike" u="none">
+              <a:solidFill>
+                <a:srgbClr val="000000"/>
               </a:solidFill>
               <a:effectLst/>
               <a:uFillTx/>
@@ -5552,7 +6613,7 @@
       </p:sp>
       <p:sp>
         <p:nvSpPr>
-          <p:cNvPr id="22" name="PlaceHolder 2"/>
+          <p:cNvPr id="23" name="PlaceHolder 2"/>
           <p:cNvSpPr>
             <a:spLocks noGrp="1"/>
           </p:cNvSpPr>
@@ -5563,7 +6624,7 @@
         <p:spPr>
           <a:xfrm>
             <a:off x="360000" y="1080000"/>
-            <a:ext cx="9360000" cy="3600000"/>
+            <a:ext cx="9359640" cy="3599640"/>
           </a:xfrm>
           <a:prstGeom prst="rect">
             <a:avLst/>
@@ -5579,6 +6640,9 @@
           </a:bodyPr>
           <a:p>
             <a:pPr marL="432000" indent="-324000">
+              <a:lnSpc>
+                <a:spcPct val="100000"/>
+              </a:lnSpc>
               <a:spcBef>
                 <a:spcPts val="1060"/>
               </a:spcBef>
@@ -5600,9 +6664,9 @@
               </a:rPr>
               <a:t>Reusable solutions to recurring software design problems</a:t>
             </a:r>
-            <a:endParaRPr b="0" lang="en-US" sz="2400" strike="noStrike" u="none">
-              <a:solidFill>
-                <a:srgbClr val="009bdd"/>
+            <a:endParaRPr b="0" lang="hu-HU" sz="2400" strike="noStrike" u="none">
+              <a:solidFill>
+                <a:srgbClr val="000000"/>
               </a:solidFill>
               <a:effectLst/>
               <a:uFillTx/>
@@ -5611,6 +6675,9 @@
           </a:p>
           <a:p>
             <a:pPr marL="432000" indent="-324000">
+              <a:lnSpc>
+                <a:spcPct val="100000"/>
+              </a:lnSpc>
               <a:spcBef>
                 <a:spcPts val="1060"/>
               </a:spcBef>
@@ -5632,9 +6699,9 @@
               </a:rPr>
               <a:t>Not exact code, but templates or guidelines</a:t>
             </a:r>
-            <a:endParaRPr b="0" lang="en-US" sz="2400" strike="noStrike" u="none">
-              <a:solidFill>
-                <a:srgbClr val="009bdd"/>
+            <a:endParaRPr b="0" lang="hu-HU" sz="2400" strike="noStrike" u="none">
+              <a:solidFill>
+                <a:srgbClr val="000000"/>
               </a:solidFill>
               <a:effectLst/>
               <a:uFillTx/>
@@ -5643,6 +6710,9 @@
           </a:p>
           <a:p>
             <a:pPr marL="432000" indent="-324000">
+              <a:lnSpc>
+                <a:spcPct val="100000"/>
+              </a:lnSpc>
               <a:spcBef>
                 <a:spcPts val="1060"/>
               </a:spcBef>
@@ -5664,9 +6734,9 @@
               </a:rPr>
               <a:t>Improve communication among developers</a:t>
             </a:r>
-            <a:endParaRPr b="0" lang="en-US" sz="2400" strike="noStrike" u="none">
-              <a:solidFill>
-                <a:srgbClr val="009bdd"/>
+            <a:endParaRPr b="0" lang="hu-HU" sz="2400" strike="noStrike" u="none">
+              <a:solidFill>
+                <a:srgbClr val="000000"/>
               </a:solidFill>
               <a:effectLst/>
               <a:uFillTx/>
@@ -5675,6 +6745,9 @@
           </a:p>
           <a:p>
             <a:pPr marL="432000" indent="-324000">
+              <a:lnSpc>
+                <a:spcPct val="100000"/>
+              </a:lnSpc>
               <a:spcBef>
                 <a:spcPts val="1060"/>
               </a:spcBef>
@@ -5696,9 +6769,9 @@
               </a:rPr>
               <a:t>Increase flexibility, scalability and maintainability</a:t>
             </a:r>
-            <a:endParaRPr b="0" lang="en-US" sz="2400" strike="noStrike" u="none">
-              <a:solidFill>
-                <a:srgbClr val="009bdd"/>
+            <a:endParaRPr b="0" lang="hu-HU" sz="2400" strike="noStrike" u="none">
+              <a:solidFill>
+                <a:srgbClr val="000000"/>
               </a:solidFill>
               <a:effectLst/>
               <a:uFillTx/>
@@ -5707,6 +6780,9 @@
           </a:p>
           <a:p>
             <a:pPr marL="432000" indent="-324000">
+              <a:lnSpc>
+                <a:spcPct val="100000"/>
+              </a:lnSpc>
               <a:spcBef>
                 <a:spcPts val="1060"/>
               </a:spcBef>
@@ -5728,9 +6804,9 @@
               </a:rPr>
               <a:t>Language independent</a:t>
             </a:r>
-            <a:endParaRPr b="0" lang="en-US" sz="2400" strike="noStrike" u="none">
-              <a:solidFill>
-                <a:srgbClr val="009bdd"/>
+            <a:endParaRPr b="0" lang="hu-HU" sz="2400" strike="noStrike" u="none">
+              <a:solidFill>
+                <a:srgbClr val="000000"/>
               </a:solidFill>
               <a:effectLst/>
               <a:uFillTx/>
@@ -5753,8 +6829,1433 @@
         <p:txBody>
           <a:bodyPr/>
           <a:p>
-            <a:fld id="{12B4FD2A-1FEF-4417-96CC-F18E65002734}" type="slidenum">
+            <a:fld id="{3AC5E12F-F1BE-4882-AF95-D93293AB3BC7}" type="slidenum">
               <a:t>2</a:t>
+            </a:fld>
+          </a:p>
+        </p:txBody>
+      </p:sp>
+    </p:spTree>
+  </p:cSld>
+  <mc:AlternateContent>
+    <mc:Choice Requires="p14">
+      <p:transition spd="slow" p14:dur="2000"/>
+    </mc:Choice>
+    <mc:Fallback>
+      <p:transition spd="slow"/>
+    </mc:Fallback>
+  </mc:AlternateContent>
+</p:sld>
+</file>
+
+<file path=ppt/slides/slide20.xml><?xml version="1.0" encoding="utf-8"?>
+<p:sld xmlns:a="http://schemas.openxmlformats.org/drawingml/2006/main" xmlns:p="http://schemas.openxmlformats.org/presentationml/2006/main" xmlns:r="http://schemas.openxmlformats.org/officeDocument/2006/relationships" xmlns:p14="http://schemas.microsoft.com/office/powerpoint/2010/main" xmlns:p15="http://schemas.microsoft.com/office/powerpoint/2012/main" xmlns:mc="http://schemas.openxmlformats.org/markup-compatibility/2006">
+  <p:cSld>
+    <p:spTree>
+      <p:nvGrpSpPr>
+        <p:cNvPr id="1" name=""/>
+        <p:cNvGrpSpPr/>
+        <p:nvPr/>
+      </p:nvGrpSpPr>
+      <p:grpSpPr>
+        <a:xfrm>
+          <a:off x="0" y="0"/>
+          <a:ext cx="0" cy="0"/>
+          <a:chOff x="0" y="0"/>
+          <a:chExt cx="0" cy="0"/>
+        </a:xfrm>
+      </p:grpSpPr>
+      <p:sp>
+        <p:nvSpPr>
+          <p:cNvPr id="58" name="PlaceHolder 1"/>
+          <p:cNvSpPr>
+            <a:spLocks noGrp="1"/>
+          </p:cNvSpPr>
+          <p:nvPr>
+            <p:ph type="title"/>
+          </p:nvPr>
+        </p:nvSpPr>
+        <p:spPr>
+          <a:xfrm>
+            <a:off x="360000" y="179640"/>
+            <a:ext cx="9359640" cy="478440"/>
+          </a:xfrm>
+          <a:prstGeom prst="rect">
+            <a:avLst/>
+          </a:prstGeom>
+          <a:noFill/>
+          <a:ln w="0">
+            <a:noFill/>
+          </a:ln>
+        </p:spPr>
+        <p:txBody>
+          <a:bodyPr lIns="0" rIns="0" tIns="0" bIns="0" anchor="ctr">
+            <a:spAutoFit/>
+          </a:bodyPr>
+          <a:p>
+            <a:pPr indent="0" algn="ctr">
+              <a:lnSpc>
+                <a:spcPct val="100000"/>
+              </a:lnSpc>
+              <a:buNone/>
+              <a:tabLst>
+                <a:tab algn="l" pos="0"/>
+              </a:tabLst>
+            </a:pPr>
+            <a:r>
+              <a:rPr b="0" lang="en-US" sz="3300" strike="noStrike" u="none">
+                <a:solidFill>
+                  <a:srgbClr val="eeeeee"/>
+                </a:solidFill>
+                <a:effectLst/>
+                <a:uFillTx/>
+                <a:latin typeface="Arial"/>
+              </a:rPr>
+              <a:t>Behavioral patterns</a:t>
+            </a:r>
+            <a:endParaRPr b="0" lang="hu-HU" sz="3300" strike="noStrike" u="none">
+              <a:solidFill>
+                <a:srgbClr val="000000"/>
+              </a:solidFill>
+              <a:effectLst/>
+              <a:uFillTx/>
+              <a:latin typeface="Arial"/>
+            </a:endParaRPr>
+          </a:p>
+        </p:txBody>
+      </p:sp>
+      <p:sp>
+        <p:nvSpPr>
+          <p:cNvPr id="59" name="PlaceHolder 2"/>
+          <p:cNvSpPr>
+            <a:spLocks noGrp="1"/>
+          </p:cNvSpPr>
+          <p:nvPr>
+            <p:ph/>
+          </p:nvPr>
+        </p:nvSpPr>
+        <p:spPr>
+          <a:xfrm>
+            <a:off x="360000" y="1080000"/>
+            <a:ext cx="9359640" cy="3599640"/>
+          </a:xfrm>
+          <a:prstGeom prst="rect">
+            <a:avLst/>
+          </a:prstGeom>
+          <a:noFill/>
+          <a:ln w="0">
+            <a:noFill/>
+          </a:ln>
+        </p:spPr>
+        <p:txBody>
+          <a:bodyPr lIns="0" rIns="0" tIns="0" bIns="0" anchor="t">
+            <a:noAutofit/>
+          </a:bodyPr>
+          <a:p>
+            <a:pPr marL="432000" indent="-324000">
+              <a:lnSpc>
+                <a:spcPct val="100000"/>
+              </a:lnSpc>
+              <a:spcBef>
+                <a:spcPts val="1060"/>
+              </a:spcBef>
+              <a:buClr>
+                <a:srgbClr val="77caee"/>
+              </a:buClr>
+              <a:buSzPct val="45000"/>
+              <a:buFont typeface="Wingdings" charset="2"/>
+              <a:buChar char=""/>
+            </a:pPr>
+            <a:r>
+              <a:rPr b="0" lang="en-US" sz="2400" strike="noStrike" u="none">
+                <a:solidFill>
+                  <a:srgbClr val="009bdd"/>
+                </a:solidFill>
+                <a:effectLst/>
+                <a:uFillTx/>
+                <a:latin typeface="Arial"/>
+              </a:rPr>
+              <a:t>Manage how objects interact and communicate</a:t>
+            </a:r>
+            <a:endParaRPr b="0" lang="hu-HU" sz="2400" strike="noStrike" u="none">
+              <a:solidFill>
+                <a:srgbClr val="000000"/>
+              </a:solidFill>
+              <a:effectLst/>
+              <a:uFillTx/>
+              <a:latin typeface="Arial"/>
+            </a:endParaRPr>
+          </a:p>
+          <a:p>
+            <a:pPr marL="432000" indent="-324000">
+              <a:lnSpc>
+                <a:spcPct val="100000"/>
+              </a:lnSpc>
+              <a:spcBef>
+                <a:spcPts val="1060"/>
+              </a:spcBef>
+              <a:buClr>
+                <a:srgbClr val="77caee"/>
+              </a:buClr>
+              <a:buSzPct val="45000"/>
+              <a:buFont typeface="Wingdings" charset="2"/>
+              <a:buChar char=""/>
+            </a:pPr>
+            <a:r>
+              <a:rPr b="0" lang="en-US" sz="2400" strike="noStrike" u="none">
+                <a:solidFill>
+                  <a:srgbClr val="009bdd"/>
+                </a:solidFill>
+                <a:effectLst/>
+                <a:uFillTx/>
+                <a:latin typeface="Arial"/>
+              </a:rPr>
+              <a:t>Help distribute responsibilities</a:t>
+            </a:r>
+            <a:endParaRPr b="0" lang="hu-HU" sz="2400" strike="noStrike" u="none">
+              <a:solidFill>
+                <a:srgbClr val="000000"/>
+              </a:solidFill>
+              <a:effectLst/>
+              <a:uFillTx/>
+              <a:latin typeface="Arial"/>
+            </a:endParaRPr>
+          </a:p>
+          <a:p>
+            <a:pPr marL="432000" indent="-324000">
+              <a:lnSpc>
+                <a:spcPct val="100000"/>
+              </a:lnSpc>
+              <a:spcBef>
+                <a:spcPts val="1060"/>
+              </a:spcBef>
+              <a:buClr>
+                <a:srgbClr val="77caee"/>
+              </a:buClr>
+              <a:buSzPct val="45000"/>
+              <a:buFont typeface="Wingdings" charset="2"/>
+              <a:buChar char=""/>
+            </a:pPr>
+            <a:r>
+              <a:rPr b="0" lang="en-US" sz="2400" strike="noStrike" u="none">
+                <a:solidFill>
+                  <a:srgbClr val="009bdd"/>
+                </a:solidFill>
+                <a:effectLst/>
+                <a:uFillTx/>
+                <a:latin typeface="Arial"/>
+              </a:rPr>
+              <a:t>Examples</a:t>
+            </a:r>
+            <a:endParaRPr b="0" lang="hu-HU" sz="2400" strike="noStrike" u="none">
+              <a:solidFill>
+                <a:srgbClr val="000000"/>
+              </a:solidFill>
+              <a:effectLst/>
+              <a:uFillTx/>
+              <a:latin typeface="Arial"/>
+            </a:endParaRPr>
+          </a:p>
+          <a:p>
+            <a:pPr lvl="1" marL="864000" indent="-324000">
+              <a:lnSpc>
+                <a:spcPct val="100000"/>
+              </a:lnSpc>
+              <a:spcBef>
+                <a:spcPts val="850"/>
+              </a:spcBef>
+              <a:buClr>
+                <a:srgbClr val="77caee"/>
+              </a:buClr>
+              <a:buSzPct val="45000"/>
+              <a:buFont typeface="Wingdings" charset="2"/>
+              <a:buChar char=""/>
+            </a:pPr>
+            <a:r>
+              <a:rPr b="0" lang="en-US" sz="2100" strike="noStrike" u="none">
+                <a:solidFill>
+                  <a:srgbClr val="009bdd"/>
+                </a:solidFill>
+                <a:effectLst/>
+                <a:uFillTx/>
+                <a:latin typeface="Arial"/>
+              </a:rPr>
+              <a:t>Observer</a:t>
+            </a:r>
+            <a:endParaRPr b="0" lang="hu-HU" sz="2100" strike="noStrike" u="none">
+              <a:solidFill>
+                <a:srgbClr val="000000"/>
+              </a:solidFill>
+              <a:effectLst/>
+              <a:uFillTx/>
+              <a:latin typeface="Arial"/>
+            </a:endParaRPr>
+          </a:p>
+          <a:p>
+            <a:pPr lvl="1" marL="864000" indent="-324000">
+              <a:lnSpc>
+                <a:spcPct val="100000"/>
+              </a:lnSpc>
+              <a:spcBef>
+                <a:spcPts val="850"/>
+              </a:spcBef>
+              <a:buClr>
+                <a:srgbClr val="77caee"/>
+              </a:buClr>
+              <a:buSzPct val="45000"/>
+              <a:buFont typeface="Wingdings" charset="2"/>
+              <a:buChar char=""/>
+            </a:pPr>
+            <a:r>
+              <a:rPr b="0" lang="en-US" sz="2100" strike="noStrike" u="none">
+                <a:solidFill>
+                  <a:srgbClr val="009bdd"/>
+                </a:solidFill>
+                <a:effectLst/>
+                <a:uFillTx/>
+                <a:latin typeface="Arial"/>
+              </a:rPr>
+              <a:t>Strategy</a:t>
+            </a:r>
+            <a:endParaRPr b="0" lang="hu-HU" sz="2100" strike="noStrike" u="none">
+              <a:solidFill>
+                <a:srgbClr val="000000"/>
+              </a:solidFill>
+              <a:effectLst/>
+              <a:uFillTx/>
+              <a:latin typeface="Arial"/>
+            </a:endParaRPr>
+          </a:p>
+          <a:p>
+            <a:pPr lvl="1" marL="864000" indent="-324000">
+              <a:lnSpc>
+                <a:spcPct val="100000"/>
+              </a:lnSpc>
+              <a:spcBef>
+                <a:spcPts val="850"/>
+              </a:spcBef>
+              <a:buClr>
+                <a:srgbClr val="77caee"/>
+              </a:buClr>
+              <a:buSzPct val="45000"/>
+              <a:buFont typeface="Wingdings" charset="2"/>
+              <a:buChar char=""/>
+            </a:pPr>
+            <a:r>
+              <a:rPr b="0" lang="en-US" sz="2100" strike="noStrike" u="none">
+                <a:solidFill>
+                  <a:srgbClr val="009bdd"/>
+                </a:solidFill>
+                <a:effectLst/>
+                <a:uFillTx/>
+                <a:latin typeface="Arial"/>
+              </a:rPr>
+              <a:t>Command</a:t>
+            </a:r>
+            <a:endParaRPr b="0" lang="hu-HU" sz="2100" strike="noStrike" u="none">
+              <a:solidFill>
+                <a:srgbClr val="000000"/>
+              </a:solidFill>
+              <a:effectLst/>
+              <a:uFillTx/>
+              <a:latin typeface="Arial"/>
+            </a:endParaRPr>
+          </a:p>
+          <a:p>
+            <a:pPr lvl="1" marL="864000" indent="-324000">
+              <a:lnSpc>
+                <a:spcPct val="100000"/>
+              </a:lnSpc>
+              <a:spcBef>
+                <a:spcPts val="850"/>
+              </a:spcBef>
+              <a:buClr>
+                <a:srgbClr val="77caee"/>
+              </a:buClr>
+              <a:buSzPct val="45000"/>
+              <a:buFont typeface="Wingdings" charset="2"/>
+              <a:buChar char=""/>
+            </a:pPr>
+            <a:r>
+              <a:rPr b="0" lang="en-US" sz="2100" strike="noStrike" u="none">
+                <a:solidFill>
+                  <a:srgbClr val="009bdd"/>
+                </a:solidFill>
+                <a:effectLst/>
+                <a:uFillTx/>
+                <a:latin typeface="Arial"/>
+              </a:rPr>
+              <a:t>State</a:t>
+            </a:r>
+            <a:endParaRPr b="0" lang="hu-HU" sz="2100" strike="noStrike" u="none">
+              <a:solidFill>
+                <a:srgbClr val="000000"/>
+              </a:solidFill>
+              <a:effectLst/>
+              <a:uFillTx/>
+              <a:latin typeface="Arial"/>
+            </a:endParaRPr>
+          </a:p>
+          <a:p>
+            <a:pPr lvl="1" marL="864000" indent="-324000">
+              <a:lnSpc>
+                <a:spcPct val="100000"/>
+              </a:lnSpc>
+              <a:spcBef>
+                <a:spcPts val="850"/>
+              </a:spcBef>
+              <a:buClr>
+                <a:srgbClr val="77caee"/>
+              </a:buClr>
+              <a:buSzPct val="45000"/>
+              <a:buFont typeface="Wingdings" charset="2"/>
+              <a:buChar char=""/>
+            </a:pPr>
+            <a:r>
+              <a:rPr b="0" lang="en-US" sz="2100" strike="noStrike" u="none">
+                <a:solidFill>
+                  <a:srgbClr val="009bdd"/>
+                </a:solidFill>
+                <a:effectLst/>
+                <a:uFillTx/>
+                <a:latin typeface="Arial"/>
+              </a:rPr>
+              <a:t>Iterator</a:t>
+            </a:r>
+            <a:endParaRPr b="0" lang="hu-HU" sz="2100" strike="noStrike" u="none">
+              <a:solidFill>
+                <a:srgbClr val="000000"/>
+              </a:solidFill>
+              <a:effectLst/>
+              <a:uFillTx/>
+              <a:latin typeface="Arial"/>
+            </a:endParaRPr>
+          </a:p>
+        </p:txBody>
+      </p:sp>
+      <p:sp>
+        <p:nvSpPr>
+          <p:cNvPr id="4" name="PlaceHolder 3"/>
+          <p:cNvSpPr>
+            <a:spLocks noGrp="1"/>
+          </p:cNvSpPr>
+          <p:nvPr>
+            <p:ph type="sldNum" idx="3"/>
+          </p:nvPr>
+        </p:nvSpPr>
+        <p:spPr/>
+        <p:txBody>
+          <a:bodyPr/>
+          <a:p>
+            <a:fld id="{35E3FECE-3942-4E54-9ED9-85A0F8858BD7}" type="slidenum">
+              <a:t>20</a:t>
+            </a:fld>
+          </a:p>
+        </p:txBody>
+      </p:sp>
+    </p:spTree>
+  </p:cSld>
+  <mc:AlternateContent>
+    <mc:Choice Requires="p14">
+      <p:transition spd="slow" p14:dur="2000"/>
+    </mc:Choice>
+    <mc:Fallback>
+      <p:transition spd="slow"/>
+    </mc:Fallback>
+  </mc:AlternateContent>
+</p:sld>
+</file>
+
+<file path=ppt/slides/slide21.xml><?xml version="1.0" encoding="utf-8"?>
+<p:sld xmlns:a="http://schemas.openxmlformats.org/drawingml/2006/main" xmlns:p="http://schemas.openxmlformats.org/presentationml/2006/main" xmlns:r="http://schemas.openxmlformats.org/officeDocument/2006/relationships" xmlns:p14="http://schemas.microsoft.com/office/powerpoint/2010/main" xmlns:p15="http://schemas.microsoft.com/office/powerpoint/2012/main" xmlns:mc="http://schemas.openxmlformats.org/markup-compatibility/2006">
+  <p:cSld>
+    <p:spTree>
+      <p:nvGrpSpPr>
+        <p:cNvPr id="1" name=""/>
+        <p:cNvGrpSpPr/>
+        <p:nvPr/>
+      </p:nvGrpSpPr>
+      <p:grpSpPr>
+        <a:xfrm>
+          <a:off x="0" y="0"/>
+          <a:ext cx="0" cy="0"/>
+          <a:chOff x="0" y="0"/>
+          <a:chExt cx="0" cy="0"/>
+        </a:xfrm>
+      </p:grpSpPr>
+      <p:sp>
+        <p:nvSpPr>
+          <p:cNvPr id="60" name="PlaceHolder 1"/>
+          <p:cNvSpPr>
+            <a:spLocks noGrp="1"/>
+          </p:cNvSpPr>
+          <p:nvPr>
+            <p:ph type="title"/>
+          </p:nvPr>
+        </p:nvSpPr>
+        <p:spPr>
+          <a:xfrm>
+            <a:off x="360000" y="179640"/>
+            <a:ext cx="9359640" cy="478440"/>
+          </a:xfrm>
+          <a:prstGeom prst="rect">
+            <a:avLst/>
+          </a:prstGeom>
+          <a:noFill/>
+          <a:ln w="0">
+            <a:noFill/>
+          </a:ln>
+        </p:spPr>
+        <p:txBody>
+          <a:bodyPr lIns="0" rIns="0" tIns="0" bIns="0" anchor="ctr">
+            <a:spAutoFit/>
+          </a:bodyPr>
+          <a:p>
+            <a:pPr indent="0" algn="ctr">
+              <a:lnSpc>
+                <a:spcPct val="100000"/>
+              </a:lnSpc>
+              <a:buNone/>
+              <a:tabLst>
+                <a:tab algn="l" pos="0"/>
+              </a:tabLst>
+            </a:pPr>
+            <a:r>
+              <a:rPr b="0" lang="en-US" sz="3300" strike="noStrike" u="none">
+                <a:solidFill>
+                  <a:srgbClr val="eeeeee"/>
+                </a:solidFill>
+                <a:effectLst/>
+                <a:uFillTx/>
+                <a:latin typeface="Arial"/>
+              </a:rPr>
+              <a:t>Observer pattern</a:t>
+            </a:r>
+            <a:endParaRPr b="0" lang="hu-HU" sz="3300" strike="noStrike" u="none">
+              <a:solidFill>
+                <a:srgbClr val="000000"/>
+              </a:solidFill>
+              <a:effectLst/>
+              <a:uFillTx/>
+              <a:latin typeface="Arial"/>
+            </a:endParaRPr>
+          </a:p>
+        </p:txBody>
+      </p:sp>
+      <p:sp>
+        <p:nvSpPr>
+          <p:cNvPr id="61" name="PlaceHolder 2"/>
+          <p:cNvSpPr>
+            <a:spLocks noGrp="1"/>
+          </p:cNvSpPr>
+          <p:nvPr>
+            <p:ph/>
+          </p:nvPr>
+        </p:nvSpPr>
+        <p:spPr>
+          <a:xfrm>
+            <a:off x="360000" y="1080000"/>
+            <a:ext cx="9359640" cy="3599640"/>
+          </a:xfrm>
+          <a:prstGeom prst="rect">
+            <a:avLst/>
+          </a:prstGeom>
+          <a:noFill/>
+          <a:ln w="0">
+            <a:noFill/>
+          </a:ln>
+        </p:spPr>
+        <p:txBody>
+          <a:bodyPr lIns="0" rIns="0" tIns="0" bIns="0" anchor="t">
+            <a:noAutofit/>
+          </a:bodyPr>
+          <a:p>
+            <a:pPr marL="432000" indent="-324000">
+              <a:lnSpc>
+                <a:spcPct val="100000"/>
+              </a:lnSpc>
+              <a:spcBef>
+                <a:spcPts val="1060"/>
+              </a:spcBef>
+              <a:buClr>
+                <a:srgbClr val="77caee"/>
+              </a:buClr>
+              <a:buSzPct val="45000"/>
+              <a:buFont typeface="Wingdings" charset="2"/>
+              <a:buChar char=""/>
+            </a:pPr>
+            <a:r>
+              <a:rPr b="0" lang="en-US" sz="2400" strike="noStrike" u="none">
+                <a:solidFill>
+                  <a:srgbClr val="009bdd"/>
+                </a:solidFill>
+                <a:effectLst/>
+                <a:uFillTx/>
+                <a:latin typeface="Arial"/>
+              </a:rPr>
+              <a:t>Defines one-to-many dependency</a:t>
+            </a:r>
+            <a:endParaRPr b="0" lang="hu-HU" sz="2400" strike="noStrike" u="none">
+              <a:solidFill>
+                <a:srgbClr val="000000"/>
+              </a:solidFill>
+              <a:effectLst/>
+              <a:uFillTx/>
+              <a:latin typeface="Arial"/>
+            </a:endParaRPr>
+          </a:p>
+          <a:p>
+            <a:pPr marL="432000" indent="-324000">
+              <a:lnSpc>
+                <a:spcPct val="100000"/>
+              </a:lnSpc>
+              <a:spcBef>
+                <a:spcPts val="1060"/>
+              </a:spcBef>
+              <a:buClr>
+                <a:srgbClr val="77caee"/>
+              </a:buClr>
+              <a:buSzPct val="45000"/>
+              <a:buFont typeface="Wingdings" charset="2"/>
+              <a:buChar char=""/>
+            </a:pPr>
+            <a:r>
+              <a:rPr b="0" lang="en-US" sz="2400" strike="noStrike" u="none">
+                <a:solidFill>
+                  <a:srgbClr val="009bdd"/>
+                </a:solidFill>
+                <a:effectLst/>
+                <a:uFillTx/>
+                <a:latin typeface="Arial"/>
+              </a:rPr>
+              <a:t>When one object changes state, all observers are notified</a:t>
+            </a:r>
+            <a:endParaRPr b="0" lang="hu-HU" sz="2400" strike="noStrike" u="none">
+              <a:solidFill>
+                <a:srgbClr val="000000"/>
+              </a:solidFill>
+              <a:effectLst/>
+              <a:uFillTx/>
+              <a:latin typeface="Arial"/>
+            </a:endParaRPr>
+          </a:p>
+          <a:p>
+            <a:pPr marL="432000" indent="-324000">
+              <a:lnSpc>
+                <a:spcPct val="100000"/>
+              </a:lnSpc>
+              <a:spcBef>
+                <a:spcPts val="1060"/>
+              </a:spcBef>
+              <a:buClr>
+                <a:srgbClr val="77caee"/>
+              </a:buClr>
+              <a:buSzPct val="45000"/>
+              <a:buFont typeface="Wingdings" charset="2"/>
+              <a:buChar char=""/>
+            </a:pPr>
+            <a:r>
+              <a:rPr b="0" lang="en-US" sz="2400" strike="noStrike" u="none">
+                <a:solidFill>
+                  <a:srgbClr val="009bdd"/>
+                </a:solidFill>
+                <a:effectLst/>
+                <a:uFillTx/>
+                <a:latin typeface="Arial"/>
+              </a:rPr>
+              <a:t>Common in event systems and GUIs</a:t>
+            </a:r>
+            <a:endParaRPr b="0" lang="hu-HU" sz="2400" strike="noStrike" u="none">
+              <a:solidFill>
+                <a:srgbClr val="000000"/>
+              </a:solidFill>
+              <a:effectLst/>
+              <a:uFillTx/>
+              <a:latin typeface="Arial"/>
+            </a:endParaRPr>
+          </a:p>
+        </p:txBody>
+      </p:sp>
+      <p:sp>
+        <p:nvSpPr>
+          <p:cNvPr id="4" name="PlaceHolder 3"/>
+          <p:cNvSpPr>
+            <a:spLocks noGrp="1"/>
+          </p:cNvSpPr>
+          <p:nvPr>
+            <p:ph type="sldNum" idx="3"/>
+          </p:nvPr>
+        </p:nvSpPr>
+        <p:spPr/>
+        <p:txBody>
+          <a:bodyPr/>
+          <a:p>
+            <a:fld id="{86FEC397-D462-4C14-9393-6E41F9535162}" type="slidenum">
+              <a:t>21</a:t>
+            </a:fld>
+          </a:p>
+        </p:txBody>
+      </p:sp>
+    </p:spTree>
+  </p:cSld>
+  <mc:AlternateContent>
+    <mc:Choice Requires="p14">
+      <p:transition spd="slow" p14:dur="2000"/>
+    </mc:Choice>
+    <mc:Fallback>
+      <p:transition spd="slow"/>
+    </mc:Fallback>
+  </mc:AlternateContent>
+</p:sld>
+</file>
+
+<file path=ppt/slides/slide22.xml><?xml version="1.0" encoding="utf-8"?>
+<p:sld xmlns:a="http://schemas.openxmlformats.org/drawingml/2006/main" xmlns:p="http://schemas.openxmlformats.org/presentationml/2006/main" xmlns:r="http://schemas.openxmlformats.org/officeDocument/2006/relationships" xmlns:p14="http://schemas.microsoft.com/office/powerpoint/2010/main" xmlns:p15="http://schemas.microsoft.com/office/powerpoint/2012/main" xmlns:mc="http://schemas.openxmlformats.org/markup-compatibility/2006">
+  <p:cSld>
+    <p:spTree>
+      <p:nvGrpSpPr>
+        <p:cNvPr id="1" name=""/>
+        <p:cNvGrpSpPr/>
+        <p:nvPr/>
+      </p:nvGrpSpPr>
+      <p:grpSpPr>
+        <a:xfrm>
+          <a:off x="0" y="0"/>
+          <a:ext cx="0" cy="0"/>
+          <a:chOff x="0" y="0"/>
+          <a:chExt cx="0" cy="0"/>
+        </a:xfrm>
+      </p:grpSpPr>
+      <p:sp>
+        <p:nvSpPr>
+          <p:cNvPr id="62" name="PlaceHolder 1"/>
+          <p:cNvSpPr>
+            <a:spLocks noGrp="1"/>
+          </p:cNvSpPr>
+          <p:nvPr>
+            <p:ph type="title"/>
+          </p:nvPr>
+        </p:nvSpPr>
+        <p:spPr>
+          <a:xfrm>
+            <a:off x="360000" y="179640"/>
+            <a:ext cx="9359640" cy="478440"/>
+          </a:xfrm>
+          <a:prstGeom prst="rect">
+            <a:avLst/>
+          </a:prstGeom>
+          <a:noFill/>
+          <a:ln w="0">
+            <a:noFill/>
+          </a:ln>
+        </p:spPr>
+        <p:txBody>
+          <a:bodyPr lIns="0" rIns="0" tIns="0" bIns="0" anchor="ctr">
+            <a:spAutoFit/>
+          </a:bodyPr>
+          <a:p>
+            <a:pPr indent="0" algn="ctr">
+              <a:lnSpc>
+                <a:spcPct val="100000"/>
+              </a:lnSpc>
+              <a:buNone/>
+              <a:tabLst>
+                <a:tab algn="l" pos="0"/>
+              </a:tabLst>
+            </a:pPr>
+            <a:r>
+              <a:rPr b="0" lang="en-US" sz="3300" strike="noStrike" u="none">
+                <a:solidFill>
+                  <a:srgbClr val="eeeeee"/>
+                </a:solidFill>
+                <a:effectLst/>
+                <a:uFillTx/>
+                <a:latin typeface="Arial"/>
+              </a:rPr>
+              <a:t>Strategy Pattern</a:t>
+            </a:r>
+            <a:endParaRPr b="0" lang="hu-HU" sz="3300" strike="noStrike" u="none">
+              <a:solidFill>
+                <a:srgbClr val="000000"/>
+              </a:solidFill>
+              <a:effectLst/>
+              <a:uFillTx/>
+              <a:latin typeface="Arial"/>
+            </a:endParaRPr>
+          </a:p>
+        </p:txBody>
+      </p:sp>
+      <p:sp>
+        <p:nvSpPr>
+          <p:cNvPr id="63" name="PlaceHolder 2"/>
+          <p:cNvSpPr>
+            <a:spLocks noGrp="1"/>
+          </p:cNvSpPr>
+          <p:nvPr>
+            <p:ph/>
+          </p:nvPr>
+        </p:nvSpPr>
+        <p:spPr>
+          <a:xfrm>
+            <a:off x="360000" y="1080000"/>
+            <a:ext cx="9359640" cy="3599640"/>
+          </a:xfrm>
+          <a:prstGeom prst="rect">
+            <a:avLst/>
+          </a:prstGeom>
+          <a:noFill/>
+          <a:ln w="0">
+            <a:noFill/>
+          </a:ln>
+        </p:spPr>
+        <p:txBody>
+          <a:bodyPr lIns="0" rIns="0" tIns="0" bIns="0" anchor="t">
+            <a:noAutofit/>
+          </a:bodyPr>
+          <a:p>
+            <a:pPr marL="432000" indent="-324000">
+              <a:lnSpc>
+                <a:spcPct val="100000"/>
+              </a:lnSpc>
+              <a:spcBef>
+                <a:spcPts val="1060"/>
+              </a:spcBef>
+              <a:buClr>
+                <a:srgbClr val="77caee"/>
+              </a:buClr>
+              <a:buSzPct val="45000"/>
+              <a:buFont typeface="Wingdings" charset="2"/>
+              <a:buChar char=""/>
+            </a:pPr>
+            <a:r>
+              <a:rPr b="0" lang="en-US" sz="2400" strike="noStrike" u="none">
+                <a:solidFill>
+                  <a:srgbClr val="009bdd"/>
+                </a:solidFill>
+                <a:effectLst/>
+                <a:uFillTx/>
+                <a:latin typeface="Arial"/>
+              </a:rPr>
+              <a:t>Defines a family of interchangeable algorithms</a:t>
+            </a:r>
+            <a:endParaRPr b="0" lang="hu-HU" sz="2400" strike="noStrike" u="none">
+              <a:solidFill>
+                <a:srgbClr val="000000"/>
+              </a:solidFill>
+              <a:effectLst/>
+              <a:uFillTx/>
+              <a:latin typeface="Arial"/>
+            </a:endParaRPr>
+          </a:p>
+          <a:p>
+            <a:pPr marL="432000" indent="-324000">
+              <a:lnSpc>
+                <a:spcPct val="100000"/>
+              </a:lnSpc>
+              <a:spcBef>
+                <a:spcPts val="1060"/>
+              </a:spcBef>
+              <a:buClr>
+                <a:srgbClr val="77caee"/>
+              </a:buClr>
+              <a:buSzPct val="45000"/>
+              <a:buFont typeface="Wingdings" charset="2"/>
+              <a:buChar char=""/>
+            </a:pPr>
+            <a:r>
+              <a:rPr b="0" lang="en-US" sz="2400" strike="noStrike" u="none">
+                <a:solidFill>
+                  <a:srgbClr val="009bdd"/>
+                </a:solidFill>
+                <a:effectLst/>
+                <a:uFillTx/>
+                <a:latin typeface="Arial"/>
+              </a:rPr>
+              <a:t>Client can change behavior at runtime</a:t>
+            </a:r>
+            <a:endParaRPr b="0" lang="hu-HU" sz="2400" strike="noStrike" u="none">
+              <a:solidFill>
+                <a:srgbClr val="000000"/>
+              </a:solidFill>
+              <a:effectLst/>
+              <a:uFillTx/>
+              <a:latin typeface="Arial"/>
+            </a:endParaRPr>
+          </a:p>
+          <a:p>
+            <a:pPr marL="432000" indent="-324000">
+              <a:lnSpc>
+                <a:spcPct val="100000"/>
+              </a:lnSpc>
+              <a:spcBef>
+                <a:spcPts val="1060"/>
+              </a:spcBef>
+              <a:buClr>
+                <a:srgbClr val="77caee"/>
+              </a:buClr>
+              <a:buSzPct val="45000"/>
+              <a:buFont typeface="Wingdings" charset="2"/>
+              <a:buChar char=""/>
+            </a:pPr>
+            <a:r>
+              <a:rPr b="0" lang="en-US" sz="2400" strike="noStrike" u="none">
+                <a:solidFill>
+                  <a:srgbClr val="009bdd"/>
+                </a:solidFill>
+                <a:effectLst/>
+                <a:uFillTx/>
+                <a:latin typeface="Arial"/>
+              </a:rPr>
+              <a:t>Examples: sorting, routing</a:t>
+            </a:r>
+            <a:endParaRPr b="0" lang="hu-HU" sz="2400" strike="noStrike" u="none">
+              <a:solidFill>
+                <a:srgbClr val="000000"/>
+              </a:solidFill>
+              <a:effectLst/>
+              <a:uFillTx/>
+              <a:latin typeface="Arial"/>
+            </a:endParaRPr>
+          </a:p>
+        </p:txBody>
+      </p:sp>
+      <p:sp>
+        <p:nvSpPr>
+          <p:cNvPr id="4" name="PlaceHolder 3"/>
+          <p:cNvSpPr>
+            <a:spLocks noGrp="1"/>
+          </p:cNvSpPr>
+          <p:nvPr>
+            <p:ph type="sldNum" idx="3"/>
+          </p:nvPr>
+        </p:nvSpPr>
+        <p:spPr/>
+        <p:txBody>
+          <a:bodyPr/>
+          <a:p>
+            <a:fld id="{25678FC4-5AED-473E-8795-1BF9221B24F2}" type="slidenum">
+              <a:t>22</a:t>
+            </a:fld>
+          </a:p>
+        </p:txBody>
+      </p:sp>
+    </p:spTree>
+  </p:cSld>
+  <mc:AlternateContent>
+    <mc:Choice Requires="p14">
+      <p:transition spd="slow" p14:dur="2000"/>
+    </mc:Choice>
+    <mc:Fallback>
+      <p:transition spd="slow"/>
+    </mc:Fallback>
+  </mc:AlternateContent>
+</p:sld>
+</file>
+
+<file path=ppt/slides/slide23.xml><?xml version="1.0" encoding="utf-8"?>
+<p:sld xmlns:a="http://schemas.openxmlformats.org/drawingml/2006/main" xmlns:p="http://schemas.openxmlformats.org/presentationml/2006/main" xmlns:r="http://schemas.openxmlformats.org/officeDocument/2006/relationships" xmlns:p14="http://schemas.microsoft.com/office/powerpoint/2010/main" xmlns:p15="http://schemas.microsoft.com/office/powerpoint/2012/main" xmlns:mc="http://schemas.openxmlformats.org/markup-compatibility/2006">
+  <p:cSld>
+    <p:spTree>
+      <p:nvGrpSpPr>
+        <p:cNvPr id="1" name=""/>
+        <p:cNvGrpSpPr/>
+        <p:nvPr/>
+      </p:nvGrpSpPr>
+      <p:grpSpPr>
+        <a:xfrm>
+          <a:off x="0" y="0"/>
+          <a:ext cx="0" cy="0"/>
+          <a:chOff x="0" y="0"/>
+          <a:chExt cx="0" cy="0"/>
+        </a:xfrm>
+      </p:grpSpPr>
+      <p:sp>
+        <p:nvSpPr>
+          <p:cNvPr id="64" name="PlaceHolder 1"/>
+          <p:cNvSpPr>
+            <a:spLocks noGrp="1"/>
+          </p:cNvSpPr>
+          <p:nvPr>
+            <p:ph type="title"/>
+          </p:nvPr>
+        </p:nvSpPr>
+        <p:spPr>
+          <a:xfrm>
+            <a:off x="360000" y="179640"/>
+            <a:ext cx="9359640" cy="478440"/>
+          </a:xfrm>
+          <a:prstGeom prst="rect">
+            <a:avLst/>
+          </a:prstGeom>
+          <a:noFill/>
+          <a:ln w="0">
+            <a:noFill/>
+          </a:ln>
+        </p:spPr>
+        <p:txBody>
+          <a:bodyPr lIns="0" rIns="0" tIns="0" bIns="0" anchor="ctr">
+            <a:spAutoFit/>
+          </a:bodyPr>
+          <a:p>
+            <a:pPr indent="0" algn="ctr">
+              <a:lnSpc>
+                <a:spcPct val="100000"/>
+              </a:lnSpc>
+              <a:buNone/>
+              <a:tabLst>
+                <a:tab algn="l" pos="0"/>
+              </a:tabLst>
+            </a:pPr>
+            <a:r>
+              <a:rPr b="0" lang="en-US" sz="3300" strike="noStrike" u="none">
+                <a:solidFill>
+                  <a:srgbClr val="eeeeee"/>
+                </a:solidFill>
+                <a:effectLst/>
+                <a:uFillTx/>
+                <a:latin typeface="Arial"/>
+              </a:rPr>
+              <a:t>Command Pattern</a:t>
+            </a:r>
+            <a:endParaRPr b="0" lang="hu-HU" sz="3300" strike="noStrike" u="none">
+              <a:solidFill>
+                <a:srgbClr val="000000"/>
+              </a:solidFill>
+              <a:effectLst/>
+              <a:uFillTx/>
+              <a:latin typeface="Arial"/>
+            </a:endParaRPr>
+          </a:p>
+        </p:txBody>
+      </p:sp>
+      <p:sp>
+        <p:nvSpPr>
+          <p:cNvPr id="65" name="PlaceHolder 2"/>
+          <p:cNvSpPr>
+            <a:spLocks noGrp="1"/>
+          </p:cNvSpPr>
+          <p:nvPr>
+            <p:ph/>
+          </p:nvPr>
+        </p:nvSpPr>
+        <p:spPr>
+          <a:xfrm>
+            <a:off x="360000" y="1080000"/>
+            <a:ext cx="9359640" cy="3599640"/>
+          </a:xfrm>
+          <a:prstGeom prst="rect">
+            <a:avLst/>
+          </a:prstGeom>
+          <a:noFill/>
+          <a:ln w="0">
+            <a:noFill/>
+          </a:ln>
+        </p:spPr>
+        <p:txBody>
+          <a:bodyPr lIns="0" rIns="0" tIns="0" bIns="0" anchor="t">
+            <a:noAutofit/>
+          </a:bodyPr>
+          <a:p>
+            <a:pPr marL="432000" indent="-324000">
+              <a:lnSpc>
+                <a:spcPct val="100000"/>
+              </a:lnSpc>
+              <a:spcBef>
+                <a:spcPts val="1060"/>
+              </a:spcBef>
+              <a:buClr>
+                <a:srgbClr val="77caee"/>
+              </a:buClr>
+              <a:buSzPct val="45000"/>
+              <a:buFont typeface="Wingdings" charset="2"/>
+              <a:buChar char=""/>
+            </a:pPr>
+            <a:r>
+              <a:rPr b="0" lang="en-US" sz="2400" strike="noStrike" u="none">
+                <a:solidFill>
+                  <a:srgbClr val="009bdd"/>
+                </a:solidFill>
+                <a:effectLst/>
+                <a:uFillTx/>
+                <a:latin typeface="Arial"/>
+              </a:rPr>
+              <a:t>Encapsulates an action as an object</a:t>
+            </a:r>
+            <a:endParaRPr b="0" lang="hu-HU" sz="2400" strike="noStrike" u="none">
+              <a:solidFill>
+                <a:srgbClr val="000000"/>
+              </a:solidFill>
+              <a:effectLst/>
+              <a:uFillTx/>
+              <a:latin typeface="Arial"/>
+            </a:endParaRPr>
+          </a:p>
+          <a:p>
+            <a:pPr marL="432000" indent="-324000">
+              <a:lnSpc>
+                <a:spcPct val="100000"/>
+              </a:lnSpc>
+              <a:spcBef>
+                <a:spcPts val="1060"/>
+              </a:spcBef>
+              <a:buClr>
+                <a:srgbClr val="77caee"/>
+              </a:buClr>
+              <a:buSzPct val="45000"/>
+              <a:buFont typeface="Wingdings" charset="2"/>
+              <a:buChar char=""/>
+            </a:pPr>
+            <a:r>
+              <a:rPr b="0" lang="en-US" sz="2400" strike="noStrike" u="none">
+                <a:solidFill>
+                  <a:srgbClr val="009bdd"/>
+                </a:solidFill>
+                <a:effectLst/>
+                <a:uFillTx/>
+                <a:latin typeface="Arial"/>
+              </a:rPr>
+              <a:t>Enables undo / redo, logging, queuing actions</a:t>
+            </a:r>
+            <a:endParaRPr b="0" lang="hu-HU" sz="2400" strike="noStrike" u="none">
+              <a:solidFill>
+                <a:srgbClr val="000000"/>
+              </a:solidFill>
+              <a:effectLst/>
+              <a:uFillTx/>
+              <a:latin typeface="Arial"/>
+            </a:endParaRPr>
+          </a:p>
+          <a:p>
+            <a:pPr marL="432000" indent="-324000">
+              <a:lnSpc>
+                <a:spcPct val="100000"/>
+              </a:lnSpc>
+              <a:spcBef>
+                <a:spcPts val="1060"/>
+              </a:spcBef>
+              <a:buClr>
+                <a:srgbClr val="77caee"/>
+              </a:buClr>
+              <a:buSzPct val="45000"/>
+              <a:buFont typeface="Wingdings" charset="2"/>
+              <a:buChar char=""/>
+            </a:pPr>
+            <a:r>
+              <a:rPr b="0" lang="en-US" sz="2400" strike="noStrike" u="none">
+                <a:solidFill>
+                  <a:srgbClr val="009bdd"/>
+                </a:solidFill>
+                <a:effectLst/>
+                <a:uFillTx/>
+                <a:latin typeface="Arial"/>
+              </a:rPr>
+              <a:t>Frequently used in editors, UI frameworks, automation</a:t>
+            </a:r>
+            <a:endParaRPr b="0" lang="hu-HU" sz="2400" strike="noStrike" u="none">
+              <a:solidFill>
+                <a:srgbClr val="000000"/>
+              </a:solidFill>
+              <a:effectLst/>
+              <a:uFillTx/>
+              <a:latin typeface="Arial"/>
+            </a:endParaRPr>
+          </a:p>
+        </p:txBody>
+      </p:sp>
+      <p:sp>
+        <p:nvSpPr>
+          <p:cNvPr id="4" name="PlaceHolder 3"/>
+          <p:cNvSpPr>
+            <a:spLocks noGrp="1"/>
+          </p:cNvSpPr>
+          <p:nvPr>
+            <p:ph type="sldNum" idx="3"/>
+          </p:nvPr>
+        </p:nvSpPr>
+        <p:spPr/>
+        <p:txBody>
+          <a:bodyPr/>
+          <a:p>
+            <a:fld id="{81BCC588-F57D-4738-8853-FFACB81F9FA2}" type="slidenum">
+              <a:t>23</a:t>
+            </a:fld>
+          </a:p>
+        </p:txBody>
+      </p:sp>
+    </p:spTree>
+  </p:cSld>
+  <mc:AlternateContent>
+    <mc:Choice Requires="p14">
+      <p:transition spd="slow" p14:dur="2000"/>
+    </mc:Choice>
+    <mc:Fallback>
+      <p:transition spd="slow"/>
+    </mc:Fallback>
+  </mc:AlternateContent>
+</p:sld>
+</file>
+
+<file path=ppt/slides/slide24.xml><?xml version="1.0" encoding="utf-8"?>
+<p:sld xmlns:a="http://schemas.openxmlformats.org/drawingml/2006/main" xmlns:p="http://schemas.openxmlformats.org/presentationml/2006/main" xmlns:r="http://schemas.openxmlformats.org/officeDocument/2006/relationships" xmlns:p14="http://schemas.microsoft.com/office/powerpoint/2010/main" xmlns:p15="http://schemas.microsoft.com/office/powerpoint/2012/main" xmlns:mc="http://schemas.openxmlformats.org/markup-compatibility/2006">
+  <p:cSld>
+    <p:spTree>
+      <p:nvGrpSpPr>
+        <p:cNvPr id="1" name=""/>
+        <p:cNvGrpSpPr/>
+        <p:nvPr/>
+      </p:nvGrpSpPr>
+      <p:grpSpPr>
+        <a:xfrm>
+          <a:off x="0" y="0"/>
+          <a:ext cx="0" cy="0"/>
+          <a:chOff x="0" y="0"/>
+          <a:chExt cx="0" cy="0"/>
+        </a:xfrm>
+      </p:grpSpPr>
+      <p:sp>
+        <p:nvSpPr>
+          <p:cNvPr id="66" name="PlaceHolder 1"/>
+          <p:cNvSpPr>
+            <a:spLocks noGrp="1"/>
+          </p:cNvSpPr>
+          <p:nvPr>
+            <p:ph type="title"/>
+          </p:nvPr>
+        </p:nvSpPr>
+        <p:spPr>
+          <a:xfrm>
+            <a:off x="360000" y="179640"/>
+            <a:ext cx="9359640" cy="478440"/>
+          </a:xfrm>
+          <a:prstGeom prst="rect">
+            <a:avLst/>
+          </a:prstGeom>
+          <a:noFill/>
+          <a:ln w="0">
+            <a:noFill/>
+          </a:ln>
+        </p:spPr>
+        <p:txBody>
+          <a:bodyPr lIns="0" rIns="0" tIns="0" bIns="0" anchor="ctr">
+            <a:spAutoFit/>
+          </a:bodyPr>
+          <a:p>
+            <a:pPr indent="0" algn="ctr">
+              <a:lnSpc>
+                <a:spcPct val="100000"/>
+              </a:lnSpc>
+              <a:buNone/>
+              <a:tabLst>
+                <a:tab algn="l" pos="0"/>
+              </a:tabLst>
+            </a:pPr>
+            <a:r>
+              <a:rPr b="0" lang="en-US" sz="3300" strike="noStrike" u="none">
+                <a:solidFill>
+                  <a:srgbClr val="eeeeee"/>
+                </a:solidFill>
+                <a:effectLst/>
+                <a:uFillTx/>
+                <a:latin typeface="Arial"/>
+              </a:rPr>
+              <a:t>Summary</a:t>
+            </a:r>
+            <a:endParaRPr b="0" lang="hu-HU" sz="3300" strike="noStrike" u="none">
+              <a:solidFill>
+                <a:srgbClr val="000000"/>
+              </a:solidFill>
+              <a:effectLst/>
+              <a:uFillTx/>
+              <a:latin typeface="Arial"/>
+            </a:endParaRPr>
+          </a:p>
+        </p:txBody>
+      </p:sp>
+      <p:sp>
+        <p:nvSpPr>
+          <p:cNvPr id="67" name="PlaceHolder 2"/>
+          <p:cNvSpPr>
+            <a:spLocks noGrp="1"/>
+          </p:cNvSpPr>
+          <p:nvPr>
+            <p:ph/>
+          </p:nvPr>
+        </p:nvSpPr>
+        <p:spPr>
+          <a:xfrm>
+            <a:off x="360000" y="1080000"/>
+            <a:ext cx="9359640" cy="3599640"/>
+          </a:xfrm>
+          <a:prstGeom prst="rect">
+            <a:avLst/>
+          </a:prstGeom>
+          <a:noFill/>
+          <a:ln w="0">
+            <a:noFill/>
+          </a:ln>
+        </p:spPr>
+        <p:txBody>
+          <a:bodyPr lIns="0" rIns="0" tIns="0" bIns="0" anchor="t">
+            <a:noAutofit/>
+          </a:bodyPr>
+          <a:p>
+            <a:pPr marL="432000" indent="-324000">
+              <a:lnSpc>
+                <a:spcPct val="100000"/>
+              </a:lnSpc>
+              <a:spcBef>
+                <a:spcPts val="1060"/>
+              </a:spcBef>
+              <a:buClr>
+                <a:srgbClr val="77caee"/>
+              </a:buClr>
+              <a:buSzPct val="45000"/>
+              <a:buFont typeface="Wingdings" charset="2"/>
+              <a:buChar char=""/>
+            </a:pPr>
+            <a:r>
+              <a:rPr b="0" lang="en-US" sz="2400" strike="noStrike" u="none">
+                <a:solidFill>
+                  <a:srgbClr val="009bdd"/>
+                </a:solidFill>
+                <a:effectLst/>
+                <a:uFillTx/>
+                <a:latin typeface="Arial"/>
+              </a:rPr>
+              <a:t>Design patterns offer tried-and-tested solutions</a:t>
+            </a:r>
+            <a:endParaRPr b="0" lang="hu-HU" sz="2400" strike="noStrike" u="none">
+              <a:solidFill>
+                <a:srgbClr val="000000"/>
+              </a:solidFill>
+              <a:effectLst/>
+              <a:uFillTx/>
+              <a:latin typeface="Arial"/>
+            </a:endParaRPr>
+          </a:p>
+          <a:p>
+            <a:pPr marL="432000" indent="-324000">
+              <a:lnSpc>
+                <a:spcPct val="100000"/>
+              </a:lnSpc>
+              <a:spcBef>
+                <a:spcPts val="1060"/>
+              </a:spcBef>
+              <a:buClr>
+                <a:srgbClr val="77caee"/>
+              </a:buClr>
+              <a:buSzPct val="45000"/>
+              <a:buFont typeface="Wingdings" charset="2"/>
+              <a:buChar char=""/>
+            </a:pPr>
+            <a:r>
+              <a:rPr b="0" lang="en-US" sz="2400" strike="noStrike" u="none">
+                <a:solidFill>
+                  <a:srgbClr val="009bdd"/>
+                </a:solidFill>
+                <a:effectLst/>
+                <a:uFillTx/>
+                <a:latin typeface="Arial"/>
+              </a:rPr>
+              <a:t>Improve code quality</a:t>
+            </a:r>
+            <a:endParaRPr b="0" lang="hu-HU" sz="2400" strike="noStrike" u="none">
+              <a:solidFill>
+                <a:srgbClr val="000000"/>
+              </a:solidFill>
+              <a:effectLst/>
+              <a:uFillTx/>
+              <a:latin typeface="Arial"/>
+            </a:endParaRPr>
+          </a:p>
+          <a:p>
+            <a:pPr marL="432000" indent="-324000">
+              <a:lnSpc>
+                <a:spcPct val="100000"/>
+              </a:lnSpc>
+              <a:spcBef>
+                <a:spcPts val="1060"/>
+              </a:spcBef>
+              <a:buClr>
+                <a:srgbClr val="77caee"/>
+              </a:buClr>
+              <a:buSzPct val="45000"/>
+              <a:buFont typeface="Wingdings" charset="2"/>
+              <a:buChar char=""/>
+            </a:pPr>
+            <a:r>
+              <a:rPr b="0" lang="en-US" sz="2400" strike="noStrike" u="none">
+                <a:solidFill>
+                  <a:srgbClr val="009bdd"/>
+                </a:solidFill>
+                <a:effectLst/>
+                <a:uFillTx/>
+                <a:latin typeface="Arial"/>
+              </a:rPr>
+              <a:t>Three main groups: creational, structural, behavioral</a:t>
+            </a:r>
+            <a:endParaRPr b="0" lang="hu-HU" sz="2400" strike="noStrike" u="none">
+              <a:solidFill>
+                <a:srgbClr val="000000"/>
+              </a:solidFill>
+              <a:effectLst/>
+              <a:uFillTx/>
+              <a:latin typeface="Arial"/>
+            </a:endParaRPr>
+          </a:p>
+          <a:p>
+            <a:pPr marL="432000" indent="-324000">
+              <a:lnSpc>
+                <a:spcPct val="100000"/>
+              </a:lnSpc>
+              <a:spcBef>
+                <a:spcPts val="1060"/>
+              </a:spcBef>
+              <a:buClr>
+                <a:srgbClr val="77caee"/>
+              </a:buClr>
+              <a:buSzPct val="45000"/>
+              <a:buFont typeface="Wingdings" charset="2"/>
+              <a:buChar char=""/>
+            </a:pPr>
+            <a:r>
+              <a:rPr b="0" lang="en-US" sz="2400" strike="noStrike" u="none">
+                <a:solidFill>
+                  <a:srgbClr val="009bdd"/>
+                </a:solidFill>
+                <a:effectLst/>
+                <a:uFillTx/>
+                <a:latin typeface="Arial"/>
+              </a:rPr>
+              <a:t>Knowing them makes you a better designer and developer</a:t>
+            </a:r>
+            <a:endParaRPr b="0" lang="hu-HU" sz="2400" strike="noStrike" u="none">
+              <a:solidFill>
+                <a:srgbClr val="000000"/>
+              </a:solidFill>
+              <a:effectLst/>
+              <a:uFillTx/>
+              <a:latin typeface="Arial"/>
+            </a:endParaRPr>
+          </a:p>
+        </p:txBody>
+      </p:sp>
+      <p:sp>
+        <p:nvSpPr>
+          <p:cNvPr id="4" name="PlaceHolder 3"/>
+          <p:cNvSpPr>
+            <a:spLocks noGrp="1"/>
+          </p:cNvSpPr>
+          <p:nvPr>
+            <p:ph type="sldNum" idx="3"/>
+          </p:nvPr>
+        </p:nvSpPr>
+        <p:spPr/>
+        <p:txBody>
+          <a:bodyPr/>
+          <a:p>
+            <a:fld id="{232B820C-7275-4CD3-985D-21E4397AAF7B}" type="slidenum">
+              <a:t>24</a:t>
             </a:fld>
           </a:p>
         </p:txBody>
@@ -5791,7 +8292,7 @@
       </p:grpSpPr>
       <p:sp>
         <p:nvSpPr>
-          <p:cNvPr id="23" name="PlaceHolder 1"/>
+          <p:cNvPr id="24" name="PlaceHolder 1"/>
           <p:cNvSpPr>
             <a:spLocks noGrp="1"/>
           </p:cNvSpPr>
@@ -5801,8 +8302,8 @@
         </p:nvSpPr>
         <p:spPr>
           <a:xfrm>
-            <a:off x="360000" y="143640"/>
-            <a:ext cx="9360000" cy="936360"/>
+            <a:off x="360000" y="143280"/>
+            <a:ext cx="9359640" cy="936720"/>
           </a:xfrm>
           <a:prstGeom prst="rect">
             <a:avLst/>
@@ -5818,7 +8319,13 @@
           </a:bodyPr>
           <a:p>
             <a:pPr indent="0" algn="ctr">
+              <a:lnSpc>
+                <a:spcPct val="100000"/>
+              </a:lnSpc>
               <a:buNone/>
+              <a:tabLst>
+                <a:tab algn="l" pos="0"/>
+              </a:tabLst>
             </a:pPr>
             <a:r>
               <a:rPr b="0" lang="en-US" sz="3300" strike="noStrike" u="none">
@@ -5834,9 +8341,9 @@
             <a:br>
               <a:rPr sz="3300"/>
             </a:br>
-            <a:endParaRPr b="0" lang="en-US" sz="3300" strike="noStrike" u="none">
-              <a:solidFill>
-                <a:srgbClr val="eeeeee"/>
+            <a:endParaRPr b="0" lang="hu-HU" sz="3300" strike="noStrike" u="none">
+              <a:solidFill>
+                <a:srgbClr val="000000"/>
               </a:solidFill>
               <a:effectLst/>
               <a:uFillTx/>
@@ -5847,7 +8354,7 @@
       </p:sp>
       <p:sp>
         <p:nvSpPr>
-          <p:cNvPr id="24" name="PlaceHolder 2"/>
+          <p:cNvPr id="25" name="PlaceHolder 2"/>
           <p:cNvSpPr>
             <a:spLocks noGrp="1"/>
           </p:cNvSpPr>
@@ -5858,7 +8365,7 @@
         <p:spPr>
           <a:xfrm>
             <a:off x="360000" y="1080000"/>
-            <a:ext cx="9360000" cy="3600000"/>
+            <a:ext cx="9359640" cy="3599640"/>
           </a:xfrm>
           <a:prstGeom prst="rect">
             <a:avLst/>
@@ -5874,6 +8381,9 @@
           </a:bodyPr>
           <a:p>
             <a:pPr marL="432000" indent="-324000">
+              <a:lnSpc>
+                <a:spcPct val="100000"/>
+              </a:lnSpc>
               <a:spcBef>
                 <a:spcPts val="1060"/>
               </a:spcBef>
@@ -5895,9 +8405,9 @@
               </a:rPr>
               <a:t>Provide proven, well tested solutions</a:t>
             </a:r>
-            <a:endParaRPr b="0" lang="en-US" sz="2400" strike="noStrike" u="none">
-              <a:solidFill>
-                <a:srgbClr val="009bdd"/>
+            <a:endParaRPr b="0" lang="hu-HU" sz="2400" strike="noStrike" u="none">
+              <a:solidFill>
+                <a:srgbClr val="000000"/>
               </a:solidFill>
               <a:effectLst/>
               <a:uFillTx/>
@@ -5906,6 +8416,9 @@
           </a:p>
           <a:p>
             <a:pPr marL="432000" indent="-324000">
+              <a:lnSpc>
+                <a:spcPct val="100000"/>
+              </a:lnSpc>
               <a:spcBef>
                 <a:spcPts val="1060"/>
               </a:spcBef>
@@ -5927,9 +8440,9 @@
               </a:rPr>
               <a:t>Reduce development time</a:t>
             </a:r>
-            <a:endParaRPr b="0" lang="en-US" sz="2400" strike="noStrike" u="none">
-              <a:solidFill>
-                <a:srgbClr val="009bdd"/>
+            <a:endParaRPr b="0" lang="hu-HU" sz="2400" strike="noStrike" u="none">
+              <a:solidFill>
+                <a:srgbClr val="000000"/>
               </a:solidFill>
               <a:effectLst/>
               <a:uFillTx/>
@@ -5938,6 +8451,9 @@
           </a:p>
           <a:p>
             <a:pPr marL="432000" indent="-324000">
+              <a:lnSpc>
+                <a:spcPct val="100000"/>
+              </a:lnSpc>
               <a:spcBef>
                 <a:spcPts val="1060"/>
               </a:spcBef>
@@ -5959,9 +8475,9 @@
               </a:rPr>
               <a:t>Encourage clean, modular architecture</a:t>
             </a:r>
-            <a:endParaRPr b="0" lang="en-US" sz="2400" strike="noStrike" u="none">
-              <a:solidFill>
-                <a:srgbClr val="009bdd"/>
+            <a:endParaRPr b="0" lang="hu-HU" sz="2400" strike="noStrike" u="none">
+              <a:solidFill>
+                <a:srgbClr val="000000"/>
               </a:solidFill>
               <a:effectLst/>
               <a:uFillTx/>
@@ -5970,6 +8486,9 @@
           </a:p>
           <a:p>
             <a:pPr marL="432000" indent="-324000">
+              <a:lnSpc>
+                <a:spcPct val="100000"/>
+              </a:lnSpc>
               <a:spcBef>
                 <a:spcPts val="1060"/>
               </a:spcBef>
@@ -5991,9 +8510,9 @@
               </a:rPr>
               <a:t>Help avoid reinventing the wheel</a:t>
             </a:r>
-            <a:endParaRPr b="0" lang="en-US" sz="2400" strike="noStrike" u="none">
-              <a:solidFill>
-                <a:srgbClr val="009bdd"/>
+            <a:endParaRPr b="0" lang="hu-HU" sz="2400" strike="noStrike" u="none">
+              <a:solidFill>
+                <a:srgbClr val="000000"/>
               </a:solidFill>
               <a:effectLst/>
               <a:uFillTx/>
@@ -6002,6 +8521,9 @@
           </a:p>
           <a:p>
             <a:pPr marL="432000" indent="-324000">
+              <a:lnSpc>
+                <a:spcPct val="100000"/>
+              </a:lnSpc>
               <a:spcBef>
                 <a:spcPts val="1060"/>
               </a:spcBef>
@@ -6023,9 +8545,9 @@
               </a:rPr>
               <a:t>Make code easier to understand and to extend</a:t>
             </a:r>
-            <a:endParaRPr b="0" lang="en-US" sz="2400" strike="noStrike" u="none">
-              <a:solidFill>
-                <a:srgbClr val="009bdd"/>
+            <a:endParaRPr b="0" lang="hu-HU" sz="2400" strike="noStrike" u="none">
+              <a:solidFill>
+                <a:srgbClr val="000000"/>
               </a:solidFill>
               <a:effectLst/>
               <a:uFillTx/>
@@ -6048,7 +8570,7 @@
         <p:txBody>
           <a:bodyPr/>
           <a:p>
-            <a:fld id="{2F62C6E4-560D-4AE2-92A2-05189FEDBD3B}" type="slidenum">
+            <a:fld id="{08B80CD4-123F-4024-BAD3-B3C50419C2AF}" type="slidenum">
               <a:t>3</a:t>
             </a:fld>
           </a:p>
@@ -6086,7 +8608,7 @@
       </p:grpSpPr>
       <p:sp>
         <p:nvSpPr>
-          <p:cNvPr id="25" name="PlaceHolder 1"/>
+          <p:cNvPr id="26" name="PlaceHolder 1"/>
           <p:cNvSpPr>
             <a:spLocks noGrp="1"/>
           </p:cNvSpPr>
@@ -6096,8 +8618,8 @@
         </p:nvSpPr>
         <p:spPr>
           <a:xfrm>
-            <a:off x="360000" y="180000"/>
-            <a:ext cx="9360000" cy="478080"/>
+            <a:off x="360000" y="179640"/>
+            <a:ext cx="9359640" cy="478440"/>
           </a:xfrm>
           <a:prstGeom prst="rect">
             <a:avLst/>
@@ -6113,7 +8635,13 @@
           </a:bodyPr>
           <a:p>
             <a:pPr indent="0" algn="ctr">
+              <a:lnSpc>
+                <a:spcPct val="100000"/>
+              </a:lnSpc>
               <a:buNone/>
+              <a:tabLst>
+                <a:tab algn="l" pos="0"/>
+              </a:tabLst>
             </a:pPr>
             <a:r>
               <a:rPr b="0" lang="en-US" sz="3300" strike="noStrike" u="none">
@@ -6126,9 +8654,9 @@
               </a:rPr>
               <a:t>Categories of design patterns</a:t>
             </a:r>
-            <a:endParaRPr b="0" lang="en-US" sz="3300" strike="noStrike" u="none">
-              <a:solidFill>
-                <a:srgbClr val="eeeeee"/>
+            <a:endParaRPr b="0" lang="hu-HU" sz="3300" strike="noStrike" u="none">
+              <a:solidFill>
+                <a:srgbClr val="000000"/>
               </a:solidFill>
               <a:effectLst/>
               <a:uFillTx/>
@@ -6139,7 +8667,7 @@
       </p:sp>
       <p:sp>
         <p:nvSpPr>
-          <p:cNvPr id="26" name="PlaceHolder 2"/>
+          <p:cNvPr id="27" name="PlaceHolder 2"/>
           <p:cNvSpPr>
             <a:spLocks noGrp="1"/>
           </p:cNvSpPr>
@@ -6150,7 +8678,7 @@
         <p:spPr>
           <a:xfrm>
             <a:off x="360000" y="1080000"/>
-            <a:ext cx="9360000" cy="3600000"/>
+            <a:ext cx="9359640" cy="3599640"/>
           </a:xfrm>
           <a:prstGeom prst="rect">
             <a:avLst/>
@@ -6166,6 +8694,9 @@
           </a:bodyPr>
           <a:p>
             <a:pPr marL="432000" indent="-324000">
+              <a:lnSpc>
+                <a:spcPct val="100000"/>
+              </a:lnSpc>
               <a:spcBef>
                 <a:spcPts val="1060"/>
               </a:spcBef>
@@ -6187,9 +8718,9 @@
               </a:rPr>
               <a:t>Creational Patterns: object creation mechanisms</a:t>
             </a:r>
-            <a:endParaRPr b="0" lang="en-US" sz="2400" strike="noStrike" u="none">
-              <a:solidFill>
-                <a:srgbClr val="009bdd"/>
+            <a:endParaRPr b="0" lang="hu-HU" sz="2400" strike="noStrike" u="none">
+              <a:solidFill>
+                <a:srgbClr val="000000"/>
               </a:solidFill>
               <a:effectLst/>
               <a:uFillTx/>
@@ -6198,6 +8729,9 @@
           </a:p>
           <a:p>
             <a:pPr marL="432000" indent="-324000">
+              <a:lnSpc>
+                <a:spcPct val="100000"/>
+              </a:lnSpc>
               <a:spcBef>
                 <a:spcPts val="1060"/>
               </a:spcBef>
@@ -6219,9 +8753,9 @@
               </a:rPr>
               <a:t>Structural Patterns: composition and relationships between objects</a:t>
             </a:r>
-            <a:endParaRPr b="0" lang="en-US" sz="2400" strike="noStrike" u="none">
-              <a:solidFill>
-                <a:srgbClr val="009bdd"/>
+            <a:endParaRPr b="0" lang="hu-HU" sz="2400" strike="noStrike" u="none">
+              <a:solidFill>
+                <a:srgbClr val="000000"/>
               </a:solidFill>
               <a:effectLst/>
               <a:uFillTx/>
@@ -6230,6 +8764,9 @@
           </a:p>
           <a:p>
             <a:pPr marL="432000" indent="-324000">
+              <a:lnSpc>
+                <a:spcPct val="100000"/>
+              </a:lnSpc>
               <a:spcBef>
                 <a:spcPts val="1060"/>
               </a:spcBef>
@@ -6251,9 +8788,9 @@
               </a:rPr>
               <a:t>Behavioral Patterns: communication and responsibility between objects</a:t>
             </a:r>
-            <a:endParaRPr b="0" lang="en-US" sz="2400" strike="noStrike" u="none">
-              <a:solidFill>
-                <a:srgbClr val="009bdd"/>
+            <a:endParaRPr b="0" lang="hu-HU" sz="2400" strike="noStrike" u="none">
+              <a:solidFill>
+                <a:srgbClr val="000000"/>
               </a:solidFill>
               <a:effectLst/>
               <a:uFillTx/>
@@ -6276,7 +8813,7 @@
         <p:txBody>
           <a:bodyPr/>
           <a:p>
-            <a:fld id="{6A567A0B-4A3B-4E14-95E6-72AEE3B62551}" type="slidenum">
+            <a:fld id="{14AADE26-F5CB-4CA8-A7DE-118E92506D28}" type="slidenum">
               <a:t>4</a:t>
             </a:fld>
           </a:p>
@@ -6314,7 +8851,7 @@
       </p:grpSpPr>
       <p:sp>
         <p:nvSpPr>
-          <p:cNvPr id="27" name="PlaceHolder 1"/>
+          <p:cNvPr id="28" name="PlaceHolder 1"/>
           <p:cNvSpPr>
             <a:spLocks noGrp="1"/>
           </p:cNvSpPr>
@@ -6324,8 +8861,8 @@
         </p:nvSpPr>
         <p:spPr>
           <a:xfrm>
-            <a:off x="360000" y="180000"/>
-            <a:ext cx="9360000" cy="478080"/>
+            <a:off x="360000" y="179640"/>
+            <a:ext cx="9359640" cy="478440"/>
           </a:xfrm>
           <a:prstGeom prst="rect">
             <a:avLst/>
@@ -6341,7 +8878,13 @@
           </a:bodyPr>
           <a:p>
             <a:pPr indent="0" algn="ctr">
+              <a:lnSpc>
+                <a:spcPct val="100000"/>
+              </a:lnSpc>
               <a:buNone/>
+              <a:tabLst>
+                <a:tab algn="l" pos="0"/>
+              </a:tabLst>
             </a:pPr>
             <a:r>
               <a:rPr b="0" lang="en-US" sz="3300" strike="noStrike" u="none">
@@ -6354,9 +8897,9 @@
               </a:rPr>
               <a:t>Creational patterns</a:t>
             </a:r>
-            <a:endParaRPr b="0" lang="en-US" sz="3300" strike="noStrike" u="none">
-              <a:solidFill>
-                <a:srgbClr val="eeeeee"/>
+            <a:endParaRPr b="0" lang="hu-HU" sz="3300" strike="noStrike" u="none">
+              <a:solidFill>
+                <a:srgbClr val="000000"/>
               </a:solidFill>
               <a:effectLst/>
               <a:uFillTx/>
@@ -6367,7 +8910,7 @@
       </p:sp>
       <p:sp>
         <p:nvSpPr>
-          <p:cNvPr id="28" name="PlaceHolder 2"/>
+          <p:cNvPr id="29" name="PlaceHolder 2"/>
           <p:cNvSpPr>
             <a:spLocks noGrp="1"/>
           </p:cNvSpPr>
@@ -6378,7 +8921,7 @@
         <p:spPr>
           <a:xfrm>
             <a:off x="360000" y="1080000"/>
-            <a:ext cx="9360000" cy="3600000"/>
+            <a:ext cx="9359640" cy="3599640"/>
           </a:xfrm>
           <a:prstGeom prst="rect">
             <a:avLst/>
@@ -6394,6 +8937,9 @@
           </a:bodyPr>
           <a:p>
             <a:pPr marL="432000" indent="-324000">
+              <a:lnSpc>
+                <a:spcPct val="100000"/>
+              </a:lnSpc>
               <a:spcBef>
                 <a:spcPts val="1060"/>
               </a:spcBef>
@@ -6415,9 +8961,9 @@
               </a:rPr>
               <a:t>Deal with object creation</a:t>
             </a:r>
-            <a:endParaRPr b="0" lang="en-US" sz="2400" strike="noStrike" u="none">
-              <a:solidFill>
-                <a:srgbClr val="009bdd"/>
+            <a:endParaRPr b="0" lang="hu-HU" sz="2400" strike="noStrike" u="none">
+              <a:solidFill>
+                <a:srgbClr val="000000"/>
               </a:solidFill>
               <a:effectLst/>
               <a:uFillTx/>
@@ -6426,6 +8972,9 @@
           </a:p>
           <a:p>
             <a:pPr marL="432000" indent="-324000">
+              <a:lnSpc>
+                <a:spcPct val="100000"/>
+              </a:lnSpc>
               <a:spcBef>
                 <a:spcPts val="1060"/>
               </a:spcBef>
@@ -6447,9 +8996,9 @@
               </a:rPr>
               <a:t>Make the sysdtem independent of how objects are created</a:t>
             </a:r>
-            <a:endParaRPr b="0" lang="en-US" sz="2400" strike="noStrike" u="none">
-              <a:solidFill>
-                <a:srgbClr val="009bdd"/>
+            <a:endParaRPr b="0" lang="hu-HU" sz="2400" strike="noStrike" u="none">
+              <a:solidFill>
+                <a:srgbClr val="000000"/>
               </a:solidFill>
               <a:effectLst/>
               <a:uFillTx/>
@@ -6458,6 +9007,9 @@
           </a:p>
           <a:p>
             <a:pPr marL="432000" indent="-324000">
+              <a:lnSpc>
+                <a:spcPct val="100000"/>
+              </a:lnSpc>
               <a:spcBef>
                 <a:spcPts val="1060"/>
               </a:spcBef>
@@ -6479,9 +9031,9 @@
               </a:rPr>
               <a:t>Examples:</a:t>
             </a:r>
-            <a:endParaRPr b="0" lang="en-US" sz="2400" strike="noStrike" u="none">
-              <a:solidFill>
-                <a:srgbClr val="009bdd"/>
+            <a:endParaRPr b="0" lang="hu-HU" sz="2400" strike="noStrike" u="none">
+              <a:solidFill>
+                <a:srgbClr val="000000"/>
               </a:solidFill>
               <a:effectLst/>
               <a:uFillTx/>
@@ -6490,6 +9042,9 @@
           </a:p>
           <a:p>
             <a:pPr lvl="1" marL="864000" indent="-324000">
+              <a:lnSpc>
+                <a:spcPct val="100000"/>
+              </a:lnSpc>
               <a:spcBef>
                 <a:spcPts val="850"/>
               </a:spcBef>
@@ -6511,9 +9066,9 @@
               </a:rPr>
               <a:t>Singleton</a:t>
             </a:r>
-            <a:endParaRPr b="0" lang="en-US" sz="2100" strike="noStrike" u="none">
-              <a:solidFill>
-                <a:srgbClr val="009bdd"/>
+            <a:endParaRPr b="0" lang="hu-HU" sz="2100" strike="noStrike" u="none">
+              <a:solidFill>
+                <a:srgbClr val="000000"/>
               </a:solidFill>
               <a:effectLst/>
               <a:uFillTx/>
@@ -6522,6 +9077,9 @@
           </a:p>
           <a:p>
             <a:pPr lvl="1" marL="864000" indent="-324000">
+              <a:lnSpc>
+                <a:spcPct val="100000"/>
+              </a:lnSpc>
               <a:spcBef>
                 <a:spcPts val="850"/>
               </a:spcBef>
@@ -6543,9 +9101,9 @@
               </a:rPr>
               <a:t>Factory method</a:t>
             </a:r>
-            <a:endParaRPr b="0" lang="en-US" sz="2100" strike="noStrike" u="none">
-              <a:solidFill>
-                <a:srgbClr val="009bdd"/>
+            <a:endParaRPr b="0" lang="hu-HU" sz="2100" strike="noStrike" u="none">
+              <a:solidFill>
+                <a:srgbClr val="000000"/>
               </a:solidFill>
               <a:effectLst/>
               <a:uFillTx/>
@@ -6554,6 +9112,9 @@
           </a:p>
           <a:p>
             <a:pPr lvl="1" marL="864000" indent="-324000">
+              <a:lnSpc>
+                <a:spcPct val="100000"/>
+              </a:lnSpc>
               <a:spcBef>
                 <a:spcPts val="850"/>
               </a:spcBef>
@@ -6575,9 +9136,9 @@
               </a:rPr>
               <a:t>Abstract factory</a:t>
             </a:r>
-            <a:endParaRPr b="0" lang="en-US" sz="2100" strike="noStrike" u="none">
-              <a:solidFill>
-                <a:srgbClr val="009bdd"/>
+            <a:endParaRPr b="0" lang="hu-HU" sz="2100" strike="noStrike" u="none">
+              <a:solidFill>
+                <a:srgbClr val="000000"/>
               </a:solidFill>
               <a:effectLst/>
               <a:uFillTx/>
@@ -6586,6 +9147,9 @@
           </a:p>
           <a:p>
             <a:pPr lvl="1" marL="864000" indent="-324000">
+              <a:lnSpc>
+                <a:spcPct val="100000"/>
+              </a:lnSpc>
               <a:spcBef>
                 <a:spcPts val="850"/>
               </a:spcBef>
@@ -6607,9 +9171,9 @@
               </a:rPr>
               <a:t>Builder</a:t>
             </a:r>
-            <a:endParaRPr b="0" lang="en-US" sz="2100" strike="noStrike" u="none">
-              <a:solidFill>
-                <a:srgbClr val="009bdd"/>
+            <a:endParaRPr b="0" lang="hu-HU" sz="2100" strike="noStrike" u="none">
+              <a:solidFill>
+                <a:srgbClr val="000000"/>
               </a:solidFill>
               <a:effectLst/>
               <a:uFillTx/>
@@ -6618,6 +9182,9 @@
           </a:p>
           <a:p>
             <a:pPr lvl="1" marL="864000" indent="-324000">
+              <a:lnSpc>
+                <a:spcPct val="100000"/>
+              </a:lnSpc>
               <a:spcBef>
                 <a:spcPts val="850"/>
               </a:spcBef>
@@ -6639,9 +9206,9 @@
               </a:rPr>
               <a:t>Prototype</a:t>
             </a:r>
-            <a:endParaRPr b="0" lang="en-US" sz="2100" strike="noStrike" u="none">
-              <a:solidFill>
-                <a:srgbClr val="009bdd"/>
+            <a:endParaRPr b="0" lang="hu-HU" sz="2100" strike="noStrike" u="none">
+              <a:solidFill>
+                <a:srgbClr val="000000"/>
               </a:solidFill>
               <a:effectLst/>
               <a:uFillTx/>
@@ -6664,7 +9231,7 @@
         <p:txBody>
           <a:bodyPr/>
           <a:p>
-            <a:fld id="{E0A3CF50-E95A-45F4-B757-D7F4FDFD7F2C}" type="slidenum">
+            <a:fld id="{D9D22345-645B-41AD-86E3-D5C10F62A155}" type="slidenum">
               <a:t>5</a:t>
             </a:fld>
           </a:p>
@@ -6702,7 +9269,7 @@
       </p:grpSpPr>
       <p:sp>
         <p:nvSpPr>
-          <p:cNvPr id="29" name="PlaceHolder 1"/>
+          <p:cNvPr id="30" name="PlaceHolder 1"/>
           <p:cNvSpPr>
             <a:spLocks noGrp="1"/>
           </p:cNvSpPr>
@@ -6712,8 +9279,8 @@
         </p:nvSpPr>
         <p:spPr>
           <a:xfrm>
-            <a:off x="360000" y="180000"/>
-            <a:ext cx="9360000" cy="478080"/>
+            <a:off x="360000" y="167400"/>
+            <a:ext cx="9359640" cy="503280"/>
           </a:xfrm>
           <a:prstGeom prst="rect">
             <a:avLst/>
@@ -6729,7 +9296,13 @@
           </a:bodyPr>
           <a:p>
             <a:pPr indent="0" algn="ctr">
+              <a:lnSpc>
+                <a:spcPct val="100000"/>
+              </a:lnSpc>
               <a:buNone/>
+              <a:tabLst>
+                <a:tab algn="l" pos="0"/>
+              </a:tabLst>
             </a:pPr>
             <a:r>
               <a:rPr b="0" lang="en-US" sz="3300" strike="noStrike" u="none">
@@ -6740,11 +9313,11 @@
                 <a:uFillTx/>
                 <a:latin typeface="Arial"/>
               </a:rPr>
-              <a:t>Singleton</a:t>
-            </a:r>
-            <a:endParaRPr b="0" lang="en-US" sz="3300" strike="noStrike" u="none">
-              <a:solidFill>
-                <a:srgbClr val="eeeeee"/>
+              <a:t>MVC (Model-View-Controller)</a:t>
+            </a:r>
+            <a:endParaRPr b="0" lang="hu-HU" sz="3300" strike="noStrike" u="none">
+              <a:solidFill>
+                <a:srgbClr val="000000"/>
               </a:solidFill>
               <a:effectLst/>
               <a:uFillTx/>
@@ -6755,7 +9328,7 @@
       </p:sp>
       <p:sp>
         <p:nvSpPr>
-          <p:cNvPr id="30" name="PlaceHolder 2"/>
+          <p:cNvPr id="31" name="PlaceHolder 2"/>
           <p:cNvSpPr>
             <a:spLocks noGrp="1"/>
           </p:cNvSpPr>
@@ -6766,7 +9339,7 @@
         <p:spPr>
           <a:xfrm>
             <a:off x="360000" y="1080000"/>
-            <a:ext cx="9360000" cy="3600000"/>
+            <a:ext cx="9359640" cy="3599640"/>
           </a:xfrm>
           <a:prstGeom prst="rect">
             <a:avLst/>
@@ -6782,6 +9355,9 @@
           </a:bodyPr>
           <a:p>
             <a:pPr marL="432000" indent="-324000">
+              <a:lnSpc>
+                <a:spcPct val="100000"/>
+              </a:lnSpc>
               <a:spcBef>
                 <a:spcPts val="1060"/>
               </a:spcBef>
@@ -6801,11 +9377,11 @@
                 <a:uFillTx/>
                 <a:latin typeface="Arial"/>
               </a:rPr>
-              <a:t>Ensures only one instance of a class exists</a:t>
-            </a:r>
-            <a:endParaRPr b="0" lang="en-US" sz="2400" strike="noStrike" u="none">
-              <a:solidFill>
-                <a:srgbClr val="009bdd"/>
+              <a:t>The MVC pattern is a widely used architectural design pattern</a:t>
+            </a:r>
+            <a:endParaRPr b="0" lang="hu-HU" sz="2400" strike="noStrike" u="none">
+              <a:solidFill>
+                <a:srgbClr val="000000"/>
               </a:solidFill>
               <a:effectLst/>
               <a:uFillTx/>
@@ -6814,6 +9390,9 @@
           </a:p>
           <a:p>
             <a:pPr marL="432000" indent="-324000">
+              <a:lnSpc>
+                <a:spcPct val="100000"/>
+              </a:lnSpc>
               <a:spcBef>
                 <a:spcPts val="1060"/>
               </a:spcBef>
@@ -6833,11 +9412,11 @@
                 <a:uFillTx/>
                 <a:latin typeface="Arial"/>
               </a:rPr>
-              <a:t>Provides a global point of access</a:t>
-            </a:r>
-            <a:endParaRPr b="0" lang="en-US" sz="2400" strike="noStrike" u="none">
-              <a:solidFill>
-                <a:srgbClr val="009bdd"/>
+              <a:t>Commonly used in web apps, desktop and mobile development</a:t>
+            </a:r>
+            <a:endParaRPr b="0" lang="hu-HU" sz="2400" strike="noStrike" u="none">
+              <a:solidFill>
+                <a:srgbClr val="000000"/>
               </a:solidFill>
               <a:effectLst/>
               <a:uFillTx/>
@@ -6846,6 +9425,9 @@
           </a:p>
           <a:p>
             <a:pPr marL="432000" indent="-324000">
+              <a:lnSpc>
+                <a:spcPct val="100000"/>
+              </a:lnSpc>
               <a:spcBef>
                 <a:spcPts val="1060"/>
               </a:spcBef>
@@ -6865,28 +9447,26 @@
                 <a:uFillTx/>
                 <a:latin typeface="Arial"/>
               </a:rPr>
-              <a:t>Common uses: config managers, game managers</a:t>
-            </a:r>
-            <a:endParaRPr b="0" lang="en-US" sz="2400" strike="noStrike" u="none">
-              <a:solidFill>
-                <a:srgbClr val="009bdd"/>
-              </a:solidFill>
-              <a:effectLst/>
-              <a:uFillTx/>
-              <a:latin typeface="Arial"/>
-            </a:endParaRPr>
-          </a:p>
-          <a:p>
-            <a:pPr marL="432000" indent="-324000">
+              <a:t>It’s purpose is to seperate concerns that data handling, presentation and user interaction logic are kept independent</a:t>
+            </a:r>
+            <a:endParaRPr b="0" lang="hu-HU" sz="2400" strike="noStrike" u="none">
+              <a:solidFill>
+                <a:srgbClr val="000000"/>
+              </a:solidFill>
+              <a:effectLst/>
+              <a:uFillTx/>
+              <a:latin typeface="Arial"/>
+            </a:endParaRPr>
+          </a:p>
+          <a:p>
+            <a:pPr marL="432000" indent="0">
+              <a:lnSpc>
+                <a:spcPct val="100000"/>
+              </a:lnSpc>
               <a:spcBef>
                 <a:spcPts val="1060"/>
               </a:spcBef>
-              <a:buClr>
-                <a:srgbClr val="77caee"/>
-              </a:buClr>
-              <a:buSzPct val="45000"/>
-              <a:buFont typeface="Wingdings" charset="2"/>
-              <a:buChar char=""/>
+              <a:buNone/>
             </a:pPr>
             <a:r>
               <a:rPr b="0" lang="en-US" sz="2400" strike="noStrike" u="none">
@@ -6897,43 +9477,11 @@
                 <a:uFillTx/>
                 <a:latin typeface="Arial"/>
               </a:rPr>
-              <a:t>Pros: simple, controlled access</a:t>
-            </a:r>
-            <a:endParaRPr b="0" lang="en-US" sz="2400" strike="noStrike" u="none">
-              <a:solidFill>
-                <a:srgbClr val="009bdd"/>
-              </a:solidFill>
-              <a:effectLst/>
-              <a:uFillTx/>
-              <a:latin typeface="Arial"/>
-            </a:endParaRPr>
-          </a:p>
-          <a:p>
-            <a:pPr marL="432000" indent="-324000">
-              <a:spcBef>
-                <a:spcPts val="1060"/>
-              </a:spcBef>
-              <a:buClr>
-                <a:srgbClr val="77caee"/>
-              </a:buClr>
-              <a:buSzPct val="45000"/>
-              <a:buFont typeface="Wingdings" charset="2"/>
-              <a:buChar char=""/>
-            </a:pPr>
-            <a:r>
-              <a:rPr b="0" lang="en-US" sz="2400" strike="noStrike" u="none">
-                <a:solidFill>
-                  <a:srgbClr val="009bdd"/>
-                </a:solidFill>
-                <a:effectLst/>
-                <a:uFillTx/>
-                <a:latin typeface="Arial"/>
-              </a:rPr>
-              <a:t>Cons: can be overused, hard to test</a:t>
-            </a:r>
-            <a:endParaRPr b="0" lang="en-US" sz="2400" strike="noStrike" u="none">
-              <a:solidFill>
-                <a:srgbClr val="009bdd"/>
+              <a:t> </a:t>
+            </a:r>
+            <a:endParaRPr b="0" lang="hu-HU" sz="2400" strike="noStrike" u="none">
+              <a:solidFill>
+                <a:srgbClr val="000000"/>
               </a:solidFill>
               <a:effectLst/>
               <a:uFillTx/>
@@ -6956,7 +9504,7 @@
         <p:txBody>
           <a:bodyPr/>
           <a:p>
-            <a:fld id="{CE029838-E726-4095-8A5F-9FAFA27ED227}" type="slidenum">
+            <a:fld id="{8E77EA3A-B03C-45DD-9C3A-F555F878ED7A}" type="slidenum">
               <a:t>6</a:t>
             </a:fld>
           </a:p>
@@ -6994,7 +9542,7 @@
       </p:grpSpPr>
       <p:sp>
         <p:nvSpPr>
-          <p:cNvPr id="31" name="PlaceHolder 1"/>
+          <p:cNvPr id="32" name="PlaceHolder 1"/>
           <p:cNvSpPr>
             <a:spLocks noGrp="1"/>
           </p:cNvSpPr>
@@ -7004,8 +9552,8 @@
         </p:nvSpPr>
         <p:spPr>
           <a:xfrm>
-            <a:off x="360000" y="180000"/>
-            <a:ext cx="9360000" cy="478080"/>
+            <a:off x="360000" y="167400"/>
+            <a:ext cx="9359640" cy="503280"/>
           </a:xfrm>
           <a:prstGeom prst="rect">
             <a:avLst/>
@@ -7021,7 +9569,13 @@
           </a:bodyPr>
           <a:p>
             <a:pPr indent="0" algn="ctr">
+              <a:lnSpc>
+                <a:spcPct val="100000"/>
+              </a:lnSpc>
               <a:buNone/>
+              <a:tabLst>
+                <a:tab algn="l" pos="0"/>
+              </a:tabLst>
             </a:pPr>
             <a:r>
               <a:rPr b="0" lang="en-US" sz="3300" strike="noStrike" u="none">
@@ -7032,11 +9586,11 @@
                 <a:uFillTx/>
                 <a:latin typeface="Arial"/>
               </a:rPr>
-              <a:t>Factory method pattern</a:t>
-            </a:r>
-            <a:endParaRPr b="0" lang="en-US" sz="3300" strike="noStrike" u="none">
-              <a:solidFill>
-                <a:srgbClr val="eeeeee"/>
+              <a:t>MVC (Model)</a:t>
+            </a:r>
+            <a:endParaRPr b="0" lang="hu-HU" sz="3300" strike="noStrike" u="none">
+              <a:solidFill>
+                <a:srgbClr val="000000"/>
               </a:solidFill>
               <a:effectLst/>
               <a:uFillTx/>
@@ -7047,7 +9601,7 @@
       </p:sp>
       <p:sp>
         <p:nvSpPr>
-          <p:cNvPr id="32" name="PlaceHolder 2"/>
+          <p:cNvPr id="33" name="PlaceHolder 2"/>
           <p:cNvSpPr>
             <a:spLocks noGrp="1"/>
           </p:cNvSpPr>
@@ -7058,7 +9612,7 @@
         <p:spPr>
           <a:xfrm>
             <a:off x="360000" y="1080000"/>
-            <a:ext cx="9360000" cy="3600000"/>
+            <a:ext cx="9359640" cy="3599640"/>
           </a:xfrm>
           <a:prstGeom prst="rect">
             <a:avLst/>
@@ -7073,7 +9627,40 @@
             <a:noAutofit/>
           </a:bodyPr>
           <a:p>
+            <a:pPr marL="432000" indent="0">
+              <a:lnSpc>
+                <a:spcPct val="100000"/>
+              </a:lnSpc>
+              <a:spcBef>
+                <a:spcPts val="1060"/>
+              </a:spcBef>
+              <a:buNone/>
+            </a:pPr>
+            <a:r>
+              <a:rPr b="0" lang="en-US" sz="2400" strike="noStrike" u="none">
+                <a:solidFill>
+                  <a:srgbClr val="009bdd"/>
+                </a:solidFill>
+                <a:effectLst/>
+                <a:uFillTx/>
+                <a:latin typeface="Arial"/>
+              </a:rPr>
+              <a:t>The model represents the data and business logic of the app</a:t>
+            </a:r>
+            <a:endParaRPr b="0" lang="hu-HU" sz="2400" strike="noStrike" u="none">
+              <a:solidFill>
+                <a:srgbClr val="000000"/>
+              </a:solidFill>
+              <a:effectLst/>
+              <a:uFillTx/>
+              <a:latin typeface="Arial"/>
+            </a:endParaRPr>
+          </a:p>
+          <a:p>
             <a:pPr marL="432000" indent="-324000">
+              <a:lnSpc>
+                <a:spcPct val="100000"/>
+              </a:lnSpc>
               <a:spcBef>
                 <a:spcPts val="1060"/>
               </a:spcBef>
@@ -7093,11 +9680,11 @@
                 <a:uFillTx/>
                 <a:latin typeface="Arial"/>
               </a:rPr>
-              <a:t>Defines an interface for creating objects</a:t>
-            </a:r>
-            <a:endParaRPr b="0" lang="en-US" sz="2400" strike="noStrike" u="none">
-              <a:solidFill>
-                <a:srgbClr val="009bdd"/>
+              <a:t>Stores and manages data</a:t>
+            </a:r>
+            <a:endParaRPr b="0" lang="hu-HU" sz="2400" strike="noStrike" u="none">
+              <a:solidFill>
+                <a:srgbClr val="000000"/>
               </a:solidFill>
               <a:effectLst/>
               <a:uFillTx/>
@@ -7106,6 +9693,9 @@
           </a:p>
           <a:p>
             <a:pPr marL="432000" indent="-324000">
+              <a:lnSpc>
+                <a:spcPct val="100000"/>
+              </a:lnSpc>
               <a:spcBef>
                 <a:spcPts val="1060"/>
               </a:spcBef>
@@ -7125,11 +9715,11 @@
                 <a:uFillTx/>
                 <a:latin typeface="Arial"/>
               </a:rPr>
-              <a:t>Subclasses decide which class to instantiate</a:t>
-            </a:r>
-            <a:endParaRPr b="0" lang="en-US" sz="2400" strike="noStrike" u="none">
-              <a:solidFill>
-                <a:srgbClr val="009bdd"/>
+              <a:t>Handles validation, rules and domain logic</a:t>
+            </a:r>
+            <a:endParaRPr b="0" lang="hu-HU" sz="2400" strike="noStrike" u="none">
+              <a:solidFill>
+                <a:srgbClr val="000000"/>
               </a:solidFill>
               <a:effectLst/>
               <a:uFillTx/>
@@ -7138,6 +9728,9 @@
           </a:p>
           <a:p>
             <a:pPr marL="432000" indent="-324000">
+              <a:lnSpc>
+                <a:spcPct val="100000"/>
+              </a:lnSpc>
               <a:spcBef>
                 <a:spcPts val="1060"/>
               </a:spcBef>
@@ -7157,11 +9750,11 @@
                 <a:uFillTx/>
                 <a:latin typeface="Arial"/>
               </a:rPr>
-              <a:t>Helps follow the open / closed principle</a:t>
-            </a:r>
-            <a:endParaRPr b="0" lang="en-US" sz="2400" strike="noStrike" u="none">
-              <a:solidFill>
-                <a:srgbClr val="009bdd"/>
+              <a:t>Communicates with the database</a:t>
+            </a:r>
+            <a:endParaRPr b="0" lang="hu-HU" sz="2400" strike="noStrike" u="none">
+              <a:solidFill>
+                <a:srgbClr val="000000"/>
               </a:solidFill>
               <a:effectLst/>
               <a:uFillTx/>
@@ -7170,6 +9763,9 @@
           </a:p>
           <a:p>
             <a:pPr marL="432000" indent="-324000">
+              <a:lnSpc>
+                <a:spcPct val="100000"/>
+              </a:lnSpc>
               <a:spcBef>
                 <a:spcPts val="1060"/>
               </a:spcBef>
@@ -7189,11 +9785,11 @@
                 <a:uFillTx/>
                 <a:latin typeface="Arial"/>
               </a:rPr>
-              <a:t>Examples: GUI elements, document creators</a:t>
-            </a:r>
-            <a:endParaRPr b="0" lang="en-US" sz="2400" strike="noStrike" u="none">
-              <a:solidFill>
-                <a:srgbClr val="009bdd"/>
+              <a:t>Does not contain any user interface code</a:t>
+            </a:r>
+            <a:endParaRPr b="0" lang="hu-HU" sz="2400" strike="noStrike" u="none">
+              <a:solidFill>
+                <a:srgbClr val="000000"/>
               </a:solidFill>
               <a:effectLst/>
               <a:uFillTx/>
@@ -7216,7 +9812,7 @@
         <p:txBody>
           <a:bodyPr/>
           <a:p>
-            <a:fld id="{07DF862C-7480-4811-9095-965BC0374656}" type="slidenum">
+            <a:fld id="{779BF066-F293-4AFB-827F-5192BD74BDFE}" type="slidenum">
               <a:t>7</a:t>
             </a:fld>
           </a:p>
@@ -7254,7 +9850,7 @@
       </p:grpSpPr>
       <p:sp>
         <p:nvSpPr>
-          <p:cNvPr id="33" name="PlaceHolder 1"/>
+          <p:cNvPr id="34" name="PlaceHolder 1"/>
           <p:cNvSpPr>
             <a:spLocks noGrp="1"/>
           </p:cNvSpPr>
@@ -7264,8 +9860,8 @@
         </p:nvSpPr>
         <p:spPr>
           <a:xfrm>
-            <a:off x="360000" y="180000"/>
-            <a:ext cx="9360000" cy="478080"/>
+            <a:off x="360000" y="167400"/>
+            <a:ext cx="9359640" cy="503280"/>
           </a:xfrm>
           <a:prstGeom prst="rect">
             <a:avLst/>
@@ -7281,7 +9877,13 @@
           </a:bodyPr>
           <a:p>
             <a:pPr indent="0" algn="ctr">
+              <a:lnSpc>
+                <a:spcPct val="100000"/>
+              </a:lnSpc>
               <a:buNone/>
+              <a:tabLst>
+                <a:tab algn="l" pos="0"/>
+              </a:tabLst>
             </a:pPr>
             <a:r>
               <a:rPr b="0" lang="en-US" sz="3300" strike="noStrike" u="none">
@@ -7292,11 +9894,11 @@
                 <a:uFillTx/>
                 <a:latin typeface="Arial"/>
               </a:rPr>
-              <a:t>Builder pattern</a:t>
-            </a:r>
-            <a:endParaRPr b="0" lang="en-US" sz="3300" strike="noStrike" u="none">
-              <a:solidFill>
-                <a:srgbClr val="eeeeee"/>
+              <a:t>MVC (View)</a:t>
+            </a:r>
+            <a:endParaRPr b="0" lang="hu-HU" sz="3300" strike="noStrike" u="none">
+              <a:solidFill>
+                <a:srgbClr val="000000"/>
               </a:solidFill>
               <a:effectLst/>
               <a:uFillTx/>
@@ -7307,7 +9909,7 @@
       </p:sp>
       <p:sp>
         <p:nvSpPr>
-          <p:cNvPr id="34" name="PlaceHolder 2"/>
+          <p:cNvPr id="35" name="PlaceHolder 2"/>
           <p:cNvSpPr>
             <a:spLocks noGrp="1"/>
           </p:cNvSpPr>
@@ -7318,7 +9920,7 @@
         <p:spPr>
           <a:xfrm>
             <a:off x="360000" y="1080000"/>
-            <a:ext cx="9360000" cy="3600000"/>
+            <a:ext cx="9359640" cy="3599640"/>
           </a:xfrm>
           <a:prstGeom prst="rect">
             <a:avLst/>
@@ -7333,7 +9935,40 @@
             <a:noAutofit/>
           </a:bodyPr>
           <a:p>
+            <a:pPr marL="432000" indent="0">
+              <a:lnSpc>
+                <a:spcPct val="100000"/>
+              </a:lnSpc>
+              <a:spcBef>
+                <a:spcPts val="1060"/>
+              </a:spcBef>
+              <a:buNone/>
+            </a:pPr>
+            <a:r>
+              <a:rPr b="0" lang="en-US" sz="2400" strike="noStrike" u="none">
+                <a:solidFill>
+                  <a:srgbClr val="009bdd"/>
+                </a:solidFill>
+                <a:effectLst/>
+                <a:uFillTx/>
+                <a:latin typeface="Arial"/>
+              </a:rPr>
+              <a:t>The view is responsible for the user interface and presentation</a:t>
+            </a:r>
+            <a:endParaRPr b="0" lang="hu-HU" sz="2400" strike="noStrike" u="none">
+              <a:solidFill>
+                <a:srgbClr val="000000"/>
+              </a:solidFill>
+              <a:effectLst/>
+              <a:uFillTx/>
+              <a:latin typeface="Arial"/>
+            </a:endParaRPr>
+          </a:p>
+          <a:p>
             <a:pPr marL="432000" indent="-324000">
+              <a:lnSpc>
+                <a:spcPct val="100000"/>
+              </a:lnSpc>
               <a:spcBef>
                 <a:spcPts val="1060"/>
               </a:spcBef>
@@ -7353,11 +9988,11 @@
                 <a:uFillTx/>
                 <a:latin typeface="Arial"/>
               </a:rPr>
-              <a:t>Used for constructing complex objects step by step</a:t>
-            </a:r>
-            <a:endParaRPr b="0" lang="en-US" sz="2400" strike="noStrike" u="none">
-              <a:solidFill>
-                <a:srgbClr val="009bdd"/>
+              <a:t>Displays data provided by the Model</a:t>
+            </a:r>
+            <a:endParaRPr b="0" lang="hu-HU" sz="2400" strike="noStrike" u="none">
+              <a:solidFill>
+                <a:srgbClr val="000000"/>
               </a:solidFill>
               <a:effectLst/>
               <a:uFillTx/>
@@ -7366,6 +10001,9 @@
           </a:p>
           <a:p>
             <a:pPr marL="432000" indent="-324000">
+              <a:lnSpc>
+                <a:spcPct val="100000"/>
+              </a:lnSpc>
               <a:spcBef>
                 <a:spcPts val="1060"/>
               </a:spcBef>
@@ -7385,11 +10023,11 @@
                 <a:uFillTx/>
                 <a:latin typeface="Arial"/>
               </a:rPr>
-              <a:t>Useful when an object has many optional parameters</a:t>
-            </a:r>
-            <a:endParaRPr b="0" lang="en-US" sz="2400" strike="noStrike" u="none">
-              <a:solidFill>
-                <a:srgbClr val="009bdd"/>
+              <a:t>Contains visual elements such as forms, tables, buttons and text</a:t>
+            </a:r>
+            <a:endParaRPr b="0" lang="hu-HU" sz="2400" strike="noStrike" u="none">
+              <a:solidFill>
+                <a:srgbClr val="000000"/>
               </a:solidFill>
               <a:effectLst/>
               <a:uFillTx/>
@@ -7398,6 +10036,9 @@
           </a:p>
           <a:p>
             <a:pPr marL="432000" indent="-324000">
+              <a:lnSpc>
+                <a:spcPct val="100000"/>
+              </a:lnSpc>
               <a:spcBef>
                 <a:spcPts val="1060"/>
               </a:spcBef>
@@ -7417,11 +10058,46 @@
                 <a:uFillTx/>
                 <a:latin typeface="Arial"/>
               </a:rPr>
-              <a:t>Supports different representations with the same construction process</a:t>
-            </a:r>
-            <a:endParaRPr b="0" lang="en-US" sz="2400" strike="noStrike" u="none">
-              <a:solidFill>
-                <a:srgbClr val="009bdd"/>
+              <a:t>Does not manage business logic</a:t>
+            </a:r>
+            <a:endParaRPr b="0" lang="hu-HU" sz="2400" strike="noStrike" u="none">
+              <a:solidFill>
+                <a:srgbClr val="000000"/>
+              </a:solidFill>
+              <a:effectLst/>
+              <a:uFillTx/>
+              <a:latin typeface="Arial"/>
+            </a:endParaRPr>
+          </a:p>
+          <a:p>
+            <a:pPr marL="432000" indent="-324000">
+              <a:lnSpc>
+                <a:spcPct val="100000"/>
+              </a:lnSpc>
+              <a:spcBef>
+                <a:spcPts val="1060"/>
+              </a:spcBef>
+              <a:buClr>
+                <a:srgbClr val="77caee"/>
+              </a:buClr>
+              <a:buSzPct val="45000"/>
+              <a:buFont typeface="Wingdings" charset="2"/>
+              <a:buChar char=""/>
+            </a:pPr>
+            <a:r>
+              <a:rPr b="0" lang="en-US" sz="2400" strike="noStrike" u="none">
+                <a:solidFill>
+                  <a:srgbClr val="009bdd"/>
+                </a:solidFill>
+                <a:effectLst/>
+                <a:uFillTx/>
+                <a:latin typeface="Arial"/>
+              </a:rPr>
+              <a:t>Does not modify the Model directly</a:t>
+            </a:r>
+            <a:endParaRPr b="0" lang="hu-HU" sz="2400" strike="noStrike" u="none">
+              <a:solidFill>
+                <a:srgbClr val="000000"/>
               </a:solidFill>
               <a:effectLst/>
               <a:uFillTx/>
@@ -7444,7 +10120,7 @@
         <p:txBody>
           <a:bodyPr/>
           <a:p>
-            <a:fld id="{9CDEE554-3B0E-417E-B278-9815FEFFBC84}" type="slidenum">
+            <a:fld id="{CFAD1A0C-08D5-4680-98D9-FE43430D9E38}" type="slidenum">
               <a:t>8</a:t>
             </a:fld>
           </a:p>
@@ -7482,7 +10158,7 @@
       </p:grpSpPr>
       <p:sp>
         <p:nvSpPr>
-          <p:cNvPr id="35" name="PlaceHolder 1"/>
+          <p:cNvPr id="36" name="PlaceHolder 1"/>
           <p:cNvSpPr>
             <a:spLocks noGrp="1"/>
           </p:cNvSpPr>
@@ -7492,8 +10168,8 @@
         </p:nvSpPr>
         <p:spPr>
           <a:xfrm>
-            <a:off x="360000" y="180000"/>
-            <a:ext cx="9360000" cy="478080"/>
+            <a:off x="360000" y="167400"/>
+            <a:ext cx="9359640" cy="503280"/>
           </a:xfrm>
           <a:prstGeom prst="rect">
             <a:avLst/>
@@ -7509,7 +10185,13 @@
           </a:bodyPr>
           <a:p>
             <a:pPr indent="0" algn="ctr">
+              <a:lnSpc>
+                <a:spcPct val="100000"/>
+              </a:lnSpc>
               <a:buNone/>
+              <a:tabLst>
+                <a:tab algn="l" pos="0"/>
+              </a:tabLst>
             </a:pPr>
             <a:r>
               <a:rPr b="0" lang="en-US" sz="3300" strike="noStrike" u="none">
@@ -7520,11 +10202,11 @@
                 <a:uFillTx/>
                 <a:latin typeface="Arial"/>
               </a:rPr>
-              <a:t>Structural pattern</a:t>
-            </a:r>
-            <a:endParaRPr b="0" lang="en-US" sz="3300" strike="noStrike" u="none">
-              <a:solidFill>
-                <a:srgbClr val="eeeeee"/>
+              <a:t>MVC (Controller)</a:t>
+            </a:r>
+            <a:endParaRPr b="0" lang="hu-HU" sz="3300" strike="noStrike" u="none">
+              <a:solidFill>
+                <a:srgbClr val="000000"/>
               </a:solidFill>
               <a:effectLst/>
               <a:uFillTx/>
@@ -7535,7 +10217,7 @@
       </p:sp>
       <p:sp>
         <p:nvSpPr>
-          <p:cNvPr id="36" name="PlaceHolder 2"/>
+          <p:cNvPr id="37" name="PlaceHolder 2"/>
           <p:cNvSpPr>
             <a:spLocks noGrp="1"/>
           </p:cNvSpPr>
@@ -7546,7 +10228,7 @@
         <p:spPr>
           <a:xfrm>
             <a:off x="360000" y="1080000"/>
-            <a:ext cx="9360000" cy="3600000"/>
+            <a:ext cx="9359640" cy="3599640"/>
           </a:xfrm>
           <a:prstGeom prst="rect">
             <a:avLst/>
@@ -7561,7 +10243,40 @@
             <a:noAutofit/>
           </a:bodyPr>
           <a:p>
+            <a:pPr marL="432000" indent="0">
+              <a:lnSpc>
+                <a:spcPct val="100000"/>
+              </a:lnSpc>
+              <a:spcBef>
+                <a:spcPts val="1060"/>
+              </a:spcBef>
+              <a:buNone/>
+            </a:pPr>
+            <a:r>
+              <a:rPr b="0" lang="en-US" sz="2400" strike="noStrike" u="none">
+                <a:solidFill>
+                  <a:srgbClr val="009bdd"/>
+                </a:solidFill>
+                <a:effectLst/>
+                <a:uFillTx/>
+                <a:latin typeface="Arial"/>
+              </a:rPr>
+              <a:t>The Controller acts as the intermediary between the View and Model</a:t>
+            </a:r>
+            <a:endParaRPr b="0" lang="hu-HU" sz="2400" strike="noStrike" u="none">
+              <a:solidFill>
+                <a:srgbClr val="000000"/>
+              </a:solidFill>
+              <a:effectLst/>
+              <a:uFillTx/>
+              <a:latin typeface="Arial"/>
+            </a:endParaRPr>
+          </a:p>
+          <a:p>
             <a:pPr marL="432000" indent="-324000">
+              <a:lnSpc>
+                <a:spcPct val="100000"/>
+              </a:lnSpc>
               <a:spcBef>
                 <a:spcPts val="1060"/>
               </a:spcBef>
@@ -7581,11 +10296,11 @@
                 <a:uFillTx/>
                 <a:latin typeface="Arial"/>
               </a:rPr>
-              <a:t>Focus on how classes and objects form larger structures</a:t>
-            </a:r>
-            <a:endParaRPr b="0" lang="en-US" sz="2400" strike="noStrike" u="none">
-              <a:solidFill>
-                <a:srgbClr val="009bdd"/>
+              <a:t>Handles user input (such as button clicks)</a:t>
+            </a:r>
+            <a:endParaRPr b="0" lang="hu-HU" sz="2400" strike="noStrike" u="none">
+              <a:solidFill>
+                <a:srgbClr val="000000"/>
               </a:solidFill>
               <a:effectLst/>
               <a:uFillTx/>
@@ -7594,6 +10309,9 @@
           </a:p>
           <a:p>
             <a:pPr marL="432000" indent="-324000">
+              <a:lnSpc>
+                <a:spcPct val="100000"/>
+              </a:lnSpc>
               <a:spcBef>
                 <a:spcPts val="1060"/>
               </a:spcBef>
@@ -7613,11 +10331,11 @@
                 <a:uFillTx/>
                 <a:latin typeface="Arial"/>
               </a:rPr>
-              <a:t>Make systems easier to modify and extend</a:t>
-            </a:r>
-            <a:endParaRPr b="0" lang="en-US" sz="2400" strike="noStrike" u="none">
-              <a:solidFill>
-                <a:srgbClr val="009bdd"/>
+              <a:t>Updates or retrieves data from the Model</a:t>
+            </a:r>
+            <a:endParaRPr b="0" lang="hu-HU" sz="2400" strike="noStrike" u="none">
+              <a:solidFill>
+                <a:srgbClr val="000000"/>
               </a:solidFill>
               <a:effectLst/>
               <a:uFillTx/>
@@ -7626,6 +10344,9 @@
           </a:p>
           <a:p>
             <a:pPr marL="432000" indent="-324000">
+              <a:lnSpc>
+                <a:spcPct val="100000"/>
+              </a:lnSpc>
               <a:spcBef>
                 <a:spcPts val="1060"/>
               </a:spcBef>
@@ -7645,171 +10366,46 @@
                 <a:uFillTx/>
                 <a:latin typeface="Arial"/>
               </a:rPr>
-              <a:t>Examples</a:t>
-            </a:r>
-            <a:endParaRPr b="0" lang="en-US" sz="2400" strike="noStrike" u="none">
-              <a:solidFill>
-                <a:srgbClr val="009bdd"/>
-              </a:solidFill>
-              <a:effectLst/>
-              <a:uFillTx/>
-              <a:latin typeface="Arial"/>
-            </a:endParaRPr>
-          </a:p>
-          <a:p>
-            <a:pPr lvl="1" marL="864000" indent="-324000">
-              <a:spcBef>
-                <a:spcPts val="850"/>
-              </a:spcBef>
-              <a:buClr>
-                <a:srgbClr val="77caee"/>
-              </a:buClr>
-              <a:buSzPct val="45000"/>
-              <a:buFont typeface="Wingdings" charset="2"/>
-              <a:buChar char=""/>
-            </a:pPr>
-            <a:r>
-              <a:rPr b="0" lang="en-US" sz="2100" strike="noStrike" u="none">
-                <a:solidFill>
-                  <a:srgbClr val="009bdd"/>
-                </a:solidFill>
-                <a:effectLst/>
-                <a:uFillTx/>
-                <a:latin typeface="Arial"/>
-              </a:rPr>
-              <a:t>Adapter</a:t>
-            </a:r>
-            <a:endParaRPr b="0" lang="en-US" sz="2100" strike="noStrike" u="none">
-              <a:solidFill>
-                <a:srgbClr val="009bdd"/>
-              </a:solidFill>
-              <a:effectLst/>
-              <a:uFillTx/>
-              <a:latin typeface="Arial"/>
-            </a:endParaRPr>
-          </a:p>
-          <a:p>
-            <a:pPr lvl="1" marL="864000" indent="-324000">
-              <a:spcBef>
-                <a:spcPts val="850"/>
-              </a:spcBef>
-              <a:buClr>
-                <a:srgbClr val="77caee"/>
-              </a:buClr>
-              <a:buSzPct val="45000"/>
-              <a:buFont typeface="Wingdings" charset="2"/>
-              <a:buChar char=""/>
-            </a:pPr>
-            <a:r>
-              <a:rPr b="0" lang="en-US" sz="2100" strike="noStrike" u="none">
-                <a:solidFill>
-                  <a:srgbClr val="009bdd"/>
-                </a:solidFill>
-                <a:effectLst/>
-                <a:uFillTx/>
-                <a:latin typeface="Arial"/>
-              </a:rPr>
-              <a:t>Decorator</a:t>
-            </a:r>
-            <a:endParaRPr b="0" lang="en-US" sz="2100" strike="noStrike" u="none">
-              <a:solidFill>
-                <a:srgbClr val="009bdd"/>
-              </a:solidFill>
-              <a:effectLst/>
-              <a:uFillTx/>
-              <a:latin typeface="Arial"/>
-            </a:endParaRPr>
-          </a:p>
-          <a:p>
-            <a:pPr lvl="1" marL="864000" indent="-324000">
-              <a:spcBef>
-                <a:spcPts val="850"/>
-              </a:spcBef>
-              <a:buClr>
-                <a:srgbClr val="77caee"/>
-              </a:buClr>
-              <a:buSzPct val="45000"/>
-              <a:buFont typeface="Wingdings" charset="2"/>
-              <a:buChar char=""/>
-            </a:pPr>
-            <a:r>
-              <a:rPr b="0" lang="en-US" sz="2100" strike="noStrike" u="none">
-                <a:solidFill>
-                  <a:srgbClr val="009bdd"/>
-                </a:solidFill>
-                <a:effectLst/>
-                <a:uFillTx/>
-                <a:latin typeface="Arial"/>
-              </a:rPr>
-              <a:t>Facade</a:t>
-            </a:r>
-            <a:endParaRPr b="0" lang="en-US" sz="2100" strike="noStrike" u="none">
-              <a:solidFill>
-                <a:srgbClr val="009bdd"/>
-              </a:solidFill>
-              <a:effectLst/>
-              <a:uFillTx/>
-              <a:latin typeface="Arial"/>
-            </a:endParaRPr>
-          </a:p>
-          <a:p>
-            <a:pPr lvl="1" marL="864000" indent="-324000">
-              <a:spcBef>
-                <a:spcPts val="850"/>
-              </a:spcBef>
-              <a:buClr>
-                <a:srgbClr val="77caee"/>
-              </a:buClr>
-              <a:buSzPct val="45000"/>
-              <a:buFont typeface="Wingdings" charset="2"/>
-              <a:buChar char=""/>
-            </a:pPr>
-            <a:r>
-              <a:rPr b="0" lang="en-US" sz="2100" strike="noStrike" u="none">
-                <a:solidFill>
-                  <a:srgbClr val="009bdd"/>
-                </a:solidFill>
-                <a:effectLst/>
-                <a:uFillTx/>
-                <a:latin typeface="Arial"/>
-              </a:rPr>
-              <a:t>Proxy</a:t>
-            </a:r>
-            <a:endParaRPr b="0" lang="en-US" sz="2100" strike="noStrike" u="none">
-              <a:solidFill>
-                <a:srgbClr val="009bdd"/>
-              </a:solidFill>
-              <a:effectLst/>
-              <a:uFillTx/>
-              <a:latin typeface="Arial"/>
-            </a:endParaRPr>
-          </a:p>
-          <a:p>
-            <a:pPr lvl="1" marL="864000" indent="-324000">
-              <a:spcBef>
-                <a:spcPts val="850"/>
-              </a:spcBef>
-              <a:buClr>
-                <a:srgbClr val="77caee"/>
-              </a:buClr>
-              <a:buSzPct val="45000"/>
-              <a:buFont typeface="Wingdings" charset="2"/>
-              <a:buChar char=""/>
-            </a:pPr>
-            <a:r>
-              <a:rPr b="0" lang="en-US" sz="2100" strike="noStrike" u="none">
-                <a:solidFill>
-                  <a:srgbClr val="009bdd"/>
-                </a:solidFill>
-                <a:effectLst/>
-                <a:uFillTx/>
-                <a:latin typeface="Arial"/>
-              </a:rPr>
-              <a:t>Composite</a:t>
-            </a:r>
-            <a:endParaRPr b="0" lang="en-US" sz="2100" strike="noStrike" u="none">
-              <a:solidFill>
-                <a:srgbClr val="009bdd"/>
+              <a:t>Chooses which View to display</a:t>
+            </a:r>
+            <a:endParaRPr b="0" lang="hu-HU" sz="2400" strike="noStrike" u="none">
+              <a:solidFill>
+                <a:srgbClr val="000000"/>
+              </a:solidFill>
+              <a:effectLst/>
+              <a:uFillTx/>
+              <a:latin typeface="Arial"/>
+            </a:endParaRPr>
+          </a:p>
+          <a:p>
+            <a:pPr marL="432000" indent="-324000">
+              <a:lnSpc>
+                <a:spcPct val="100000"/>
+              </a:lnSpc>
+              <a:spcBef>
+                <a:spcPts val="1060"/>
+              </a:spcBef>
+              <a:buClr>
+                <a:srgbClr val="77caee"/>
+              </a:buClr>
+              <a:buSzPct val="45000"/>
+              <a:buFont typeface="Wingdings" charset="2"/>
+              <a:buChar char=""/>
+            </a:pPr>
+            <a:r>
+              <a:rPr b="0" lang="en-US" sz="2400" strike="noStrike" u="none">
+                <a:solidFill>
+                  <a:srgbClr val="009bdd"/>
+                </a:solidFill>
+                <a:effectLst/>
+                <a:uFillTx/>
+                <a:latin typeface="Arial"/>
+              </a:rPr>
+              <a:t>Controls the flow of data between the Model and View</a:t>
+            </a:r>
+            <a:endParaRPr b="0" lang="hu-HU" sz="2400" strike="noStrike" u="none">
+              <a:solidFill>
+                <a:srgbClr val="000000"/>
               </a:solidFill>
               <a:effectLst/>
               <a:uFillTx/>
@@ -7832,7 +10428,7 @@
         <p:txBody>
           <a:bodyPr/>
           <a:p>
-            <a:fld id="{611BC6E8-F27B-47F0-9566-1432A22FB6B8}" type="slidenum">
+            <a:fld id="{97D901D9-94FE-4E66-BA5E-3B35DB7A6EE9}" type="slidenum">
               <a:t>9</a:t>
             </a:fld>
           </a:p>
